--- a/teaching/lectures/2025_Hume_MT_current.pptx
+++ b/teaching/lectures/2025_Hume_MT_current.pptx
@@ -5,10 +5,10 @@
     <p:sldMasterId id="2147483705" r:id="rId1"/>
   </p:sldMasterIdLst>
   <p:notesMasterIdLst>
-    <p:notesMasterId r:id="rId44"/>
+    <p:notesMasterId r:id="rId86"/>
   </p:notesMasterIdLst>
   <p:handoutMasterIdLst>
-    <p:handoutMasterId r:id="rId45"/>
+    <p:handoutMasterId r:id="rId87"/>
   </p:handoutMasterIdLst>
   <p:sldIdLst>
     <p:sldId id="1467" r:id="rId2"/>
@@ -53,6 +53,48 @@
     <p:sldId id="1500" r:id="rId41"/>
     <p:sldId id="1501" r:id="rId42"/>
     <p:sldId id="1502" r:id="rId43"/>
+    <p:sldId id="257" r:id="rId44"/>
+    <p:sldId id="1503" r:id="rId45"/>
+    <p:sldId id="1319" r:id="rId46"/>
+    <p:sldId id="961" r:id="rId47"/>
+    <p:sldId id="962" r:id="rId48"/>
+    <p:sldId id="1504" r:id="rId49"/>
+    <p:sldId id="1505" r:id="rId50"/>
+    <p:sldId id="1506" r:id="rId51"/>
+    <p:sldId id="1507" r:id="rId52"/>
+    <p:sldId id="1508" r:id="rId53"/>
+    <p:sldId id="1509" r:id="rId54"/>
+    <p:sldId id="1510" r:id="rId55"/>
+    <p:sldId id="1511" r:id="rId56"/>
+    <p:sldId id="1706" r:id="rId57"/>
+    <p:sldId id="1708" r:id="rId58"/>
+    <p:sldId id="967" r:id="rId59"/>
+    <p:sldId id="1709" r:id="rId60"/>
+    <p:sldId id="1512" r:id="rId61"/>
+    <p:sldId id="1513" r:id="rId62"/>
+    <p:sldId id="1096" r:id="rId63"/>
+    <p:sldId id="1521" r:id="rId64"/>
+    <p:sldId id="945" r:id="rId65"/>
+    <p:sldId id="975" r:id="rId66"/>
+    <p:sldId id="976" r:id="rId67"/>
+    <p:sldId id="1225" r:id="rId68"/>
+    <p:sldId id="1702" r:id="rId69"/>
+    <p:sldId id="1701" r:id="rId70"/>
+    <p:sldId id="1704" r:id="rId71"/>
+    <p:sldId id="1520" r:id="rId72"/>
+    <p:sldId id="1321" r:id="rId73"/>
+    <p:sldId id="1322" r:id="rId74"/>
+    <p:sldId id="1323" r:id="rId75"/>
+    <p:sldId id="956" r:id="rId76"/>
+    <p:sldId id="1325" r:id="rId77"/>
+    <p:sldId id="1522" r:id="rId78"/>
+    <p:sldId id="1524" r:id="rId79"/>
+    <p:sldId id="1537" r:id="rId80"/>
+    <p:sldId id="1533" r:id="rId81"/>
+    <p:sldId id="1534" r:id="rId82"/>
+    <p:sldId id="1535" r:id="rId83"/>
+    <p:sldId id="1532" r:id="rId84"/>
+    <p:sldId id="1540" r:id="rId85"/>
   </p:sldIdLst>
   <p:sldSz cx="9144000" cy="6858000" type="screen4x3"/>
   <p:notesSz cx="7315200" cy="9601200"/>
@@ -281,7 +323,7 @@
             </a:r>
             <a:r>
               <a:rPr lang="en-GB" sz="2100" b="1"/>
-              <a:t>, 2025-26</a:t>
+              <a:t>, 2024-25</a:t>
             </a:r>
             <a:endParaRPr lang="en-US" sz="2100" b="1" dirty="0"/>
           </a:p>
@@ -4264,6 +4306,143 @@
     <p:extLst>
       <p:ext uri="{BB962C8B-B14F-4D97-AF65-F5344CB8AC3E}">
         <p14:creationId xmlns:p14="http://schemas.microsoft.com/office/powerpoint/2010/main" val="2029510008"/>
+      </p:ext>
+    </p:extLst>
+  </p:cSld>
+  <p:clrMapOvr>
+    <a:masterClrMapping/>
+  </p:clrMapOvr>
+</p:notes>
+</file>
+
+<file path=ppt/notesSlides/notesSlide9.xml><?xml version="1.0" encoding="utf-8"?>
+<p:notes xmlns:a="http://schemas.openxmlformats.org/drawingml/2006/main" xmlns:r="http://schemas.openxmlformats.org/officeDocument/2006/relationships" xmlns:p="http://schemas.openxmlformats.org/presentationml/2006/main">
+  <p:cSld>
+    <p:spTree>
+      <p:nvGrpSpPr>
+        <p:cNvPr id="1" name=""/>
+        <p:cNvGrpSpPr/>
+        <p:nvPr/>
+      </p:nvGrpSpPr>
+      <p:grpSpPr>
+        <a:xfrm>
+          <a:off x="0" y="0"/>
+          <a:ext cx="0" cy="0"/>
+          <a:chOff x="0" y="0"/>
+          <a:chExt cx="0" cy="0"/>
+        </a:xfrm>
+      </p:grpSpPr>
+      <p:sp>
+        <p:nvSpPr>
+          <p:cNvPr id="4" name="Rectangle 2"/>
+          <p:cNvSpPr>
+            <a:spLocks noGrp="1" noChangeArrowheads="1"/>
+          </p:cNvSpPr>
+          <p:nvPr>
+            <p:ph type="hdr" sz="quarter"/>
+          </p:nvPr>
+        </p:nvSpPr>
+        <p:spPr>
+          <a:ln/>
+        </p:spPr>
+        <p:txBody>
+          <a:bodyPr/>
+          <a:lstStyle/>
+          <a:p>
+            <a:r>
+              <a:rPr lang="en-GB"/>
+              <a:t>Hume</a:t>
+            </a:r>
+          </a:p>
+        </p:txBody>
+      </p:sp>
+      <p:sp>
+        <p:nvSpPr>
+          <p:cNvPr id="5" name="Rectangle 6"/>
+          <p:cNvSpPr>
+            <a:spLocks noGrp="1" noChangeArrowheads="1"/>
+          </p:cNvSpPr>
+          <p:nvPr>
+            <p:ph type="ftr" sz="quarter" idx="4"/>
+          </p:nvPr>
+        </p:nvSpPr>
+        <p:spPr>
+          <a:ln/>
+        </p:spPr>
+        <p:txBody>
+          <a:bodyPr/>
+          <a:lstStyle/>
+          <a:p>
+            <a:r>
+              <a:rPr lang="en-GB"/>
+              <a:t>Peter Millican, Tampere, Sept 2006</a:t>
+            </a:r>
+          </a:p>
+        </p:txBody>
+      </p:sp>
+      <p:sp>
+        <p:nvSpPr>
+          <p:cNvPr id="6" name="Rectangle 7"/>
+          <p:cNvSpPr>
+            <a:spLocks noGrp="1" noChangeArrowheads="1"/>
+          </p:cNvSpPr>
+          <p:nvPr>
+            <p:ph type="sldNum" sz="quarter" idx="5"/>
+          </p:nvPr>
+        </p:nvSpPr>
+        <p:spPr>
+          <a:ln/>
+        </p:spPr>
+        <p:txBody>
+          <a:bodyPr/>
+          <a:lstStyle/>
+          <a:p>
+            <a:fld id="{5AEBFE11-5342-470A-855B-2D8F4DEE07D2}" type="slidenum">
+              <a:rPr lang="en-GB"/>
+              <a:pPr/>
+              <a:t>43</a:t>
+            </a:fld>
+            <a:endParaRPr lang="en-GB"/>
+          </a:p>
+        </p:txBody>
+      </p:sp>
+      <p:sp>
+        <p:nvSpPr>
+          <p:cNvPr id="119810" name="Rectangle 2"/>
+          <p:cNvSpPr>
+            <a:spLocks noGrp="1" noRot="1" noChangeAspect="1" noChangeArrowheads="1" noTextEdit="1"/>
+          </p:cNvSpPr>
+          <p:nvPr>
+            <p:ph type="sldImg"/>
+          </p:nvPr>
+        </p:nvSpPr>
+        <p:spPr>
+          <a:ln/>
+        </p:spPr>
+      </p:sp>
+      <p:sp>
+        <p:nvSpPr>
+          <p:cNvPr id="119811" name="Rectangle 3"/>
+          <p:cNvSpPr>
+            <a:spLocks noGrp="1" noChangeArrowheads="1"/>
+          </p:cNvSpPr>
+          <p:nvPr>
+            <p:ph type="body" idx="1"/>
+          </p:nvPr>
+        </p:nvSpPr>
+        <p:spPr/>
+        <p:txBody>
+          <a:bodyPr/>
+          <a:lstStyle/>
+          <a:p>
+            <a:endParaRPr lang="en-GB"/>
+          </a:p>
+        </p:txBody>
+      </p:sp>
+    </p:spTree>
+    <p:extLst>
+      <p:ext uri="{BB962C8B-B14F-4D97-AF65-F5344CB8AC3E}">
+        <p14:creationId xmlns:p14="http://schemas.microsoft.com/office/powerpoint/2010/main" val="3729640879"/>
       </p:ext>
     </p:extLst>
   </p:cSld>
@@ -14944,7 +15123,7 @@
           <a:p>
             <a:r>
               <a:rPr lang="en-GB" sz="2800"/>
-              <a:t>Click on “Texts” to see the menu of texts as shown on the previous slide.</a:t>
+              <a:t>Click on “Texts” to see the menu of texts as shown on the previous .</a:t>
             </a:r>
           </a:p>
           <a:p>
@@ -21385,6 +21564,1400 @@
 </p:sld>
 </file>
 
+<file path=ppt/slides/slide43.xml><?xml version="1.0" encoding="utf-8"?>
+<p:sld xmlns:a="http://schemas.openxmlformats.org/drawingml/2006/main" xmlns:r="http://schemas.openxmlformats.org/officeDocument/2006/relationships" xmlns:p="http://schemas.openxmlformats.org/presentationml/2006/main">
+  <p:cSld>
+    <p:spTree>
+      <p:nvGrpSpPr>
+        <p:cNvPr id="1" name=""/>
+        <p:cNvGrpSpPr/>
+        <p:nvPr/>
+      </p:nvGrpSpPr>
+      <p:grpSpPr>
+        <a:xfrm>
+          <a:off x="0" y="0"/>
+          <a:ext cx="0" cy="0"/>
+          <a:chOff x="0" y="0"/>
+          <a:chExt cx="0" cy="0"/>
+        </a:xfrm>
+      </p:grpSpPr>
+      <p:sp>
+        <p:nvSpPr>
+          <p:cNvPr id="2050" name="Rectangle 2"/>
+          <p:cNvSpPr>
+            <a:spLocks noGrp="1" noChangeArrowheads="1"/>
+          </p:cNvSpPr>
+          <p:nvPr>
+            <p:ph type="ctrTitle"/>
+          </p:nvPr>
+        </p:nvSpPr>
+        <p:spPr>
+          <a:xfrm>
+            <a:off x="457200" y="584200"/>
+            <a:ext cx="8229600" cy="1620838"/>
+          </a:xfrm>
+        </p:spPr>
+        <p:txBody>
+          <a:bodyPr/>
+          <a:lstStyle/>
+          <a:p>
+            <a:r>
+              <a:rPr lang="en-GB" dirty="0"/>
+              <a:t>David Hume, 1711-1776</a:t>
+            </a:r>
+            <a:endParaRPr lang="en-US" i="1" dirty="0"/>
+          </a:p>
+        </p:txBody>
+      </p:sp>
+      <p:pic>
+        <p:nvPicPr>
+          <p:cNvPr id="2053" name="Picture 5" descr="hume1"/>
+          <p:cNvPicPr>
+            <a:picLocks noChangeAspect="1" noChangeArrowheads="1"/>
+          </p:cNvPicPr>
+          <p:nvPr/>
+        </p:nvPicPr>
+        <p:blipFill>
+          <a:blip r:embed="rId3" cstate="print"/>
+          <a:srcRect/>
+          <a:stretch>
+            <a:fillRect/>
+          </a:stretch>
+        </p:blipFill>
+        <p:spPr bwMode="auto">
+          <a:xfrm>
+            <a:off x="539750" y="3429000"/>
+            <a:ext cx="2365375" cy="2952750"/>
+          </a:xfrm>
+          <a:prstGeom prst="rect">
+            <a:avLst/>
+          </a:prstGeom>
+          <a:noFill/>
+        </p:spPr>
+      </p:pic>
+      <p:sp>
+        <p:nvSpPr>
+          <p:cNvPr id="2054" name="Rectangle 6"/>
+          <p:cNvSpPr>
+            <a:spLocks noChangeArrowheads="1"/>
+          </p:cNvSpPr>
+          <p:nvPr/>
+        </p:nvSpPr>
+        <p:spPr bwMode="auto">
+          <a:xfrm>
+            <a:off x="3348038" y="4941888"/>
+            <a:ext cx="5327650" cy="1439862"/>
+          </a:xfrm>
+          <a:prstGeom prst="rect">
+            <a:avLst/>
+          </a:prstGeom>
+          <a:noFill/>
+          <a:ln w="9525">
+            <a:noFill/>
+            <a:miter lim="800000"/>
+            <a:headEnd/>
+            <a:tailEnd/>
+          </a:ln>
+          <a:effectLst/>
+        </p:spPr>
+        <p:txBody>
+          <a:bodyPr/>
+          <a:lstStyle/>
+          <a:p>
+            <a:pPr algn="ctr" eaLnBrk="1" hangingPunct="1">
+              <a:spcBef>
+                <a:spcPct val="20000"/>
+              </a:spcBef>
+              <a:buClr>
+                <a:schemeClr val="hlink"/>
+              </a:buClr>
+              <a:buSzPct val="90000"/>
+              <a:buFont typeface="Wingdings" charset="2"/>
+              <a:buNone/>
+            </a:pPr>
+            <a:r>
+              <a:rPr lang="en-GB" sz="3600">
+                <a:effectLst>
+                  <a:outerShdw blurRad="38100" dist="38100" dir="2700000" algn="tl">
+                    <a:srgbClr val="000000"/>
+                  </a:outerShdw>
+                </a:effectLst>
+              </a:rPr>
+              <a:t>Peter Millican</a:t>
+            </a:r>
+          </a:p>
+          <a:p>
+            <a:pPr algn="ctr" eaLnBrk="1" hangingPunct="1">
+              <a:spcBef>
+                <a:spcPct val="20000"/>
+              </a:spcBef>
+              <a:buClr>
+                <a:schemeClr val="hlink"/>
+              </a:buClr>
+              <a:buSzPct val="90000"/>
+              <a:buFont typeface="Wingdings" charset="2"/>
+              <a:buNone/>
+            </a:pPr>
+            <a:r>
+              <a:rPr lang="en-GB" sz="3600">
+                <a:effectLst>
+                  <a:outerShdw blurRad="38100" dist="38100" dir="2700000" algn="tl">
+                    <a:srgbClr val="000000"/>
+                  </a:outerShdw>
+                </a:effectLst>
+              </a:rPr>
+              <a:t>Hertford College, Oxford</a:t>
+            </a:r>
+            <a:endParaRPr lang="en-US" sz="3600">
+              <a:effectLst>
+                <a:outerShdw blurRad="38100" dist="38100" dir="2700000" algn="tl">
+                  <a:srgbClr val="000000"/>
+                </a:outerShdw>
+              </a:effectLst>
+            </a:endParaRPr>
+          </a:p>
+        </p:txBody>
+      </p:sp>
+      <p:sp>
+        <p:nvSpPr>
+          <p:cNvPr id="2058" name="Rectangle 10"/>
+          <p:cNvSpPr>
+            <a:spLocks noChangeArrowheads="1"/>
+          </p:cNvSpPr>
+          <p:nvPr/>
+        </p:nvSpPr>
+        <p:spPr bwMode="auto">
+          <a:xfrm>
+            <a:off x="3348038" y="2636838"/>
+            <a:ext cx="5327650" cy="2232025"/>
+          </a:xfrm>
+          <a:prstGeom prst="rect">
+            <a:avLst/>
+          </a:prstGeom>
+          <a:noFill/>
+          <a:ln w="9525">
+            <a:noFill/>
+            <a:miter lim="800000"/>
+            <a:headEnd/>
+            <a:tailEnd/>
+          </a:ln>
+          <a:effectLst/>
+        </p:spPr>
+        <p:txBody>
+          <a:bodyPr/>
+          <a:lstStyle/>
+          <a:p>
+            <a:pPr algn="ctr" eaLnBrk="1" hangingPunct="1">
+              <a:spcBef>
+                <a:spcPct val="20000"/>
+              </a:spcBef>
+              <a:buClr>
+                <a:schemeClr val="hlink"/>
+              </a:buClr>
+              <a:buSzPct val="90000"/>
+              <a:buFont typeface="Wingdings" charset="2"/>
+              <a:buNone/>
+            </a:pPr>
+            <a:r>
+              <a:rPr lang="en-GB" sz="3000" i="1" dirty="0">
+                <a:solidFill>
+                  <a:srgbClr val="FF7C80"/>
+                </a:solidFill>
+                <a:effectLst>
+                  <a:outerShdw blurRad="38100" dist="38100" dir="2700000" algn="tl">
+                    <a:srgbClr val="000000"/>
+                  </a:outerShdw>
+                </a:effectLst>
+              </a:rPr>
+              <a:t>2</a:t>
+            </a:r>
+            <a:r>
+              <a:rPr lang="en-GB" sz="3000" i="1">
+                <a:solidFill>
+                  <a:srgbClr val="FF7C80"/>
+                </a:solidFill>
+                <a:effectLst>
+                  <a:outerShdw blurRad="38100" dist="38100" dir="2700000" algn="tl">
+                    <a:srgbClr val="000000"/>
+                  </a:outerShdw>
+                </a:effectLst>
+              </a:rPr>
+              <a:t>. Force and Vivacity,</a:t>
+            </a:r>
+            <a:br>
+              <a:rPr lang="en-GB" sz="3000" i="1">
+                <a:solidFill>
+                  <a:srgbClr val="FF7C80"/>
+                </a:solidFill>
+                <a:effectLst>
+                  <a:outerShdw blurRad="38100" dist="38100" dir="2700000" algn="tl">
+                    <a:srgbClr val="000000"/>
+                  </a:outerShdw>
+                </a:effectLst>
+              </a:rPr>
+            </a:br>
+            <a:r>
+              <a:rPr lang="en-GB" sz="3000" i="1">
+                <a:solidFill>
+                  <a:srgbClr val="FF7C80"/>
+                </a:solidFill>
+                <a:effectLst>
+                  <a:outerShdw blurRad="38100" dist="38100" dir="2700000" algn="tl">
+                    <a:srgbClr val="000000"/>
+                  </a:outerShdw>
+                </a:effectLst>
+              </a:rPr>
+              <a:t>Belief, Separability and Association of Ideas</a:t>
+            </a:r>
+            <a:endParaRPr lang="en-US" sz="3000" i="1" dirty="0">
+              <a:solidFill>
+                <a:srgbClr val="FF7C80"/>
+              </a:solidFill>
+              <a:effectLst>
+                <a:outerShdw blurRad="38100" dist="38100" dir="2700000" algn="tl">
+                  <a:srgbClr val="000000"/>
+                </a:outerShdw>
+              </a:effectLst>
+            </a:endParaRPr>
+          </a:p>
+        </p:txBody>
+      </p:sp>
+    </p:spTree>
+    <p:extLst>
+      <p:ext uri="{BB962C8B-B14F-4D97-AF65-F5344CB8AC3E}">
+        <p14:creationId xmlns:p14="http://schemas.microsoft.com/office/powerpoint/2010/main" val="2114457574"/>
+      </p:ext>
+    </p:extLst>
+  </p:cSld>
+  <p:clrMapOvr>
+    <a:masterClrMapping/>
+  </p:clrMapOvr>
+  <p:transition spd="med">
+    <p:cover/>
+  </p:transition>
+</p:sld>
+</file>
+
+<file path=ppt/slides/slide44.xml><?xml version="1.0" encoding="utf-8"?>
+<p:sld xmlns:a="http://schemas.openxmlformats.org/drawingml/2006/main" xmlns:r="http://schemas.openxmlformats.org/officeDocument/2006/relationships" xmlns:p="http://schemas.openxmlformats.org/presentationml/2006/main">
+  <p:cSld>
+    <p:spTree>
+      <p:nvGrpSpPr>
+        <p:cNvPr id="1" name=""/>
+        <p:cNvGrpSpPr/>
+        <p:nvPr/>
+      </p:nvGrpSpPr>
+      <p:grpSpPr>
+        <a:xfrm>
+          <a:off x="0" y="0"/>
+          <a:ext cx="0" cy="0"/>
+          <a:chOff x="0" y="0"/>
+          <a:chExt cx="0" cy="0"/>
+        </a:xfrm>
+      </p:grpSpPr>
+      <p:sp>
+        <p:nvSpPr>
+          <p:cNvPr id="2" name="Title 1">
+            <a:extLst>
+              <a:ext uri="{FF2B5EF4-FFF2-40B4-BE49-F238E27FC236}">
+                <a16:creationId xmlns:a16="http://schemas.microsoft.com/office/drawing/2014/main" id="{A04A4417-7E24-ED63-7EE8-E3AB4CC59B91}"/>
+              </a:ext>
+            </a:extLst>
+          </p:cNvPr>
+          <p:cNvSpPr>
+            <a:spLocks noGrp="1"/>
+          </p:cNvSpPr>
+          <p:nvPr>
+            <p:ph type="title"/>
+          </p:nvPr>
+        </p:nvSpPr>
+        <p:spPr>
+          <a:xfrm>
+            <a:off x="179512" y="145244"/>
+            <a:ext cx="8784976" cy="763476"/>
+          </a:xfrm>
+        </p:spPr>
+        <p:txBody>
+          <a:bodyPr/>
+          <a:lstStyle/>
+          <a:p>
+            <a:r>
+              <a:rPr lang="en-GB"/>
+              <a:t>Reminder of Learning Resources</a:t>
+            </a:r>
+          </a:p>
+        </p:txBody>
+      </p:sp>
+      <p:sp>
+        <p:nvSpPr>
+          <p:cNvPr id="3" name="Content Placeholder 2">
+            <a:extLst>
+              <a:ext uri="{FF2B5EF4-FFF2-40B4-BE49-F238E27FC236}">
+                <a16:creationId xmlns:a16="http://schemas.microsoft.com/office/drawing/2014/main" id="{3888DFEE-4D58-A741-E608-8DAE6423DCBC}"/>
+              </a:ext>
+            </a:extLst>
+          </p:cNvPr>
+          <p:cNvSpPr>
+            <a:spLocks noGrp="1"/>
+          </p:cNvSpPr>
+          <p:nvPr>
+            <p:ph idx="1"/>
+          </p:nvPr>
+        </p:nvSpPr>
+        <p:spPr>
+          <a:xfrm>
+            <a:off x="719572" y="4473116"/>
+            <a:ext cx="7967228" cy="2160240"/>
+          </a:xfrm>
+        </p:spPr>
+        <p:txBody>
+          <a:bodyPr/>
+          <a:lstStyle/>
+          <a:p>
+            <a:r>
+              <a:rPr lang="en-GB"/>
+              <a:t>See in particular:</a:t>
+            </a:r>
+          </a:p>
+          <a:p>
+            <a:pPr lvl="1"/>
+            <a:r>
+              <a:rPr lang="en-GB"/>
+              <a:t>“Overview of </a:t>
+            </a:r>
+            <a:r>
+              <a:rPr lang="en-GB" i="1"/>
+              <a:t>Treatise</a:t>
+            </a:r>
+            <a:r>
+              <a:rPr lang="en-GB"/>
+              <a:t> Book 1 Part 1”</a:t>
+            </a:r>
+          </a:p>
+          <a:p>
+            <a:pPr lvl="1"/>
+            <a:r>
+              <a:rPr lang="en-GB"/>
+              <a:t>“Notes on Hume on Ideas and Impressions”</a:t>
+            </a:r>
+          </a:p>
+          <a:p>
+            <a:pPr lvl="1"/>
+            <a:r>
+              <a:rPr lang="en-GB"/>
+              <a:t>“Notes on Hume’s Copy Principle”</a:t>
+            </a:r>
+          </a:p>
+        </p:txBody>
+      </p:sp>
+      <p:sp>
+        <p:nvSpPr>
+          <p:cNvPr id="4" name="Slide Number Placeholder 3">
+            <a:extLst>
+              <a:ext uri="{FF2B5EF4-FFF2-40B4-BE49-F238E27FC236}">
+                <a16:creationId xmlns:a16="http://schemas.microsoft.com/office/drawing/2014/main" id="{CB20AB7F-D62B-E6EA-26B4-CF4295299D7D}"/>
+              </a:ext>
+            </a:extLst>
+          </p:cNvPr>
+          <p:cNvSpPr>
+            <a:spLocks noGrp="1"/>
+          </p:cNvSpPr>
+          <p:nvPr>
+            <p:ph type="sldNum" sz="quarter" idx="10"/>
+          </p:nvPr>
+        </p:nvSpPr>
+        <p:spPr/>
+        <p:txBody>
+          <a:bodyPr/>
+          <a:lstStyle/>
+          <a:p>
+            <a:fld id="{FFD1EE05-59BE-439B-B8B7-F61DC751609B}" type="slidenum">
+              <a:rPr lang="en-US" smtClean="0"/>
+              <a:pPr/>
+              <a:t>44</a:t>
+            </a:fld>
+            <a:endParaRPr lang="en-US"/>
+          </a:p>
+        </p:txBody>
+      </p:sp>
+      <p:pic>
+        <p:nvPicPr>
+          <p:cNvPr id="6" name="Picture 5">
+            <a:extLst>
+              <a:ext uri="{FF2B5EF4-FFF2-40B4-BE49-F238E27FC236}">
+                <a16:creationId xmlns:a16="http://schemas.microsoft.com/office/drawing/2014/main" id="{6894232C-6F54-DECD-7EC1-CB9D06C22E0F}"/>
+              </a:ext>
+            </a:extLst>
+          </p:cNvPr>
+          <p:cNvPicPr>
+            <a:picLocks noChangeAspect="1"/>
+          </p:cNvPicPr>
+          <p:nvPr/>
+        </p:nvPicPr>
+        <p:blipFill>
+          <a:blip r:embed="rId2"/>
+          <a:stretch>
+            <a:fillRect/>
+          </a:stretch>
+        </p:blipFill>
+        <p:spPr>
+          <a:xfrm>
+            <a:off x="432323" y="1178490"/>
+            <a:ext cx="8229601" cy="2934586"/>
+          </a:xfrm>
+          <a:prstGeom prst="rect">
+            <a:avLst/>
+          </a:prstGeom>
+        </p:spPr>
+      </p:pic>
+      <p:cxnSp>
+        <p:nvCxnSpPr>
+          <p:cNvPr id="7" name="Straight Arrow Connector 6">
+            <a:extLst>
+              <a:ext uri="{FF2B5EF4-FFF2-40B4-BE49-F238E27FC236}">
+                <a16:creationId xmlns:a16="http://schemas.microsoft.com/office/drawing/2014/main" id="{4ABACC07-3538-03F9-2719-5135EFE2B762}"/>
+              </a:ext>
+            </a:extLst>
+          </p:cNvPr>
+          <p:cNvCxnSpPr>
+            <a:cxnSpLocks/>
+          </p:cNvCxnSpPr>
+          <p:nvPr/>
+        </p:nvCxnSpPr>
+        <p:spPr bwMode="auto">
+          <a:xfrm>
+            <a:off x="7092280" y="2204864"/>
+            <a:ext cx="0" cy="540060"/>
+          </a:xfrm>
+          <a:prstGeom prst="straightConnector1">
+            <a:avLst/>
+          </a:prstGeom>
+          <a:solidFill>
+            <a:schemeClr val="accent1"/>
+          </a:solidFill>
+          <a:ln w="31750" cap="sq" cmpd="sng" algn="ctr">
+            <a:solidFill>
+              <a:schemeClr val="bg2">
+                <a:lumMod val="60000"/>
+                <a:lumOff val="40000"/>
+              </a:schemeClr>
+            </a:solidFill>
+            <a:prstDash val="solid"/>
+            <a:round/>
+            <a:headEnd type="stealth" w="lg" len="lg"/>
+            <a:tailEnd type="none" w="lg" len="lg"/>
+          </a:ln>
+          <a:effectLst/>
+        </p:spPr>
+      </p:cxnSp>
+    </p:spTree>
+    <p:extLst>
+      <p:ext uri="{BB962C8B-B14F-4D97-AF65-F5344CB8AC3E}">
+        <p14:creationId xmlns:p14="http://schemas.microsoft.com/office/powerpoint/2010/main" val="3141787681"/>
+      </p:ext>
+    </p:extLst>
+  </p:cSld>
+  <p:clrMapOvr>
+    <a:masterClrMapping/>
+  </p:clrMapOvr>
+  <p:transition spd="med">
+    <p:cover/>
+  </p:transition>
+</p:sld>
+</file>
+
+<file path=ppt/slides/slide45.xml><?xml version="1.0" encoding="utf-8"?>
+<p:sld xmlns:a="http://schemas.openxmlformats.org/drawingml/2006/main" xmlns:r="http://schemas.openxmlformats.org/officeDocument/2006/relationships" xmlns:p="http://schemas.openxmlformats.org/presentationml/2006/main">
+  <p:cSld>
+    <p:spTree>
+      <p:nvGrpSpPr>
+        <p:cNvPr id="1" name=""/>
+        <p:cNvGrpSpPr/>
+        <p:nvPr/>
+      </p:nvGrpSpPr>
+      <p:grpSpPr>
+        <a:xfrm>
+          <a:off x="0" y="0"/>
+          <a:ext cx="0" cy="0"/>
+          <a:chOff x="0" y="0"/>
+          <a:chExt cx="0" cy="0"/>
+        </a:xfrm>
+      </p:grpSpPr>
+      <p:sp>
+        <p:nvSpPr>
+          <p:cNvPr id="2" name="Title 1"/>
+          <p:cNvSpPr>
+            <a:spLocks noGrp="1"/>
+          </p:cNvSpPr>
+          <p:nvPr>
+            <p:ph type="title"/>
+          </p:nvPr>
+        </p:nvSpPr>
+        <p:spPr>
+          <a:xfrm>
+            <a:off x="457200" y="224644"/>
+            <a:ext cx="8229600" cy="702915"/>
+          </a:xfrm>
+        </p:spPr>
+        <p:txBody>
+          <a:bodyPr/>
+          <a:lstStyle/>
+          <a:p>
+            <a:r>
+              <a:rPr lang="en-GB"/>
+              <a:t>Last </a:t>
+            </a:r>
+            <a:r>
+              <a:rPr lang="en-GB" dirty="0"/>
+              <a:t>Time ...</a:t>
+            </a:r>
+          </a:p>
+        </p:txBody>
+      </p:sp>
+      <p:sp>
+        <p:nvSpPr>
+          <p:cNvPr id="3" name="Content Placeholder 2"/>
+          <p:cNvSpPr>
+            <a:spLocks noGrp="1"/>
+          </p:cNvSpPr>
+          <p:nvPr>
+            <p:ph idx="1"/>
+          </p:nvPr>
+        </p:nvSpPr>
+        <p:spPr>
+          <a:xfrm>
+            <a:off x="457200" y="1304764"/>
+            <a:ext cx="8363272" cy="5220580"/>
+          </a:xfrm>
+        </p:spPr>
+        <p:txBody>
+          <a:bodyPr/>
+          <a:lstStyle/>
+          <a:p>
+            <a:r>
+              <a:rPr lang="en-GB" sz="2900"/>
+              <a:t>We saw how Hume’s conceptual empiricism follows Locke in taking all of our ideas to come through </a:t>
+            </a:r>
+            <a:r>
+              <a:rPr lang="en-GB" sz="2900" i="1"/>
+              <a:t>sensation</a:t>
+            </a:r>
+            <a:r>
+              <a:rPr lang="en-GB" sz="2900"/>
+              <a:t> or </a:t>
+            </a:r>
+            <a:r>
+              <a:rPr lang="en-GB" sz="2900" i="1"/>
+              <a:t>reflection</a:t>
+            </a:r>
+            <a:r>
+              <a:rPr lang="en-GB" sz="2900"/>
+              <a:t>.  However:</a:t>
+            </a:r>
+          </a:p>
+          <a:p>
+            <a:pPr lvl="1"/>
+            <a:r>
+              <a:rPr lang="en-GB" sz="2600"/>
+              <a:t>Hume’s terminology of </a:t>
+            </a:r>
+            <a:r>
+              <a:rPr lang="en-GB" sz="2600" i="1"/>
+              <a:t>impressions</a:t>
+            </a:r>
+            <a:r>
+              <a:rPr lang="en-GB" sz="2600"/>
+              <a:t> and </a:t>
+            </a:r>
+            <a:r>
+              <a:rPr lang="en-GB" sz="2600" i="1"/>
+              <a:t>ideas </a:t>
+            </a:r>
+            <a:r>
+              <a:rPr lang="en-GB" sz="2600"/>
+              <a:t>helps to clarify the issue, though we shall soon see problems in his notion of </a:t>
+            </a:r>
+            <a:r>
+              <a:rPr lang="en-GB" sz="2600" i="1"/>
+              <a:t>force and vivacity</a:t>
+            </a:r>
+            <a:r>
+              <a:rPr lang="en-GB" sz="2600"/>
+              <a:t>.</a:t>
+            </a:r>
+          </a:p>
+          <a:p>
+            <a:pPr lvl="1"/>
+            <a:r>
+              <a:rPr lang="en-GB" sz="2600"/>
+              <a:t>Hume takes </a:t>
+            </a:r>
+            <a:r>
+              <a:rPr lang="en-GB" sz="2600" i="1"/>
+              <a:t>feelings</a:t>
+            </a:r>
+            <a:r>
+              <a:rPr lang="en-GB" sz="2600"/>
+              <a:t> (not mental operations) to be the paradigmatic objects of ideas of reflection.</a:t>
+            </a:r>
+          </a:p>
+          <a:p>
+            <a:r>
+              <a:rPr lang="en-GB" sz="2900"/>
+              <a:t>Hume’s arguments for his Copy Principle (and his complacent assumption of the simple/ complex distinction) are not entirely convincing.</a:t>
+            </a:r>
+          </a:p>
+          <a:p>
+            <a:endParaRPr lang="en-GB" sz="3000" dirty="0"/>
+          </a:p>
+          <a:p>
+            <a:endParaRPr lang="en-GB" dirty="0"/>
+          </a:p>
+        </p:txBody>
+      </p:sp>
+      <p:sp>
+        <p:nvSpPr>
+          <p:cNvPr id="4" name="Slide Number Placeholder 3"/>
+          <p:cNvSpPr>
+            <a:spLocks noGrp="1"/>
+          </p:cNvSpPr>
+          <p:nvPr>
+            <p:ph type="sldNum" sz="quarter" idx="10"/>
+          </p:nvPr>
+        </p:nvSpPr>
+        <p:spPr/>
+        <p:txBody>
+          <a:bodyPr/>
+          <a:lstStyle/>
+          <a:p>
+            <a:fld id="{3616F46D-A470-4307-BD1A-3DE4FB9E5120}" type="slidenum">
+              <a:rPr lang="en-US" smtClean="0"/>
+              <a:pPr/>
+              <a:t>45</a:t>
+            </a:fld>
+            <a:endParaRPr lang="en-US"/>
+          </a:p>
+        </p:txBody>
+      </p:sp>
+    </p:spTree>
+    <p:extLst>
+      <p:ext uri="{BB962C8B-B14F-4D97-AF65-F5344CB8AC3E}">
+        <p14:creationId xmlns:p14="http://schemas.microsoft.com/office/powerpoint/2010/main" val="3070862170"/>
+      </p:ext>
+    </p:extLst>
+  </p:cSld>
+  <p:clrMapOvr>
+    <a:masterClrMapping/>
+  </p:clrMapOvr>
+  <p:transition spd="med">
+    <p:cover/>
+  </p:transition>
+</p:sld>
+</file>
+
+<file path=ppt/slides/slide46.xml><?xml version="1.0" encoding="utf-8"?>
+<p:sld xmlns:a="http://schemas.openxmlformats.org/drawingml/2006/main" xmlns:r="http://schemas.openxmlformats.org/officeDocument/2006/relationships" xmlns:p="http://schemas.openxmlformats.org/presentationml/2006/main">
+  <p:cSld>
+    <p:spTree>
+      <p:nvGrpSpPr>
+        <p:cNvPr id="1" name=""/>
+        <p:cNvGrpSpPr/>
+        <p:nvPr/>
+      </p:nvGrpSpPr>
+      <p:grpSpPr>
+        <a:xfrm>
+          <a:off x="0" y="0"/>
+          <a:ext cx="0" cy="0"/>
+          <a:chOff x="0" y="0"/>
+          <a:chExt cx="0" cy="0"/>
+        </a:xfrm>
+      </p:grpSpPr>
+      <p:sp>
+        <p:nvSpPr>
+          <p:cNvPr id="847874" name="Rectangle 2"/>
+          <p:cNvSpPr>
+            <a:spLocks noGrp="1" noChangeArrowheads="1"/>
+          </p:cNvSpPr>
+          <p:nvPr>
+            <p:ph type="ctrTitle"/>
+          </p:nvPr>
+        </p:nvSpPr>
+        <p:spPr>
+          <a:xfrm>
+            <a:off x="179388" y="296863"/>
+            <a:ext cx="4608512" cy="6300787"/>
+          </a:xfrm>
+        </p:spPr>
+        <p:txBody>
+          <a:bodyPr/>
+          <a:lstStyle/>
+          <a:p>
+            <a:r>
+              <a:rPr lang="en-GB"/>
+              <a:t>2(</a:t>
+            </a:r>
+            <a:r>
+              <a:rPr lang="en-GB" dirty="0"/>
+              <a:t>a</a:t>
+            </a:r>
+            <a:r>
+              <a:rPr lang="en-GB"/>
+              <a:t>)</a:t>
+            </a:r>
+            <a:br>
+              <a:rPr lang="en-GB" dirty="0"/>
+            </a:br>
+            <a:br>
+              <a:rPr lang="en-GB"/>
+            </a:br>
+            <a:r>
+              <a:rPr lang="en-GB"/>
+              <a:t>Force and Vivacity</a:t>
+            </a:r>
+            <a:endParaRPr lang="en-US" dirty="0"/>
+          </a:p>
+        </p:txBody>
+      </p:sp>
+      <p:pic>
+        <p:nvPicPr>
+          <p:cNvPr id="847875" name="Picture 3" descr="treatise1"/>
+          <p:cNvPicPr>
+            <a:picLocks noChangeAspect="1" noChangeArrowheads="1"/>
+          </p:cNvPicPr>
+          <p:nvPr/>
+        </p:nvPicPr>
+        <p:blipFill>
+          <a:blip r:embed="rId2" cstate="print"/>
+          <a:srcRect/>
+          <a:stretch>
+            <a:fillRect/>
+          </a:stretch>
+        </p:blipFill>
+        <p:spPr bwMode="auto">
+          <a:xfrm>
+            <a:off x="4938713" y="260350"/>
+            <a:ext cx="3773487" cy="6337300"/>
+          </a:xfrm>
+          <a:prstGeom prst="rect">
+            <a:avLst/>
+          </a:prstGeom>
+          <a:noFill/>
+        </p:spPr>
+      </p:pic>
+    </p:spTree>
+    <p:extLst>
+      <p:ext uri="{BB962C8B-B14F-4D97-AF65-F5344CB8AC3E}">
+        <p14:creationId xmlns:p14="http://schemas.microsoft.com/office/powerpoint/2010/main" val="2243170894"/>
+      </p:ext>
+    </p:extLst>
+  </p:cSld>
+  <p:clrMapOvr>
+    <a:masterClrMapping/>
+  </p:clrMapOvr>
+  <p:transition spd="med">
+    <p:cover/>
+  </p:transition>
+</p:sld>
+</file>
+
+<file path=ppt/slides/slide47.xml><?xml version="1.0" encoding="utf-8"?>
+<p:sld xmlns:a="http://schemas.openxmlformats.org/drawingml/2006/main" xmlns:r="http://schemas.openxmlformats.org/officeDocument/2006/relationships" xmlns:p="http://schemas.openxmlformats.org/presentationml/2006/main">
+  <p:cSld>
+    <p:spTree>
+      <p:nvGrpSpPr>
+        <p:cNvPr id="1" name=""/>
+        <p:cNvGrpSpPr/>
+        <p:nvPr/>
+      </p:nvGrpSpPr>
+      <p:grpSpPr>
+        <a:xfrm>
+          <a:off x="0" y="0"/>
+          <a:ext cx="0" cy="0"/>
+          <a:chOff x="0" y="0"/>
+          <a:chExt cx="0" cy="0"/>
+        </a:xfrm>
+      </p:grpSpPr>
+      <p:sp>
+        <p:nvSpPr>
+          <p:cNvPr id="4" name="Slide Number Placeholder 3"/>
+          <p:cNvSpPr>
+            <a:spLocks noGrp="1"/>
+          </p:cNvSpPr>
+          <p:nvPr>
+            <p:ph type="sldNum" sz="quarter" idx="10"/>
+          </p:nvPr>
+        </p:nvSpPr>
+        <p:spPr/>
+        <p:txBody>
+          <a:bodyPr/>
+          <a:lstStyle/>
+          <a:p>
+            <a:fld id="{D1364716-0CE8-4D33-951E-793078690A02}" type="slidenum">
+              <a:rPr lang="en-US"/>
+              <a:pPr/>
+              <a:t>47</a:t>
+            </a:fld>
+            <a:endParaRPr lang="en-US"/>
+          </a:p>
+        </p:txBody>
+      </p:sp>
+      <p:sp>
+        <p:nvSpPr>
+          <p:cNvPr id="851970" name="Rectangle 2"/>
+          <p:cNvSpPr>
+            <a:spLocks noGrp="1" noChangeArrowheads="1"/>
+          </p:cNvSpPr>
+          <p:nvPr>
+            <p:ph type="title"/>
+          </p:nvPr>
+        </p:nvSpPr>
+        <p:spPr>
+          <a:xfrm>
+            <a:off x="179512" y="188640"/>
+            <a:ext cx="8784976" cy="792088"/>
+          </a:xfrm>
+        </p:spPr>
+        <p:txBody>
+          <a:bodyPr/>
+          <a:lstStyle/>
+          <a:p>
+            <a:r>
+              <a:rPr lang="en-GB" sz="4000"/>
+              <a:t>Distinguishing Impressions and Ideas</a:t>
+            </a:r>
+            <a:endParaRPr lang="en-GB" sz="4000" dirty="0"/>
+          </a:p>
+        </p:txBody>
+      </p:sp>
+      <p:sp>
+        <p:nvSpPr>
+          <p:cNvPr id="851971" name="Rectangle 3"/>
+          <p:cNvSpPr>
+            <a:spLocks noGrp="1" noChangeArrowheads="1"/>
+          </p:cNvSpPr>
+          <p:nvPr>
+            <p:ph type="body" idx="1"/>
+          </p:nvPr>
+        </p:nvSpPr>
+        <p:spPr>
+          <a:xfrm>
+            <a:off x="431738" y="1304764"/>
+            <a:ext cx="8424738" cy="5292886"/>
+          </a:xfrm>
+        </p:spPr>
+        <p:txBody>
+          <a:bodyPr/>
+          <a:lstStyle/>
+          <a:p>
+            <a:r>
+              <a:rPr lang="en-GB" sz="3000"/>
+              <a:t>When first introducing his distinction between impressions and ideas, Hume seems to base it mainly on </a:t>
+            </a:r>
+            <a:r>
+              <a:rPr lang="en-GB" sz="3000" i="1" dirty="0"/>
+              <a:t>force</a:t>
+            </a:r>
+            <a:r>
+              <a:rPr lang="en-GB" sz="3000" dirty="0"/>
+              <a:t>, </a:t>
+            </a:r>
+            <a:r>
+              <a:rPr lang="en-GB" sz="3000" i="1" dirty="0"/>
+              <a:t>vivacity</a:t>
+            </a:r>
+            <a:r>
+              <a:rPr lang="en-GB" sz="3000" dirty="0"/>
+              <a:t>, </a:t>
+            </a:r>
+            <a:r>
+              <a:rPr lang="en-GB" sz="3000"/>
+              <a:t>or </a:t>
+            </a:r>
+            <a:r>
+              <a:rPr lang="en-GB" sz="3000" i="1"/>
+              <a:t>liveliness</a:t>
+            </a:r>
+            <a:r>
+              <a:rPr lang="en-GB" sz="3000"/>
+              <a:t>:</a:t>
+            </a:r>
+            <a:endParaRPr lang="en-GB" sz="3000" dirty="0"/>
+          </a:p>
+          <a:p>
+            <a:pPr lvl="1">
+              <a:spcBef>
+                <a:spcPts val="2400"/>
+              </a:spcBef>
+              <a:buFontTx/>
+              <a:buNone/>
+            </a:pPr>
+            <a:r>
+              <a:rPr lang="en-GB" dirty="0"/>
+              <a:t>	</a:t>
+            </a:r>
+            <a:r>
+              <a:rPr lang="en-GB" sz="2600" dirty="0"/>
+              <a:t>“All the perceptions of the human mind resolve themselves into two distinct kinds, which I shall </a:t>
+            </a:r>
+            <a:r>
+              <a:rPr lang="en-GB" sz="2600"/>
+              <a:t>call </a:t>
+            </a:r>
+            <a:r>
+              <a:rPr lang="en-GB" sz="2600" cap="small"/>
+              <a:t>impressions</a:t>
+            </a:r>
+            <a:r>
+              <a:rPr lang="en-GB" sz="2600"/>
+              <a:t> and </a:t>
+            </a:r>
+            <a:r>
+              <a:rPr lang="en-GB" sz="2600" cap="small"/>
+              <a:t>ideas</a:t>
+            </a:r>
+            <a:r>
+              <a:rPr lang="en-GB" sz="2600"/>
+              <a:t>.  </a:t>
+            </a:r>
+            <a:r>
+              <a:rPr lang="en-GB" sz="2600" dirty="0"/>
+              <a:t>The difference betwixt these consists in the </a:t>
+            </a:r>
+            <a:r>
+              <a:rPr lang="en-GB" sz="2600" dirty="0">
+                <a:solidFill>
+                  <a:srgbClr val="FF7C80"/>
+                </a:solidFill>
+              </a:rPr>
+              <a:t>force and liveliness</a:t>
+            </a:r>
+            <a:r>
+              <a:rPr lang="en-GB" sz="2600" dirty="0"/>
+              <a:t>, with which they strike upon the soul, and make their way into our thought or consciousness.  Those … which enter with most </a:t>
+            </a:r>
+            <a:r>
+              <a:rPr lang="en-GB" sz="2600" dirty="0">
+                <a:solidFill>
+                  <a:srgbClr val="FF7C80"/>
+                </a:solidFill>
+              </a:rPr>
+              <a:t>force and violence</a:t>
+            </a:r>
+            <a:r>
+              <a:rPr lang="en-GB" sz="2600" dirty="0"/>
+              <a:t>, we may name </a:t>
+            </a:r>
+            <a:r>
+              <a:rPr lang="en-GB" sz="2600" i="1" dirty="0"/>
+              <a:t>impressions</a:t>
+            </a:r>
+            <a:r>
+              <a:rPr lang="en-GB" sz="2600" dirty="0"/>
+              <a:t> …”  (</a:t>
+            </a:r>
+            <a:r>
+              <a:rPr lang="en-GB" sz="2600" i="1" dirty="0"/>
+              <a:t>T</a:t>
+            </a:r>
+            <a:r>
+              <a:rPr lang="en-GB" sz="2600" dirty="0"/>
+              <a:t> 1.1.1.1).</a:t>
+            </a:r>
+          </a:p>
+        </p:txBody>
+      </p:sp>
+    </p:spTree>
+    <p:extLst>
+      <p:ext uri="{BB962C8B-B14F-4D97-AF65-F5344CB8AC3E}">
+        <p14:creationId xmlns:p14="http://schemas.microsoft.com/office/powerpoint/2010/main" val="1696095906"/>
+      </p:ext>
+    </p:extLst>
+  </p:cSld>
+  <p:clrMapOvr>
+    <a:masterClrMapping/>
+  </p:clrMapOvr>
+  <p:transition spd="med">
+    <p:cover/>
+  </p:transition>
+</p:sld>
+</file>
+
+<file path=ppt/slides/slide48.xml><?xml version="1.0" encoding="utf-8"?>
+<p:sld xmlns:a="http://schemas.openxmlformats.org/drawingml/2006/main" xmlns:r="http://schemas.openxmlformats.org/officeDocument/2006/relationships" xmlns:p="http://schemas.openxmlformats.org/presentationml/2006/main">
+  <p:cSld>
+    <p:spTree>
+      <p:nvGrpSpPr>
+        <p:cNvPr id="1" name=""/>
+        <p:cNvGrpSpPr/>
+        <p:nvPr/>
+      </p:nvGrpSpPr>
+      <p:grpSpPr>
+        <a:xfrm>
+          <a:off x="0" y="0"/>
+          <a:ext cx="0" cy="0"/>
+          <a:chOff x="0" y="0"/>
+          <a:chExt cx="0" cy="0"/>
+        </a:xfrm>
+      </p:grpSpPr>
+      <p:sp>
+        <p:nvSpPr>
+          <p:cNvPr id="2" name="Title 1">
+            <a:extLst>
+              <a:ext uri="{FF2B5EF4-FFF2-40B4-BE49-F238E27FC236}">
+                <a16:creationId xmlns:a16="http://schemas.microsoft.com/office/drawing/2014/main" id="{876E5C28-73C9-4BFE-9FE6-382A215C02E2}"/>
+              </a:ext>
+            </a:extLst>
+          </p:cNvPr>
+          <p:cNvSpPr>
+            <a:spLocks noGrp="1"/>
+          </p:cNvSpPr>
+          <p:nvPr>
+            <p:ph type="title"/>
+          </p:nvPr>
+        </p:nvSpPr>
+        <p:spPr>
+          <a:xfrm>
+            <a:off x="457200" y="152636"/>
+            <a:ext cx="8229600" cy="738919"/>
+          </a:xfrm>
+        </p:spPr>
+        <p:txBody>
+          <a:bodyPr/>
+          <a:lstStyle/>
+          <a:p>
+            <a:r>
+              <a:rPr lang="en-US"/>
+              <a:t>Starting from Internalism?</a:t>
+            </a:r>
+            <a:endParaRPr lang="en-GB"/>
+          </a:p>
+        </p:txBody>
+      </p:sp>
+      <p:sp>
+        <p:nvSpPr>
+          <p:cNvPr id="3" name="Content Placeholder 2">
+            <a:extLst>
+              <a:ext uri="{FF2B5EF4-FFF2-40B4-BE49-F238E27FC236}">
+                <a16:creationId xmlns:a16="http://schemas.microsoft.com/office/drawing/2014/main" id="{F32C7179-4B5E-42AD-850A-18C9C6A6D391}"/>
+              </a:ext>
+            </a:extLst>
+          </p:cNvPr>
+          <p:cNvSpPr>
+            <a:spLocks noGrp="1"/>
+          </p:cNvSpPr>
+          <p:nvPr>
+            <p:ph idx="1"/>
+          </p:nvPr>
+        </p:nvSpPr>
+        <p:spPr>
+          <a:xfrm>
+            <a:off x="395536" y="1160748"/>
+            <a:ext cx="8424936" cy="5292588"/>
+          </a:xfrm>
+        </p:spPr>
+        <p:txBody>
+          <a:bodyPr/>
+          <a:lstStyle/>
+          <a:p>
+            <a:r>
+              <a:rPr lang="en-US" sz="2800"/>
+              <a:t>Hume seems to want to define the impression/ idea distinction in terms of their </a:t>
+            </a:r>
+            <a:r>
+              <a:rPr lang="en-US" sz="2800" i="1"/>
+              <a:t>internally perceptible</a:t>
+            </a:r>
+            <a:r>
+              <a:rPr lang="en-US" sz="2800"/>
+              <a:t> qualities rather than their causes (e.g. whether they’re caused by external objects).</a:t>
+            </a:r>
+          </a:p>
+          <a:p>
+            <a:pPr>
+              <a:spcBef>
+                <a:spcPts val="1500"/>
+              </a:spcBef>
+            </a:pPr>
+            <a:r>
+              <a:rPr lang="en-US" sz="2800"/>
+              <a:t>Perhaps, as with his “unknown causes” comment about impressions of sensation (at </a:t>
+            </a:r>
+            <a:r>
+              <a:rPr lang="en-US" sz="2800" i="1"/>
+              <a:t>T</a:t>
+            </a:r>
+            <a:r>
+              <a:rPr lang="en-US" sz="2800"/>
+              <a:t> 1.1.2.1,</a:t>
+            </a:r>
+            <a:br>
+              <a:rPr lang="en-US" sz="2800"/>
+            </a:br>
+            <a:r>
+              <a:rPr lang="en-US" sz="2800"/>
+              <a:t>slide 23), he wants to remain sceptically non-committal (e.g. about the existence of an external world), and to avoid dogmatic commitments.</a:t>
+            </a:r>
+          </a:p>
+          <a:p>
+            <a:pPr>
+              <a:spcBef>
+                <a:spcPts val="1500"/>
+              </a:spcBef>
+            </a:pPr>
+            <a:r>
+              <a:rPr lang="en-GB" sz="2800"/>
+              <a:t>But he also has a deeper theoretical motivation, deriving from his theory of </a:t>
+            </a:r>
+            <a:r>
+              <a:rPr lang="en-GB" sz="2800" i="1"/>
+              <a:t>belief …</a:t>
+            </a:r>
+            <a:endParaRPr lang="en-GB" sz="2800"/>
+          </a:p>
+        </p:txBody>
+      </p:sp>
+      <p:sp>
+        <p:nvSpPr>
+          <p:cNvPr id="4" name="Slide Number Placeholder 3">
+            <a:extLst>
+              <a:ext uri="{FF2B5EF4-FFF2-40B4-BE49-F238E27FC236}">
+                <a16:creationId xmlns:a16="http://schemas.microsoft.com/office/drawing/2014/main" id="{DD4C848D-983D-4F2F-A45B-1DE11BF627AD}"/>
+              </a:ext>
+            </a:extLst>
+          </p:cNvPr>
+          <p:cNvSpPr>
+            <a:spLocks noGrp="1"/>
+          </p:cNvSpPr>
+          <p:nvPr>
+            <p:ph type="sldNum" sz="quarter" idx="10"/>
+          </p:nvPr>
+        </p:nvSpPr>
+        <p:spPr/>
+        <p:txBody>
+          <a:bodyPr/>
+          <a:lstStyle/>
+          <a:p>
+            <a:fld id="{FFD1EE05-59BE-439B-B8B7-F61DC751609B}" type="slidenum">
+              <a:rPr lang="en-US" smtClean="0"/>
+              <a:pPr/>
+              <a:t>48</a:t>
+            </a:fld>
+            <a:endParaRPr lang="en-US"/>
+          </a:p>
+        </p:txBody>
+      </p:sp>
+    </p:spTree>
+    <p:extLst>
+      <p:ext uri="{BB962C8B-B14F-4D97-AF65-F5344CB8AC3E}">
+        <p14:creationId xmlns:p14="http://schemas.microsoft.com/office/powerpoint/2010/main" val="683538598"/>
+      </p:ext>
+    </p:extLst>
+  </p:cSld>
+  <p:clrMapOvr>
+    <a:masterClrMapping/>
+  </p:clrMapOvr>
+  <p:transition spd="med">
+    <p:cover/>
+  </p:transition>
+</p:sld>
+</file>
+
+<file path=ppt/slides/slide49.xml><?xml version="1.0" encoding="utf-8"?>
+<p:sld xmlns:a="http://schemas.openxmlformats.org/drawingml/2006/main" xmlns:r="http://schemas.openxmlformats.org/officeDocument/2006/relationships" xmlns:p="http://schemas.openxmlformats.org/presentationml/2006/main">
+  <p:cSld>
+    <p:spTree>
+      <p:nvGrpSpPr>
+        <p:cNvPr id="1" name=""/>
+        <p:cNvGrpSpPr/>
+        <p:nvPr/>
+      </p:nvGrpSpPr>
+      <p:grpSpPr>
+        <a:xfrm>
+          <a:off x="0" y="0"/>
+          <a:ext cx="0" cy="0"/>
+          <a:chOff x="0" y="0"/>
+          <a:chExt cx="0" cy="0"/>
+        </a:xfrm>
+      </p:grpSpPr>
+      <p:sp>
+        <p:nvSpPr>
+          <p:cNvPr id="2" name="Title 1"/>
+          <p:cNvSpPr>
+            <a:spLocks noGrp="1"/>
+          </p:cNvSpPr>
+          <p:nvPr>
+            <p:ph type="title"/>
+          </p:nvPr>
+        </p:nvSpPr>
+        <p:spPr>
+          <a:xfrm>
+            <a:off x="143508" y="152636"/>
+            <a:ext cx="8856984" cy="756084"/>
+          </a:xfrm>
+        </p:spPr>
+        <p:txBody>
+          <a:bodyPr/>
+          <a:lstStyle/>
+          <a:p>
+            <a:r>
+              <a:rPr lang="en-GB" sz="4000"/>
+              <a:t>Why Emphasise “</a:t>
+            </a:r>
+            <a:r>
+              <a:rPr lang="en-GB" sz="4000" dirty="0"/>
+              <a:t>Force and Vivacity?”</a:t>
+            </a:r>
+          </a:p>
+        </p:txBody>
+      </p:sp>
+      <p:sp>
+        <p:nvSpPr>
+          <p:cNvPr id="3" name="Content Placeholder 2"/>
+          <p:cNvSpPr>
+            <a:spLocks noGrp="1"/>
+          </p:cNvSpPr>
+          <p:nvPr>
+            <p:ph idx="1"/>
+          </p:nvPr>
+        </p:nvSpPr>
+        <p:spPr>
+          <a:xfrm>
+            <a:off x="396305" y="1124744"/>
+            <a:ext cx="8316155" cy="5364596"/>
+          </a:xfrm>
+        </p:spPr>
+        <p:txBody>
+          <a:bodyPr/>
+          <a:lstStyle/>
+          <a:p>
+            <a:r>
+              <a:rPr lang="en-GB" sz="2900" dirty="0"/>
+              <a:t>Hume is looking for a way that ideas can differ from impressions while still having the same </a:t>
+            </a:r>
+            <a:r>
+              <a:rPr lang="en-GB" sz="2900" i="1"/>
+              <a:t>content</a:t>
+            </a:r>
+            <a:r>
+              <a:rPr lang="en-GB" sz="2900"/>
+              <a:t> (thus respecting his Copy Principle that ideas are literally </a:t>
+            </a:r>
+            <a:r>
+              <a:rPr lang="en-GB" sz="2900" i="1"/>
+              <a:t>copies</a:t>
+            </a:r>
+            <a:r>
+              <a:rPr lang="en-GB" sz="2900"/>
+              <a:t> of impressions).</a:t>
+            </a:r>
+            <a:endParaRPr lang="en-GB" sz="2900" dirty="0"/>
+          </a:p>
+          <a:p>
+            <a:pPr lvl="1">
+              <a:spcBef>
+                <a:spcPts val="1200"/>
+              </a:spcBef>
+            </a:pPr>
+            <a:r>
+              <a:rPr lang="en-GB" sz="2600" i="1" dirty="0"/>
+              <a:t>T</a:t>
+            </a:r>
+            <a:r>
+              <a:rPr lang="en-GB" sz="2600" dirty="0"/>
+              <a:t> 1.3.7.6: “the same idea can only be </a:t>
+            </a:r>
+            <a:r>
+              <a:rPr lang="en-GB" sz="2600" dirty="0" err="1"/>
+              <a:t>vary’d</a:t>
+            </a:r>
+            <a:r>
+              <a:rPr lang="en-GB" sz="2600" dirty="0"/>
+              <a:t> by a variation of its degrees of force and vivacity”</a:t>
+            </a:r>
+          </a:p>
+          <a:p>
+            <a:pPr>
+              <a:spcBef>
+                <a:spcPts val="1800"/>
+              </a:spcBef>
+            </a:pPr>
+            <a:r>
+              <a:rPr lang="en-GB" sz="2900"/>
+              <a:t>Hume emphasises this when developing his theory of belief:</a:t>
+            </a:r>
+          </a:p>
+          <a:p>
+            <a:pPr lvl="1">
+              <a:spcBef>
+                <a:spcPts val="1200"/>
+              </a:spcBef>
+            </a:pPr>
+            <a:r>
+              <a:rPr lang="en-GB" sz="2600"/>
+              <a:t> If I believe proposition </a:t>
+            </a:r>
+            <a:r>
+              <a:rPr lang="en-GB" sz="2600" i="1"/>
+              <a:t>P</a:t>
+            </a:r>
+            <a:r>
+              <a:rPr lang="en-GB" sz="2600"/>
+              <a:t>, and you don’t, the same ideas must be involved, or it wouldn’t be the same proposition (see discussion at </a:t>
+            </a:r>
+            <a:r>
+              <a:rPr lang="en-GB" sz="2600" i="1"/>
+              <a:t>T</a:t>
+            </a:r>
+            <a:r>
+              <a:rPr lang="en-GB" sz="2600"/>
+              <a:t> 1.3.7.3-4 ).</a:t>
+            </a:r>
+          </a:p>
+          <a:p>
+            <a:endParaRPr lang="en-GB" dirty="0"/>
+          </a:p>
+        </p:txBody>
+      </p:sp>
+      <p:sp>
+        <p:nvSpPr>
+          <p:cNvPr id="4" name="Slide Number Placeholder 3"/>
+          <p:cNvSpPr>
+            <a:spLocks noGrp="1"/>
+          </p:cNvSpPr>
+          <p:nvPr>
+            <p:ph type="sldNum" sz="quarter" idx="10"/>
+          </p:nvPr>
+        </p:nvSpPr>
+        <p:spPr/>
+        <p:txBody>
+          <a:bodyPr/>
+          <a:lstStyle/>
+          <a:p>
+            <a:fld id="{3616F46D-A470-4307-BD1A-3DE4FB9E5120}" type="slidenum">
+              <a:rPr lang="en-US" smtClean="0"/>
+              <a:pPr/>
+              <a:t>49</a:t>
+            </a:fld>
+            <a:endParaRPr lang="en-US"/>
+          </a:p>
+        </p:txBody>
+      </p:sp>
+    </p:spTree>
+    <p:extLst>
+      <p:ext uri="{BB962C8B-B14F-4D97-AF65-F5344CB8AC3E}">
+        <p14:creationId xmlns:p14="http://schemas.microsoft.com/office/powerpoint/2010/main" val="3292412422"/>
+      </p:ext>
+    </p:extLst>
+  </p:cSld>
+  <p:clrMapOvr>
+    <a:masterClrMapping/>
+  </p:clrMapOvr>
+  <p:transition spd="med">
+    <p:cover/>
+  </p:transition>
+</p:sld>
+</file>
+
 <file path=ppt/slides/slide5.xml><?xml version="1.0" encoding="utf-8"?>
 <p:sld xmlns:a="http://schemas.openxmlformats.org/drawingml/2006/main" xmlns:r="http://schemas.openxmlformats.org/officeDocument/2006/relationships" xmlns:p="http://schemas.openxmlformats.org/presentationml/2006/main">
   <p:cSld>
@@ -21578,6 +23151,2031 @@
     <p:extLst>
       <p:ext uri="{BB962C8B-B14F-4D97-AF65-F5344CB8AC3E}">
         <p14:creationId xmlns:p14="http://schemas.microsoft.com/office/powerpoint/2010/main" val="2578685499"/>
+      </p:ext>
+    </p:extLst>
+  </p:cSld>
+  <p:clrMapOvr>
+    <a:masterClrMapping/>
+  </p:clrMapOvr>
+  <p:transition spd="med">
+    <p:cover/>
+  </p:transition>
+</p:sld>
+</file>
+
+<file path=ppt/slides/slide50.xml><?xml version="1.0" encoding="utf-8"?>
+<p:sld xmlns:a="http://schemas.openxmlformats.org/drawingml/2006/main" xmlns:r="http://schemas.openxmlformats.org/officeDocument/2006/relationships" xmlns:p="http://schemas.openxmlformats.org/presentationml/2006/main">
+  <p:cSld>
+    <p:spTree>
+      <p:nvGrpSpPr>
+        <p:cNvPr id="1" name=""/>
+        <p:cNvGrpSpPr/>
+        <p:nvPr/>
+      </p:nvGrpSpPr>
+      <p:grpSpPr>
+        <a:xfrm>
+          <a:off x="0" y="0"/>
+          <a:ext cx="0" cy="0"/>
+          <a:chOff x="0" y="0"/>
+          <a:chExt cx="0" cy="0"/>
+        </a:xfrm>
+      </p:grpSpPr>
+      <p:sp>
+        <p:nvSpPr>
+          <p:cNvPr id="4" name="Slide Number Placeholder 3"/>
+          <p:cNvSpPr>
+            <a:spLocks noGrp="1"/>
+          </p:cNvSpPr>
+          <p:nvPr>
+            <p:ph type="sldNum" sz="quarter" idx="10"/>
+          </p:nvPr>
+        </p:nvSpPr>
+        <p:spPr/>
+        <p:txBody>
+          <a:bodyPr/>
+          <a:lstStyle/>
+          <a:p>
+            <a:fld id="{884E9EB3-9DB7-44E1-9FFA-3127FAE36318}" type="slidenum">
+              <a:rPr lang="en-US"/>
+              <a:pPr/>
+              <a:t>50</a:t>
+            </a:fld>
+            <a:endParaRPr lang="en-US"/>
+          </a:p>
+        </p:txBody>
+      </p:sp>
+      <p:sp>
+        <p:nvSpPr>
+          <p:cNvPr id="891906" name="Rectangle 2"/>
+          <p:cNvSpPr>
+            <a:spLocks noGrp="1" noChangeArrowheads="1"/>
+          </p:cNvSpPr>
+          <p:nvPr>
+            <p:ph type="title"/>
+          </p:nvPr>
+        </p:nvSpPr>
+        <p:spPr>
+          <a:xfrm>
+            <a:off x="457200" y="92075"/>
+            <a:ext cx="8229600" cy="1328738"/>
+          </a:xfrm>
+        </p:spPr>
+        <p:txBody>
+          <a:bodyPr/>
+          <a:lstStyle/>
+          <a:p>
+            <a:pPr eaLnBrk="1" hangingPunct="1"/>
+            <a:r>
+              <a:rPr lang="en-GB"/>
+              <a:t>Distinguishing Belief from</a:t>
+            </a:r>
+            <a:br>
+              <a:rPr lang="en-GB"/>
+            </a:br>
+            <a:r>
+              <a:rPr lang="en-GB"/>
+              <a:t>Mere Conception</a:t>
+            </a:r>
+            <a:endParaRPr lang="en-US" dirty="0"/>
+          </a:p>
+        </p:txBody>
+      </p:sp>
+      <p:sp>
+        <p:nvSpPr>
+          <p:cNvPr id="891907" name="Rectangle 3"/>
+          <p:cNvSpPr>
+            <a:spLocks noGrp="1" noChangeArrowheads="1"/>
+          </p:cNvSpPr>
+          <p:nvPr>
+            <p:ph type="body" idx="1"/>
+          </p:nvPr>
+        </p:nvSpPr>
+        <p:spPr>
+          <a:xfrm>
+            <a:off x="540321" y="1672208"/>
+            <a:ext cx="8352159" cy="4925144"/>
+          </a:xfrm>
+        </p:spPr>
+        <p:txBody>
+          <a:bodyPr/>
+          <a:lstStyle/>
+          <a:p>
+            <a:r>
+              <a:rPr lang="en-GB" sz="2800"/>
+              <a:t>Hume’s theory of belief defines it (at </a:t>
+            </a:r>
+            <a:r>
+              <a:rPr lang="en-GB" sz="2800" i="1"/>
+              <a:t>T</a:t>
+            </a:r>
+            <a:r>
+              <a:rPr lang="en-GB" sz="2800"/>
+              <a:t> 1.3.7.5) in terms of force and vivacity or “liveliness”, typically derived from an associated impression:</a:t>
+            </a:r>
+          </a:p>
+          <a:p>
+            <a:pPr marL="857250" lvl="2" indent="0">
+              <a:spcBef>
+                <a:spcPts val="1200"/>
+              </a:spcBef>
+              <a:buNone/>
+            </a:pPr>
+            <a:r>
+              <a:rPr lang="en-GB" sz="2500"/>
+              <a:t>“An opinion, therefore, or belief may be most accurately defin’ed, </a:t>
+            </a:r>
+            <a:r>
+              <a:rPr lang="en-GB" sz="2500" cap="small"/>
+              <a:t>A lively idea related to or associated with a present impression</a:t>
+            </a:r>
+            <a:r>
+              <a:rPr lang="en-GB" sz="2500"/>
+              <a:t>.”</a:t>
+            </a:r>
+            <a:endParaRPr lang="en-US" sz="2500"/>
+          </a:p>
+          <a:p>
+            <a:pPr eaLnBrk="1" hangingPunct="1">
+              <a:spcBef>
+                <a:spcPts val="1200"/>
+              </a:spcBef>
+            </a:pPr>
+            <a:r>
+              <a:rPr lang="en-GB" sz="2800"/>
+              <a:t>This liveliness is shared also by memories</a:t>
+            </a:r>
+            <a:br>
+              <a:rPr lang="en-GB" sz="2800"/>
+            </a:br>
+            <a:r>
+              <a:rPr lang="en-GB" sz="2800"/>
+              <a:t>(</a:t>
+            </a:r>
+            <a:r>
+              <a:rPr lang="en-GB" sz="2800" i="1"/>
+              <a:t>T</a:t>
+            </a:r>
+            <a:r>
+              <a:rPr lang="en-GB" sz="2800"/>
+              <a:t> 1.1.3.1, 1.3.5.3 ff.) – “Thus it appears, that the </a:t>
+            </a:r>
+            <a:r>
+              <a:rPr lang="en-GB" sz="2800" i="1"/>
+              <a:t>belief</a:t>
+            </a:r>
+            <a:r>
+              <a:rPr lang="en-GB" sz="2800"/>
+              <a:t> or </a:t>
+            </a:r>
+            <a:r>
+              <a:rPr lang="en-GB" sz="2800" i="1"/>
+              <a:t>assent</a:t>
+            </a:r>
+            <a:r>
+              <a:rPr lang="en-GB" sz="2800"/>
+              <a:t>, which always attends the memory and senses, is nothing but the vivacity of those perceptions they present.</a:t>
+            </a:r>
+            <a:r>
+              <a:rPr lang="en-GB" sz="2800" i="1"/>
+              <a:t>”</a:t>
+            </a:r>
+            <a:r>
+              <a:rPr lang="en-GB" sz="2800"/>
+              <a:t> (</a:t>
+            </a:r>
+            <a:r>
+              <a:rPr lang="en-GB" sz="2800" i="1"/>
+              <a:t>T</a:t>
+            </a:r>
+            <a:r>
+              <a:rPr lang="en-GB" sz="2800"/>
+              <a:t> 1.3.5.7)</a:t>
+            </a:r>
+            <a:endParaRPr lang="en-GB" sz="2800" dirty="0"/>
+          </a:p>
+        </p:txBody>
+      </p:sp>
+    </p:spTree>
+    <p:extLst>
+      <p:ext uri="{BB962C8B-B14F-4D97-AF65-F5344CB8AC3E}">
+        <p14:creationId xmlns:p14="http://schemas.microsoft.com/office/powerpoint/2010/main" val="1218047837"/>
+      </p:ext>
+    </p:extLst>
+  </p:cSld>
+  <p:clrMapOvr>
+    <a:masterClrMapping/>
+  </p:clrMapOvr>
+  <p:transition spd="med">
+    <p:cover/>
+  </p:transition>
+</p:sld>
+</file>
+
+<file path=ppt/slides/slide51.xml><?xml version="1.0" encoding="utf-8"?>
+<p:sld xmlns:a="http://schemas.openxmlformats.org/drawingml/2006/main" xmlns:r="http://schemas.openxmlformats.org/officeDocument/2006/relationships" xmlns:p="http://schemas.openxmlformats.org/presentationml/2006/main">
+  <p:cSld>
+    <p:spTree>
+      <p:nvGrpSpPr>
+        <p:cNvPr id="1" name=""/>
+        <p:cNvGrpSpPr/>
+        <p:nvPr/>
+      </p:nvGrpSpPr>
+      <p:grpSpPr>
+        <a:xfrm>
+          <a:off x="0" y="0"/>
+          <a:ext cx="0" cy="0"/>
+          <a:chOff x="0" y="0"/>
+          <a:chExt cx="0" cy="0"/>
+        </a:xfrm>
+      </p:grpSpPr>
+      <p:sp>
+        <p:nvSpPr>
+          <p:cNvPr id="2" name="Title 1">
+            <a:extLst>
+              <a:ext uri="{FF2B5EF4-FFF2-40B4-BE49-F238E27FC236}">
+                <a16:creationId xmlns:a16="http://schemas.microsoft.com/office/drawing/2014/main" id="{CA927927-7460-0237-E6AC-0641D2014E35}"/>
+              </a:ext>
+            </a:extLst>
+          </p:cNvPr>
+          <p:cNvSpPr>
+            <a:spLocks noGrp="1"/>
+          </p:cNvSpPr>
+          <p:nvPr>
+            <p:ph type="title"/>
+          </p:nvPr>
+        </p:nvSpPr>
+        <p:spPr>
+          <a:xfrm>
+            <a:off x="457200" y="128079"/>
+            <a:ext cx="8229600" cy="816645"/>
+          </a:xfrm>
+        </p:spPr>
+        <p:txBody>
+          <a:bodyPr/>
+          <a:lstStyle/>
+          <a:p>
+            <a:r>
+              <a:rPr lang="en-GB"/>
+              <a:t>Looking Ahead to Induction</a:t>
+            </a:r>
+          </a:p>
+        </p:txBody>
+      </p:sp>
+      <p:sp>
+        <p:nvSpPr>
+          <p:cNvPr id="3" name="Content Placeholder 2">
+            <a:extLst>
+              <a:ext uri="{FF2B5EF4-FFF2-40B4-BE49-F238E27FC236}">
+                <a16:creationId xmlns:a16="http://schemas.microsoft.com/office/drawing/2014/main" id="{9B3BC3AB-F536-408C-D174-74435879C61B}"/>
+              </a:ext>
+            </a:extLst>
+          </p:cNvPr>
+          <p:cNvSpPr>
+            <a:spLocks noGrp="1"/>
+          </p:cNvSpPr>
+          <p:nvPr>
+            <p:ph idx="1"/>
+          </p:nvPr>
+        </p:nvSpPr>
+        <p:spPr>
+          <a:xfrm>
+            <a:off x="601216" y="1196752"/>
+            <a:ext cx="8147248" cy="5292588"/>
+          </a:xfrm>
+        </p:spPr>
+        <p:txBody>
+          <a:bodyPr/>
+          <a:lstStyle/>
+          <a:p>
+            <a:r>
+              <a:rPr lang="en-GB" sz="2800"/>
+              <a:t>Hume will later (in T 1.3.6-8) argue that whenever we draw an inference from observed to unobserved matters of fact (what we now call “induction”), we do this by </a:t>
+            </a:r>
+            <a:r>
+              <a:rPr lang="en-GB" sz="2800" i="1"/>
+              <a:t>custom</a:t>
+            </a:r>
+            <a:r>
+              <a:rPr lang="en-GB" sz="2800"/>
+              <a:t> or </a:t>
+            </a:r>
+            <a:r>
+              <a:rPr lang="en-GB" sz="2800" i="1"/>
+              <a:t>habit</a:t>
+            </a:r>
+            <a:r>
+              <a:rPr lang="en-GB" sz="2800"/>
+              <a:t>.</a:t>
+            </a:r>
+          </a:p>
+          <a:p>
+            <a:pPr>
+              <a:spcBef>
+                <a:spcPts val="1800"/>
+              </a:spcBef>
+            </a:pPr>
+            <a:r>
+              <a:rPr lang="en-GB" sz="2800"/>
+              <a:t>For example, after seeing </a:t>
+            </a:r>
+            <a:r>
+              <a:rPr lang="en-GB" sz="2800" i="1"/>
+              <a:t>A</a:t>
+            </a:r>
+            <a:r>
+              <a:rPr lang="en-GB" sz="2800"/>
+              <a:t>’s repeatedly followed by </a:t>
+            </a:r>
+            <a:r>
+              <a:rPr lang="en-GB" sz="2800" i="1"/>
+              <a:t>B</a:t>
+            </a:r>
+            <a:r>
+              <a:rPr lang="en-GB" sz="2800"/>
+              <a:t>’s, our ideas of </a:t>
+            </a:r>
+            <a:r>
+              <a:rPr lang="en-GB" sz="2800" i="1"/>
+              <a:t>A</a:t>
+            </a:r>
+            <a:r>
+              <a:rPr lang="en-GB" sz="2800"/>
+              <a:t> and </a:t>
+            </a:r>
+            <a:r>
+              <a:rPr lang="en-GB" sz="2800" i="1"/>
+              <a:t>B</a:t>
+            </a:r>
+            <a:r>
+              <a:rPr lang="en-GB" sz="2800"/>
+              <a:t> become associated, and hence when we next see an </a:t>
+            </a:r>
+            <a:r>
+              <a:rPr lang="en-GB" sz="2800" i="1"/>
+              <a:t>A</a:t>
+            </a:r>
+            <a:r>
+              <a:rPr lang="en-GB" sz="2800"/>
+              <a:t>, we habitually expect a </a:t>
+            </a:r>
+            <a:r>
+              <a:rPr lang="en-GB" sz="2800" i="1"/>
+              <a:t>B</a:t>
+            </a:r>
+            <a:r>
+              <a:rPr lang="en-GB" sz="2800"/>
+              <a:t> to follow.</a:t>
+            </a:r>
+          </a:p>
+          <a:p>
+            <a:pPr>
+              <a:spcBef>
+                <a:spcPts val="1800"/>
+              </a:spcBef>
+            </a:pPr>
+            <a:r>
+              <a:rPr lang="en-GB" sz="2800" i="1"/>
+              <a:t>The vivacity of the </a:t>
+            </a:r>
+            <a:r>
+              <a:rPr lang="en-GB" sz="2800" i="1">
+                <a:solidFill>
+                  <a:srgbClr val="FF7C80"/>
+                </a:solidFill>
+              </a:rPr>
+              <a:t>sense-impression</a:t>
+            </a:r>
+            <a:r>
+              <a:rPr lang="en-GB" sz="2800" i="1"/>
+              <a:t> of A is conveyed by association to enliven our </a:t>
+            </a:r>
+            <a:r>
+              <a:rPr lang="en-GB" sz="2800" i="1">
+                <a:solidFill>
+                  <a:srgbClr val="FF7C80"/>
+                </a:solidFill>
+              </a:rPr>
+              <a:t>idea</a:t>
+            </a:r>
+            <a:r>
+              <a:rPr lang="en-GB" sz="2800" i="1"/>
+              <a:t> of B, and we accordingly </a:t>
+            </a:r>
+            <a:r>
+              <a:rPr lang="en-GB" sz="2800" i="1">
+                <a:solidFill>
+                  <a:srgbClr val="FF7C80"/>
+                </a:solidFill>
+              </a:rPr>
+              <a:t>expect</a:t>
+            </a:r>
+            <a:r>
+              <a:rPr lang="en-GB" sz="2800" i="1"/>
+              <a:t> B to follow.</a:t>
+            </a:r>
+          </a:p>
+        </p:txBody>
+      </p:sp>
+      <p:sp>
+        <p:nvSpPr>
+          <p:cNvPr id="4" name="Slide Number Placeholder 3">
+            <a:extLst>
+              <a:ext uri="{FF2B5EF4-FFF2-40B4-BE49-F238E27FC236}">
+                <a16:creationId xmlns:a16="http://schemas.microsoft.com/office/drawing/2014/main" id="{3CDD206C-9751-2776-9009-E721DBE94285}"/>
+              </a:ext>
+            </a:extLst>
+          </p:cNvPr>
+          <p:cNvSpPr>
+            <a:spLocks noGrp="1"/>
+          </p:cNvSpPr>
+          <p:nvPr>
+            <p:ph type="sldNum" sz="quarter" idx="10"/>
+          </p:nvPr>
+        </p:nvSpPr>
+        <p:spPr/>
+        <p:txBody>
+          <a:bodyPr/>
+          <a:lstStyle/>
+          <a:p>
+            <a:fld id="{FFD1EE05-59BE-439B-B8B7-F61DC751609B}" type="slidenum">
+              <a:rPr lang="en-US" smtClean="0"/>
+              <a:pPr/>
+              <a:t>51</a:t>
+            </a:fld>
+            <a:endParaRPr lang="en-US"/>
+          </a:p>
+        </p:txBody>
+      </p:sp>
+    </p:spTree>
+    <p:extLst>
+      <p:ext uri="{BB962C8B-B14F-4D97-AF65-F5344CB8AC3E}">
+        <p14:creationId xmlns:p14="http://schemas.microsoft.com/office/powerpoint/2010/main" val="4084134223"/>
+      </p:ext>
+    </p:extLst>
+  </p:cSld>
+  <p:clrMapOvr>
+    <a:masterClrMapping/>
+  </p:clrMapOvr>
+  <p:transition spd="med">
+    <p:cover/>
+  </p:transition>
+</p:sld>
+</file>
+
+<file path=ppt/slides/slide52.xml><?xml version="1.0" encoding="utf-8"?>
+<p:sld xmlns:a="http://schemas.openxmlformats.org/drawingml/2006/main" xmlns:r="http://schemas.openxmlformats.org/officeDocument/2006/relationships" xmlns:p="http://schemas.openxmlformats.org/presentationml/2006/main">
+  <p:cSld>
+    <p:spTree>
+      <p:nvGrpSpPr>
+        <p:cNvPr id="1" name=""/>
+        <p:cNvGrpSpPr/>
+        <p:nvPr/>
+      </p:nvGrpSpPr>
+      <p:grpSpPr>
+        <a:xfrm>
+          <a:off x="0" y="0"/>
+          <a:ext cx="0" cy="0"/>
+          <a:chOff x="0" y="0"/>
+          <a:chExt cx="0" cy="0"/>
+        </a:xfrm>
+      </p:grpSpPr>
+      <p:sp>
+        <p:nvSpPr>
+          <p:cNvPr id="4" name="Slide Number Placeholder 3"/>
+          <p:cNvSpPr>
+            <a:spLocks noGrp="1"/>
+          </p:cNvSpPr>
+          <p:nvPr>
+            <p:ph type="sldNum" sz="quarter" idx="10"/>
+          </p:nvPr>
+        </p:nvSpPr>
+        <p:spPr/>
+        <p:txBody>
+          <a:bodyPr/>
+          <a:lstStyle/>
+          <a:p>
+            <a:fld id="{BF31638E-3DBC-4025-9FF3-3647BC892C1A}" type="slidenum">
+              <a:rPr lang="en-US"/>
+              <a:pPr/>
+              <a:t>52</a:t>
+            </a:fld>
+            <a:endParaRPr lang="en-US"/>
+          </a:p>
+        </p:txBody>
+      </p:sp>
+      <p:sp>
+        <p:nvSpPr>
+          <p:cNvPr id="900098" name="Rectangle 2"/>
+          <p:cNvSpPr>
+            <a:spLocks noGrp="1" noChangeArrowheads="1"/>
+          </p:cNvSpPr>
+          <p:nvPr>
+            <p:ph type="title"/>
+          </p:nvPr>
+        </p:nvSpPr>
+        <p:spPr>
+          <a:xfrm>
+            <a:off x="457200" y="224644"/>
+            <a:ext cx="8229600" cy="702915"/>
+          </a:xfrm>
+        </p:spPr>
+        <p:txBody>
+          <a:bodyPr/>
+          <a:lstStyle/>
+          <a:p>
+            <a:pPr eaLnBrk="1" hangingPunct="1"/>
+            <a:r>
+              <a:rPr lang="en-GB"/>
+              <a:t>A “Hydraulic” </a:t>
+            </a:r>
+            <a:r>
+              <a:rPr lang="en-GB" dirty="0"/>
+              <a:t>Theory of Belief</a:t>
+            </a:r>
+            <a:endParaRPr lang="en-US" dirty="0"/>
+          </a:p>
+        </p:txBody>
+      </p:sp>
+      <p:sp>
+        <p:nvSpPr>
+          <p:cNvPr id="900099" name="Rectangle 3"/>
+          <p:cNvSpPr>
+            <a:spLocks noGrp="1" noChangeArrowheads="1"/>
+          </p:cNvSpPr>
+          <p:nvPr>
+            <p:ph type="body" idx="1"/>
+          </p:nvPr>
+        </p:nvSpPr>
+        <p:spPr>
+          <a:xfrm>
+            <a:off x="485899" y="1340768"/>
+            <a:ext cx="8226561" cy="5328320"/>
+          </a:xfrm>
+        </p:spPr>
+        <p:txBody>
+          <a:bodyPr/>
+          <a:lstStyle/>
+          <a:p>
+            <a:pPr lvl="1" eaLnBrk="1" hangingPunct="1">
+              <a:buFontTx/>
+              <a:buNone/>
+            </a:pPr>
+            <a:r>
+              <a:rPr lang="en-GB" sz="2400" dirty="0"/>
+              <a:t>	</a:t>
+            </a:r>
+            <a:r>
+              <a:rPr lang="en-GB" sz="2600" dirty="0"/>
+              <a:t>“I </a:t>
+            </a:r>
+            <a:r>
+              <a:rPr lang="en-GB" sz="2600" dirty="0" err="1"/>
+              <a:t>wou’d</a:t>
+            </a:r>
+            <a:r>
+              <a:rPr lang="en-GB" sz="2600" dirty="0"/>
+              <a:t> willingly establish it as a general maxim in the science of human nature, </a:t>
+            </a:r>
+            <a:r>
+              <a:rPr lang="en-GB" sz="2600" i="1" dirty="0"/>
+              <a:t>that when any impression becomes present to us, it not only transports the mind to such ideas as are related to it, but likewise communicates to them a share of its force and vivacity</a:t>
+            </a:r>
+            <a:r>
+              <a:rPr lang="en-GB" sz="2600" dirty="0"/>
+              <a:t>.”  (</a:t>
+            </a:r>
+            <a:r>
+              <a:rPr lang="en-GB" sz="2600" i="1" dirty="0"/>
+              <a:t>T</a:t>
+            </a:r>
+            <a:r>
+              <a:rPr lang="en-GB" sz="2600" dirty="0"/>
+              <a:t> 1.3.8.2)</a:t>
+            </a:r>
+          </a:p>
+          <a:p>
+            <a:pPr eaLnBrk="1" hangingPunct="1">
+              <a:spcBef>
+                <a:spcPts val="2400"/>
+              </a:spcBef>
+            </a:pPr>
+            <a:r>
+              <a:rPr lang="en-GB" sz="2900" i="1"/>
+              <a:t>T</a:t>
+            </a:r>
+            <a:r>
+              <a:rPr lang="en-GB" sz="2900"/>
+              <a:t> </a:t>
+            </a:r>
+            <a:r>
+              <a:rPr lang="en-GB" sz="2900" dirty="0"/>
+              <a:t>1.3.8 gives various “experiments” to </a:t>
+            </a:r>
+            <a:r>
+              <a:rPr lang="en-GB" sz="2900"/>
+              <a:t>illustrate how force and vivacity can be conveyed from impressions to their “associated ideas”, </a:t>
+            </a:r>
+            <a:r>
+              <a:rPr lang="en-GB" sz="2900" dirty="0"/>
+              <a:t>confirming this as a general phenomenon of human nature.</a:t>
+            </a:r>
+            <a:endParaRPr lang="en-US" sz="2900" dirty="0"/>
+          </a:p>
+        </p:txBody>
+      </p:sp>
+    </p:spTree>
+    <p:extLst>
+      <p:ext uri="{BB962C8B-B14F-4D97-AF65-F5344CB8AC3E}">
+        <p14:creationId xmlns:p14="http://schemas.microsoft.com/office/powerpoint/2010/main" val="2573532606"/>
+      </p:ext>
+    </p:extLst>
+  </p:cSld>
+  <p:clrMapOvr>
+    <a:masterClrMapping/>
+  </p:clrMapOvr>
+  <p:transition spd="med">
+    <p:cover/>
+  </p:transition>
+</p:sld>
+</file>
+
+<file path=ppt/slides/slide53.xml><?xml version="1.0" encoding="utf-8"?>
+<p:sld xmlns:a="http://schemas.openxmlformats.org/drawingml/2006/main" xmlns:r="http://schemas.openxmlformats.org/officeDocument/2006/relationships" xmlns:p="http://schemas.openxmlformats.org/presentationml/2006/main">
+  <p:cSld>
+    <p:spTree>
+      <p:nvGrpSpPr>
+        <p:cNvPr id="1" name=""/>
+        <p:cNvGrpSpPr/>
+        <p:nvPr/>
+      </p:nvGrpSpPr>
+      <p:grpSpPr>
+        <a:xfrm>
+          <a:off x="0" y="0"/>
+          <a:ext cx="0" cy="0"/>
+          <a:chOff x="0" y="0"/>
+          <a:chExt cx="0" cy="0"/>
+        </a:xfrm>
+      </p:grpSpPr>
+      <p:sp>
+        <p:nvSpPr>
+          <p:cNvPr id="4" name="Slide Number Placeholder 3"/>
+          <p:cNvSpPr>
+            <a:spLocks noGrp="1"/>
+          </p:cNvSpPr>
+          <p:nvPr>
+            <p:ph type="sldNum" sz="quarter" idx="10"/>
+          </p:nvPr>
+        </p:nvSpPr>
+        <p:spPr/>
+        <p:txBody>
+          <a:bodyPr/>
+          <a:lstStyle/>
+          <a:p>
+            <a:fld id="{BF31638E-3DBC-4025-9FF3-3647BC892C1A}" type="slidenum">
+              <a:rPr lang="en-US"/>
+              <a:pPr/>
+              <a:t>53</a:t>
+            </a:fld>
+            <a:endParaRPr lang="en-US"/>
+          </a:p>
+        </p:txBody>
+      </p:sp>
+      <p:sp>
+        <p:nvSpPr>
+          <p:cNvPr id="900098" name="Rectangle 2"/>
+          <p:cNvSpPr>
+            <a:spLocks noGrp="1" noChangeArrowheads="1"/>
+          </p:cNvSpPr>
+          <p:nvPr>
+            <p:ph type="title"/>
+          </p:nvPr>
+        </p:nvSpPr>
+        <p:spPr>
+          <a:xfrm>
+            <a:off x="251520" y="277813"/>
+            <a:ext cx="8640960" cy="738919"/>
+          </a:xfrm>
+        </p:spPr>
+        <p:txBody>
+          <a:bodyPr/>
+          <a:lstStyle/>
+          <a:p>
+            <a:pPr eaLnBrk="1" hangingPunct="1"/>
+            <a:r>
+              <a:rPr lang="en-GB" dirty="0"/>
+              <a:t>A Hydraulic Theory of Probability</a:t>
+            </a:r>
+            <a:endParaRPr lang="en-US" dirty="0"/>
+          </a:p>
+        </p:txBody>
+      </p:sp>
+      <p:sp>
+        <p:nvSpPr>
+          <p:cNvPr id="900099" name="Rectangle 3"/>
+          <p:cNvSpPr>
+            <a:spLocks noGrp="1" noChangeArrowheads="1"/>
+          </p:cNvSpPr>
+          <p:nvPr>
+            <p:ph type="body" idx="1"/>
+          </p:nvPr>
+        </p:nvSpPr>
+        <p:spPr>
+          <a:xfrm>
+            <a:off x="269875" y="1340768"/>
+            <a:ext cx="8478589" cy="5176900"/>
+          </a:xfrm>
+        </p:spPr>
+        <p:txBody>
+          <a:bodyPr/>
+          <a:lstStyle/>
+          <a:p>
+            <a:pPr eaLnBrk="1" hangingPunct="1"/>
+            <a:r>
+              <a:rPr lang="en-GB" sz="2900" dirty="0"/>
+              <a:t>Suppose </a:t>
+            </a:r>
+            <a:r>
+              <a:rPr lang="en-GB" sz="2900"/>
+              <a:t>I toss a six-sided die </a:t>
+            </a:r>
+            <a:r>
+              <a:rPr lang="en-GB" sz="2900" dirty="0"/>
+              <a:t>...</a:t>
+            </a:r>
+          </a:p>
+          <a:p>
+            <a:pPr marL="742950" lvl="2" indent="-342900">
+              <a:spcBef>
+                <a:spcPts val="1800"/>
+              </a:spcBef>
+              <a:buClr>
+                <a:schemeClr val="hlink"/>
+              </a:buClr>
+              <a:buNone/>
+            </a:pPr>
+            <a:r>
+              <a:rPr lang="en-GB" sz="2600" dirty="0"/>
+              <a:t>	</a:t>
+            </a:r>
+            <a:r>
+              <a:rPr lang="en-GB" sz="2500" dirty="0"/>
+              <a:t>“When ... the thought is </a:t>
+            </a:r>
+            <a:r>
+              <a:rPr lang="en-GB" sz="2500" dirty="0" err="1"/>
+              <a:t>determin’d</a:t>
+            </a:r>
+            <a:r>
+              <a:rPr lang="en-GB" sz="2500" dirty="0"/>
+              <a:t> by the causes to consider the dye as falling and turning up one of its sides, the chances present all these sides as equal, and make us consider every one of them, one after another, as alike probable ...  The determination of the thought is common to all; but no more of its force falls to the share of any one, than what is suitable to its proportion with the rest.  </a:t>
+            </a:r>
+            <a:r>
+              <a:rPr lang="en-GB" sz="2500" dirty="0" err="1"/>
+              <a:t>’Tis</a:t>
+            </a:r>
+            <a:r>
+              <a:rPr lang="en-GB" sz="2500" dirty="0"/>
+              <a:t> after this manner the original impulse, and consequently the vivacity of thought, arising from the causes, is divided and split in pieces by the intermingled </a:t>
+            </a:r>
+            <a:r>
+              <a:rPr lang="en-GB" sz="2500"/>
+              <a:t>chances.”  </a:t>
+            </a:r>
+            <a:r>
+              <a:rPr lang="en-GB" sz="2500" dirty="0"/>
+              <a:t>(</a:t>
+            </a:r>
+            <a:r>
+              <a:rPr lang="en-GB" sz="2500" i="1" dirty="0"/>
+              <a:t>T</a:t>
+            </a:r>
+            <a:r>
+              <a:rPr lang="en-GB" sz="2500" dirty="0"/>
+              <a:t> 1.3.11.12)</a:t>
+            </a:r>
+          </a:p>
+          <a:p>
+            <a:pPr eaLnBrk="1" hangingPunct="1"/>
+            <a:endParaRPr lang="en-US" sz="2900" dirty="0"/>
+          </a:p>
+        </p:txBody>
+      </p:sp>
+    </p:spTree>
+    <p:extLst>
+      <p:ext uri="{BB962C8B-B14F-4D97-AF65-F5344CB8AC3E}">
+        <p14:creationId xmlns:p14="http://schemas.microsoft.com/office/powerpoint/2010/main" val="2955891389"/>
+      </p:ext>
+    </p:extLst>
+  </p:cSld>
+  <p:clrMapOvr>
+    <a:masterClrMapping/>
+  </p:clrMapOvr>
+  <p:transition spd="med">
+    <p:cover/>
+  </p:transition>
+</p:sld>
+</file>
+
+<file path=ppt/slides/slide54.xml><?xml version="1.0" encoding="utf-8"?>
+<p:sld xmlns:a="http://schemas.openxmlformats.org/drawingml/2006/main" xmlns:r="http://schemas.openxmlformats.org/officeDocument/2006/relationships" xmlns:p="http://schemas.openxmlformats.org/presentationml/2006/main">
+  <p:cSld>
+    <p:spTree>
+      <p:nvGrpSpPr>
+        <p:cNvPr id="1" name=""/>
+        <p:cNvGrpSpPr/>
+        <p:nvPr/>
+      </p:nvGrpSpPr>
+      <p:grpSpPr>
+        <a:xfrm>
+          <a:off x="0" y="0"/>
+          <a:ext cx="0" cy="0"/>
+          <a:chOff x="0" y="0"/>
+          <a:chExt cx="0" cy="0"/>
+        </a:xfrm>
+      </p:grpSpPr>
+      <p:sp>
+        <p:nvSpPr>
+          <p:cNvPr id="4" name="Slide Number Placeholder 3"/>
+          <p:cNvSpPr>
+            <a:spLocks noGrp="1"/>
+          </p:cNvSpPr>
+          <p:nvPr>
+            <p:ph type="sldNum" sz="quarter" idx="10"/>
+          </p:nvPr>
+        </p:nvSpPr>
+        <p:spPr/>
+        <p:txBody>
+          <a:bodyPr/>
+          <a:lstStyle/>
+          <a:p>
+            <a:fld id="{63C3B0CA-761B-497A-8EA4-2E9B97C52505}" type="slidenum">
+              <a:rPr lang="en-US"/>
+              <a:pPr/>
+              <a:t>54</a:t>
+            </a:fld>
+            <a:endParaRPr lang="en-US"/>
+          </a:p>
+        </p:txBody>
+      </p:sp>
+      <p:sp>
+        <p:nvSpPr>
+          <p:cNvPr id="852994" name="Rectangle 2"/>
+          <p:cNvSpPr>
+            <a:spLocks noGrp="1" noChangeArrowheads="1"/>
+          </p:cNvSpPr>
+          <p:nvPr>
+            <p:ph type="title"/>
+          </p:nvPr>
+        </p:nvSpPr>
+        <p:spPr>
+          <a:xfrm>
+            <a:off x="287524" y="44624"/>
+            <a:ext cx="8605650" cy="936104"/>
+          </a:xfrm>
+        </p:spPr>
+        <p:txBody>
+          <a:bodyPr/>
+          <a:lstStyle/>
+          <a:p>
+            <a:r>
+              <a:rPr lang="en-GB"/>
+              <a:t>Doubts about Force and Vivacity</a:t>
+            </a:r>
+            <a:endParaRPr lang="en-GB" dirty="0"/>
+          </a:p>
+        </p:txBody>
+      </p:sp>
+      <p:sp>
+        <p:nvSpPr>
+          <p:cNvPr id="852995" name="Rectangle 3"/>
+          <p:cNvSpPr>
+            <a:spLocks noGrp="1" noChangeArrowheads="1"/>
+          </p:cNvSpPr>
+          <p:nvPr>
+            <p:ph type="body" idx="1"/>
+          </p:nvPr>
+        </p:nvSpPr>
+        <p:spPr>
+          <a:xfrm>
+            <a:off x="574861" y="1124744"/>
+            <a:ext cx="8317619" cy="5507831"/>
+          </a:xfrm>
+        </p:spPr>
+        <p:txBody>
+          <a:bodyPr/>
+          <a:lstStyle/>
+          <a:p>
+            <a:r>
+              <a:rPr lang="en-GB" sz="2800"/>
+              <a:t>Hume seems to recognise that relying on “force and vivacity” to distinguish impressions from ideas is problematic:</a:t>
+            </a:r>
+            <a:endParaRPr lang="en-GB" sz="2800" dirty="0"/>
+          </a:p>
+          <a:p>
+            <a:pPr lvl="1">
+              <a:spcBef>
+                <a:spcPts val="1200"/>
+              </a:spcBef>
+              <a:buFontTx/>
+              <a:buNone/>
+            </a:pPr>
+            <a:r>
+              <a:rPr lang="en-GB" sz="2600" dirty="0"/>
+              <a:t>	</a:t>
+            </a:r>
+            <a:r>
+              <a:rPr lang="en-GB" sz="2500" dirty="0"/>
+              <a:t>“in sleep, in a fever, in madness, or in any very violent emotions of soul, our ideas may approach to our impressions:  [And] it sometimes happens, that our impressions are so faint and low, that we cannot distinguish them from our ideas.”  (</a:t>
+            </a:r>
+            <a:r>
+              <a:rPr lang="en-GB" sz="2500" i="1" dirty="0"/>
+              <a:t>T</a:t>
+            </a:r>
+            <a:r>
+              <a:rPr lang="en-GB" sz="2500" dirty="0"/>
+              <a:t> 1.1.1.1)</a:t>
+            </a:r>
+          </a:p>
+          <a:p>
+            <a:pPr>
+              <a:spcBef>
+                <a:spcPts val="1800"/>
+              </a:spcBef>
+            </a:pPr>
+            <a:r>
+              <a:rPr lang="en-GB" sz="2800" dirty="0"/>
+              <a:t>Compare, for example, dreaming of an attack of spiders, with watching paint </a:t>
+            </a:r>
+            <a:r>
+              <a:rPr lang="en-GB" sz="2800"/>
+              <a:t>dry!  (But note that a feeling of </a:t>
+            </a:r>
+            <a:r>
+              <a:rPr lang="en-GB" sz="2800" i="1"/>
+              <a:t>fear</a:t>
+            </a:r>
+            <a:r>
+              <a:rPr lang="en-GB" sz="2800"/>
+              <a:t> would be a </a:t>
+            </a:r>
+            <a:r>
+              <a:rPr lang="en-GB" sz="2800" i="1"/>
+              <a:t>reflective impression</a:t>
+            </a:r>
+            <a:r>
+              <a:rPr lang="en-GB" sz="2800"/>
+              <a:t>, quite separate from the imagined visual ideas.)</a:t>
+            </a:r>
+            <a:endParaRPr lang="en-GB" sz="2800" dirty="0"/>
+          </a:p>
+        </p:txBody>
+      </p:sp>
+    </p:spTree>
+    <p:extLst>
+      <p:ext uri="{BB962C8B-B14F-4D97-AF65-F5344CB8AC3E}">
+        <p14:creationId xmlns:p14="http://schemas.microsoft.com/office/powerpoint/2010/main" val="1344191091"/>
+      </p:ext>
+    </p:extLst>
+  </p:cSld>
+  <p:clrMapOvr>
+    <a:masterClrMapping/>
+  </p:clrMapOvr>
+  <p:transition spd="med">
+    <p:cover/>
+  </p:transition>
+</p:sld>
+</file>
+
+<file path=ppt/slides/slide55.xml><?xml version="1.0" encoding="utf-8"?>
+<p:sld xmlns:a="http://schemas.openxmlformats.org/drawingml/2006/main" xmlns:r="http://schemas.openxmlformats.org/officeDocument/2006/relationships" xmlns:p="http://schemas.openxmlformats.org/presentationml/2006/main">
+  <p:cSld>
+    <p:spTree>
+      <p:nvGrpSpPr>
+        <p:cNvPr id="1" name=""/>
+        <p:cNvGrpSpPr/>
+        <p:nvPr/>
+      </p:nvGrpSpPr>
+      <p:grpSpPr>
+        <a:xfrm>
+          <a:off x="0" y="0"/>
+          <a:ext cx="0" cy="0"/>
+          <a:chOff x="0" y="0"/>
+          <a:chExt cx="0" cy="0"/>
+        </a:xfrm>
+      </p:grpSpPr>
+      <p:sp>
+        <p:nvSpPr>
+          <p:cNvPr id="4" name="Slide Number Placeholder 3"/>
+          <p:cNvSpPr>
+            <a:spLocks noGrp="1"/>
+          </p:cNvSpPr>
+          <p:nvPr>
+            <p:ph type="sldNum" sz="quarter" idx="10"/>
+          </p:nvPr>
+        </p:nvSpPr>
+        <p:spPr/>
+        <p:txBody>
+          <a:bodyPr/>
+          <a:lstStyle/>
+          <a:p>
+            <a:fld id="{57B15A40-0D85-4592-8246-594F1B2E3787}" type="slidenum">
+              <a:rPr lang="en-US"/>
+              <a:pPr/>
+              <a:t>55</a:t>
+            </a:fld>
+            <a:endParaRPr lang="en-US"/>
+          </a:p>
+        </p:txBody>
+      </p:sp>
+      <p:sp>
+        <p:nvSpPr>
+          <p:cNvPr id="898051" name="Rectangle 3"/>
+          <p:cNvSpPr>
+            <a:spLocks noGrp="1" noChangeArrowheads="1"/>
+          </p:cNvSpPr>
+          <p:nvPr>
+            <p:ph type="body" idx="1"/>
+          </p:nvPr>
+        </p:nvSpPr>
+        <p:spPr>
+          <a:xfrm>
+            <a:off x="251520" y="368660"/>
+            <a:ext cx="8566249" cy="6228692"/>
+          </a:xfrm>
+        </p:spPr>
+        <p:txBody>
+          <a:bodyPr/>
+          <a:lstStyle/>
+          <a:p>
+            <a:pPr eaLnBrk="1" hangingPunct="1"/>
+            <a:r>
+              <a:rPr lang="en-GB" sz="3000"/>
+              <a:t>There are also other difficulties:</a:t>
+            </a:r>
+            <a:endParaRPr lang="en-GB" sz="3000" dirty="0"/>
+          </a:p>
+          <a:p>
+            <a:pPr lvl="1" eaLnBrk="1" hangingPunct="1">
+              <a:spcBef>
+                <a:spcPts val="1200"/>
+              </a:spcBef>
+            </a:pPr>
+            <a:r>
+              <a:rPr lang="en-GB" sz="2600" dirty="0"/>
+              <a:t>A fictional story </a:t>
+            </a:r>
+            <a:r>
+              <a:rPr lang="en-GB" sz="2600"/>
+              <a:t>can far be more “vivacious”, at least superficially, </a:t>
+            </a:r>
+            <a:r>
+              <a:rPr lang="en-GB" sz="2600" dirty="0"/>
+              <a:t>than a dull </a:t>
+            </a:r>
+            <a:r>
+              <a:rPr lang="en-GB" sz="2600"/>
+              <a:t>historical account (perhaps Hume realised this at </a:t>
+            </a:r>
+            <a:r>
+              <a:rPr lang="en-GB" sz="2600" i="1"/>
+              <a:t>T</a:t>
+            </a:r>
+            <a:r>
+              <a:rPr lang="en-GB" sz="2600"/>
+              <a:t> 1.3.10.10, added in 1740?).</a:t>
+            </a:r>
+            <a:endParaRPr lang="en-GB" sz="2600" dirty="0"/>
+          </a:p>
+          <a:p>
+            <a:pPr lvl="1" eaLnBrk="1" hangingPunct="1">
+              <a:spcBef>
+                <a:spcPts val="1200"/>
+              </a:spcBef>
+            </a:pPr>
+            <a:r>
+              <a:rPr lang="en-GB" sz="2600"/>
+              <a:t>Is a change in “</a:t>
+            </a:r>
+            <a:r>
+              <a:rPr lang="en-GB" sz="2600" dirty="0"/>
+              <a:t>f</a:t>
+            </a:r>
+            <a:r>
+              <a:rPr lang="en-GB" sz="2600"/>
+              <a:t>orce </a:t>
+            </a:r>
+            <a:r>
+              <a:rPr lang="en-GB" sz="2600" dirty="0"/>
+              <a:t>and </a:t>
+            </a:r>
+            <a:r>
+              <a:rPr lang="en-GB" sz="2600"/>
+              <a:t>vivacity” really consistent with preserving the same idea?  Suppose our </a:t>
+            </a:r>
+            <a:r>
+              <a:rPr lang="en-GB" sz="2600" i="1"/>
+              <a:t>idea</a:t>
+            </a:r>
+            <a:r>
+              <a:rPr lang="en-GB" sz="2600"/>
+              <a:t> of a </a:t>
+            </a:r>
+            <a:r>
+              <a:rPr lang="en-GB" sz="2600" i="1"/>
+              <a:t>dull</a:t>
+            </a:r>
+            <a:r>
+              <a:rPr lang="en-GB" sz="2600"/>
+              <a:t> red door acquires more vivacity: couldn’t that become the </a:t>
+            </a:r>
+            <a:r>
+              <a:rPr lang="en-GB" sz="2600" i="1"/>
+              <a:t>idea</a:t>
+            </a:r>
+            <a:r>
+              <a:rPr lang="en-GB" sz="2600"/>
+              <a:t> of a </a:t>
+            </a:r>
+            <a:r>
+              <a:rPr lang="en-GB" sz="2600" i="1"/>
+              <a:t>bright</a:t>
+            </a:r>
+            <a:r>
+              <a:rPr lang="en-GB" sz="2600"/>
+              <a:t> red door, rather than </a:t>
+            </a:r>
+            <a:r>
+              <a:rPr lang="en-GB" sz="2600" i="1"/>
+              <a:t>belief</a:t>
+            </a:r>
+            <a:r>
+              <a:rPr lang="en-GB" sz="2600"/>
+              <a:t> in a dull red door?  How can we distinguish between these two outcomes?</a:t>
+            </a:r>
+          </a:p>
+          <a:p>
+            <a:pPr lvl="1" eaLnBrk="1" hangingPunct="1">
+              <a:spcBef>
+                <a:spcPts val="1200"/>
+              </a:spcBef>
+            </a:pPr>
+            <a:r>
+              <a:rPr lang="en-GB" sz="2600"/>
+              <a:t>Coming to believe something looks more like a change of our </a:t>
+            </a:r>
+            <a:r>
+              <a:rPr lang="en-GB" sz="2600" i="1"/>
+              <a:t>attitude</a:t>
+            </a:r>
+            <a:r>
+              <a:rPr lang="en-GB" sz="2600"/>
+              <a:t> to an idea than like a change in the “force and vivacity” of the idea itself (recall the concern expressed in Lecture 1,  20).</a:t>
+            </a:r>
+            <a:endParaRPr lang="en-US" sz="2600" dirty="0"/>
+          </a:p>
+        </p:txBody>
+      </p:sp>
+    </p:spTree>
+    <p:extLst>
+      <p:ext uri="{BB962C8B-B14F-4D97-AF65-F5344CB8AC3E}">
+        <p14:creationId xmlns:p14="http://schemas.microsoft.com/office/powerpoint/2010/main" val="231817074"/>
+      </p:ext>
+    </p:extLst>
+  </p:cSld>
+  <p:clrMapOvr>
+    <a:masterClrMapping/>
+  </p:clrMapOvr>
+  <p:transition spd="med">
+    <p:cover/>
+  </p:transition>
+</p:sld>
+</file>
+
+<file path=ppt/slides/slide56.xml><?xml version="1.0" encoding="utf-8"?>
+<p:sld xmlns:a="http://schemas.openxmlformats.org/drawingml/2006/main" xmlns:r="http://schemas.openxmlformats.org/officeDocument/2006/relationships" xmlns:p="http://schemas.openxmlformats.org/presentationml/2006/main">
+  <p:cSld>
+    <p:spTree>
+      <p:nvGrpSpPr>
+        <p:cNvPr id="1" name="">
+          <a:extLst>
+            <a:ext uri="{FF2B5EF4-FFF2-40B4-BE49-F238E27FC236}">
+              <a16:creationId xmlns:a16="http://schemas.microsoft.com/office/drawing/2014/main" id="{F7DDB721-B6C5-3002-521C-076D4D9F5C3E}"/>
+            </a:ext>
+          </a:extLst>
+        </p:cNvPr>
+        <p:cNvGrpSpPr/>
+        <p:nvPr/>
+      </p:nvGrpSpPr>
+      <p:grpSpPr>
+        <a:xfrm>
+          <a:off x="0" y="0"/>
+          <a:ext cx="0" cy="0"/>
+          <a:chOff x="0" y="0"/>
+          <a:chExt cx="0" cy="0"/>
+        </a:xfrm>
+      </p:grpSpPr>
+      <p:sp>
+        <p:nvSpPr>
+          <p:cNvPr id="3" name="Content Placeholder 2">
+            <a:extLst>
+              <a:ext uri="{FF2B5EF4-FFF2-40B4-BE49-F238E27FC236}">
+                <a16:creationId xmlns:a16="http://schemas.microsoft.com/office/drawing/2014/main" id="{73D86AAF-84D8-744C-5CAB-5A2BFA3057D4}"/>
+              </a:ext>
+            </a:extLst>
+          </p:cNvPr>
+          <p:cNvSpPr>
+            <a:spLocks noGrp="1"/>
+          </p:cNvSpPr>
+          <p:nvPr>
+            <p:ph idx="1"/>
+          </p:nvPr>
+        </p:nvSpPr>
+        <p:spPr>
+          <a:xfrm>
+            <a:off x="251520" y="296652"/>
+            <a:ext cx="8568952" cy="6408712"/>
+          </a:xfrm>
+        </p:spPr>
+        <p:txBody>
+          <a:bodyPr/>
+          <a:lstStyle/>
+          <a:p>
+            <a:r>
+              <a:rPr lang="en-US" sz="2600"/>
+              <a:t>These objections tend to assume a straightforwardly </a:t>
+            </a:r>
+            <a:r>
+              <a:rPr lang="en-US" sz="2600" i="1"/>
+              <a:t>phenomenological</a:t>
+            </a:r>
+            <a:r>
+              <a:rPr lang="en-US" sz="2600"/>
+              <a:t> interpretation of “force and vivacity”:</a:t>
+            </a:r>
+          </a:p>
+          <a:p>
+            <a:pPr lvl="1">
+              <a:spcBef>
+                <a:spcPts val="1200"/>
+              </a:spcBef>
+            </a:pPr>
+            <a:r>
+              <a:rPr lang="en-GB" sz="2200" i="1" u="sng"/>
+              <a:t>Phenomenological vivacity or liveliness</a:t>
+            </a:r>
+            <a:r>
+              <a:rPr lang="en-GB" sz="2200"/>
+              <a:t> (e.g. Stroud, 1977)</a:t>
+            </a:r>
+          </a:p>
+          <a:p>
+            <a:pPr marL="914400" lvl="2" indent="0">
+              <a:buNone/>
+            </a:pPr>
+            <a:r>
+              <a:rPr lang="en-GB" sz="2100"/>
+              <a:t>“</a:t>
+            </a:r>
+            <a:r>
+              <a:rPr lang="en-US" sz="2100"/>
+              <a:t>The difference betwixt these consists in the degrees of force and liveliness, with which they strike upon the mind, and make their way into our thought or consciousness.”  (</a:t>
+            </a:r>
+            <a:r>
+              <a:rPr lang="en-US" sz="2100" i="1"/>
+              <a:t>T</a:t>
+            </a:r>
+            <a:r>
+              <a:rPr lang="en-US" sz="2100"/>
+              <a:t> 1.1.1.1)</a:t>
+            </a:r>
+            <a:endParaRPr lang="en-GB" sz="2100"/>
+          </a:p>
+          <a:p>
+            <a:pPr>
+              <a:spcBef>
+                <a:spcPts val="1800"/>
+              </a:spcBef>
+            </a:pPr>
+            <a:r>
+              <a:rPr lang="en-US" sz="2700"/>
+              <a:t>But in defending Hume, scholars have advocated other interpretations of the difference between impressions and ideas, most notably:</a:t>
+            </a:r>
+          </a:p>
+          <a:p>
+            <a:pPr lvl="1">
+              <a:spcBef>
+                <a:spcPts val="1200"/>
+              </a:spcBef>
+            </a:pPr>
+            <a:r>
+              <a:rPr lang="en-GB" sz="2200" i="1" u="sng"/>
+              <a:t>Functional or causal force</a:t>
+            </a:r>
+            <a:r>
+              <a:rPr lang="en-GB" sz="2200"/>
+              <a:t> (e.g. Everson, 1988)</a:t>
+            </a:r>
+          </a:p>
+          <a:p>
+            <a:pPr marL="914400" lvl="2" indent="0">
+              <a:buNone/>
+            </a:pPr>
+            <a:r>
+              <a:rPr lang="en-GB" sz="2100"/>
+              <a:t>“</a:t>
+            </a:r>
+            <a:r>
+              <a:rPr lang="en-US" sz="2100"/>
+              <a:t>this different feeling I [call] a superior </a:t>
+            </a:r>
+            <a:r>
+              <a:rPr lang="en-US" sz="2100" i="1"/>
+              <a:t>force</a:t>
+            </a:r>
+            <a:r>
+              <a:rPr lang="en-US" sz="2100"/>
+              <a:t>, or </a:t>
+            </a:r>
+            <a:r>
+              <a:rPr lang="en-US" sz="2100" i="1"/>
+              <a:t>vivacity</a:t>
+            </a:r>
+            <a:r>
+              <a:rPr lang="en-US" sz="2100"/>
+              <a:t>, or </a:t>
+            </a:r>
+            <a:r>
+              <a:rPr lang="en-US" sz="2100" i="1"/>
+              <a:t>solidity</a:t>
+            </a:r>
+            <a:r>
+              <a:rPr lang="en-US" sz="2100"/>
+              <a:t>, or </a:t>
+            </a:r>
+            <a:r>
+              <a:rPr lang="en-US" sz="2100" i="1"/>
+              <a:t>firmness</a:t>
+            </a:r>
+            <a:r>
+              <a:rPr lang="en-US" sz="2100"/>
+              <a:t>, or </a:t>
+            </a:r>
+            <a:r>
+              <a:rPr lang="en-US" sz="2100" i="1"/>
+              <a:t>steadiness</a:t>
+            </a:r>
+            <a:r>
+              <a:rPr lang="en-US" sz="2100"/>
+              <a:t>.  This variety of terms … is intended only to express that act of the mind, which renders realities more present to us than fictions, causes them to weigh more in the thought, and gives them a superior influence on the passions and imagination.”  (</a:t>
+            </a:r>
+            <a:r>
+              <a:rPr lang="en-US" sz="2100" i="1"/>
+              <a:t>T</a:t>
+            </a:r>
+            <a:r>
+              <a:rPr lang="en-US" sz="2100"/>
+              <a:t> 1.3.7.7, cf. </a:t>
+            </a:r>
+            <a:r>
+              <a:rPr lang="en-US" sz="2100" i="1"/>
+              <a:t>E</a:t>
+            </a:r>
+            <a:r>
+              <a:rPr lang="en-US" sz="2100"/>
+              <a:t> 5.12)</a:t>
+            </a:r>
+            <a:endParaRPr lang="en-GB" sz="2100"/>
+          </a:p>
+        </p:txBody>
+      </p:sp>
+      <p:sp>
+        <p:nvSpPr>
+          <p:cNvPr id="4" name="Slide Number Placeholder 3">
+            <a:extLst>
+              <a:ext uri="{FF2B5EF4-FFF2-40B4-BE49-F238E27FC236}">
+                <a16:creationId xmlns:a16="http://schemas.microsoft.com/office/drawing/2014/main" id="{A851F806-ACA5-D0D8-0279-1DAACC129CF5}"/>
+              </a:ext>
+            </a:extLst>
+          </p:cNvPr>
+          <p:cNvSpPr>
+            <a:spLocks noGrp="1"/>
+          </p:cNvSpPr>
+          <p:nvPr>
+            <p:ph type="sldNum" sz="quarter" idx="10"/>
+          </p:nvPr>
+        </p:nvSpPr>
+        <p:spPr/>
+        <p:txBody>
+          <a:bodyPr/>
+          <a:lstStyle/>
+          <a:p>
+            <a:fld id="{FFD1EE05-59BE-439B-B8B7-F61DC751609B}" type="slidenum">
+              <a:rPr lang="en-US" smtClean="0"/>
+              <a:pPr/>
+              <a:t>56</a:t>
+            </a:fld>
+            <a:endParaRPr lang="en-US"/>
+          </a:p>
+        </p:txBody>
+      </p:sp>
+    </p:spTree>
+    <p:extLst>
+      <p:ext uri="{BB962C8B-B14F-4D97-AF65-F5344CB8AC3E}">
+        <p14:creationId xmlns:p14="http://schemas.microsoft.com/office/powerpoint/2010/main" val="1936060012"/>
+      </p:ext>
+    </p:extLst>
+  </p:cSld>
+  <p:clrMapOvr>
+    <a:masterClrMapping/>
+  </p:clrMapOvr>
+  <p:transition spd="med">
+    <p:cover/>
+  </p:transition>
+</p:sld>
+</file>
+
+<file path=ppt/slides/slide57.xml><?xml version="1.0" encoding="utf-8"?>
+<p:sld xmlns:a="http://schemas.openxmlformats.org/drawingml/2006/main" xmlns:r="http://schemas.openxmlformats.org/officeDocument/2006/relationships" xmlns:p="http://schemas.openxmlformats.org/presentationml/2006/main">
+  <p:cSld>
+    <p:spTree>
+      <p:nvGrpSpPr>
+        <p:cNvPr id="1" name="">
+          <a:extLst>
+            <a:ext uri="{FF2B5EF4-FFF2-40B4-BE49-F238E27FC236}">
+              <a16:creationId xmlns:a16="http://schemas.microsoft.com/office/drawing/2014/main" id="{2B57D0B3-D3DD-477C-60BE-BC1125DA4B2C}"/>
+            </a:ext>
+          </a:extLst>
+        </p:cNvPr>
+        <p:cNvGrpSpPr/>
+        <p:nvPr/>
+      </p:nvGrpSpPr>
+      <p:grpSpPr>
+        <a:xfrm>
+          <a:off x="0" y="0"/>
+          <a:ext cx="0" cy="0"/>
+          <a:chOff x="0" y="0"/>
+          <a:chExt cx="0" cy="0"/>
+        </a:xfrm>
+      </p:grpSpPr>
+      <p:sp>
+        <p:nvSpPr>
+          <p:cNvPr id="3" name="Content Placeholder 2">
+            <a:extLst>
+              <a:ext uri="{FF2B5EF4-FFF2-40B4-BE49-F238E27FC236}">
+                <a16:creationId xmlns:a16="http://schemas.microsoft.com/office/drawing/2014/main" id="{E23BA0A8-A159-1C41-506F-9E5745AD4414}"/>
+              </a:ext>
+            </a:extLst>
+          </p:cNvPr>
+          <p:cNvSpPr>
+            <a:spLocks noGrp="1"/>
+          </p:cNvSpPr>
+          <p:nvPr>
+            <p:ph idx="1"/>
+          </p:nvPr>
+        </p:nvSpPr>
+        <p:spPr>
+          <a:xfrm>
+            <a:off x="287524" y="476672"/>
+            <a:ext cx="8568952" cy="6228692"/>
+          </a:xfrm>
+        </p:spPr>
+        <p:txBody>
+          <a:bodyPr/>
+          <a:lstStyle/>
+          <a:p>
+            <a:pPr lvl="1">
+              <a:spcBef>
+                <a:spcPts val="1200"/>
+              </a:spcBef>
+            </a:pPr>
+            <a:r>
+              <a:rPr lang="en-GB" sz="2200" i="1" u="sng"/>
+              <a:t>Causal priority</a:t>
+            </a:r>
+            <a:r>
+              <a:rPr lang="en-GB" sz="2200"/>
+              <a:t> (e.g. Landy, 2006)</a:t>
+            </a:r>
+          </a:p>
+          <a:p>
+            <a:pPr marL="914400" lvl="2" indent="0">
+              <a:buNone/>
+            </a:pPr>
+            <a:r>
+              <a:rPr lang="en-GB" sz="2100"/>
+              <a:t>“</a:t>
+            </a:r>
+            <a:r>
+              <a:rPr lang="en-US" sz="2100"/>
+              <a:t>Those perceptions, which enter with most force and violence, we may name </a:t>
+            </a:r>
+            <a:r>
+              <a:rPr lang="en-US" sz="2100" i="1"/>
+              <a:t>impressions</a:t>
+            </a:r>
+            <a:r>
+              <a:rPr lang="en-US" sz="2100"/>
+              <a:t>; and under this name I comprehend all our sensations, passions and emotions, as they make their first appearance in the soul.  By </a:t>
+            </a:r>
+            <a:r>
+              <a:rPr lang="en-US" sz="2100" i="1"/>
+              <a:t>ideas</a:t>
+            </a:r>
+            <a:r>
+              <a:rPr lang="en-US" sz="2100"/>
+              <a:t> I mean the faint images of these in thinking and reasoning; …”  (</a:t>
+            </a:r>
+            <a:r>
+              <a:rPr lang="en-US" sz="2100" i="1"/>
+              <a:t>T</a:t>
+            </a:r>
+            <a:r>
+              <a:rPr lang="en-US" sz="2100"/>
+              <a:t> 1.1.1.1)</a:t>
+            </a:r>
+            <a:endParaRPr lang="en-GB" sz="2100"/>
+          </a:p>
+          <a:p>
+            <a:pPr lvl="1">
+              <a:spcBef>
+                <a:spcPts val="1200"/>
+              </a:spcBef>
+            </a:pPr>
+            <a:r>
+              <a:rPr lang="en-GB" sz="2200" i="1" u="sng"/>
+              <a:t>Feeling and thinking</a:t>
+            </a:r>
+            <a:endParaRPr lang="en-GB" sz="2200"/>
+          </a:p>
+          <a:p>
+            <a:pPr marL="914400" lvl="2" indent="0">
+              <a:buNone/>
+            </a:pPr>
+            <a:r>
+              <a:rPr lang="en-GB" sz="2100"/>
+              <a:t>“</a:t>
+            </a:r>
+            <a:r>
+              <a:rPr lang="en-US" sz="2100"/>
+              <a:t>I believe it will not be very necessary to employ many words in explaining this distinction. Every one of himself will readily per-ceive the difference betwixt feeling and thinking.”  (</a:t>
+            </a:r>
+            <a:r>
+              <a:rPr lang="en-US" sz="2100" i="1"/>
+              <a:t>T</a:t>
+            </a:r>
+            <a:r>
+              <a:rPr lang="en-US" sz="2100"/>
+              <a:t> 1.1.1.1)</a:t>
+            </a:r>
+          </a:p>
+          <a:p>
+            <a:pPr marL="914400" lvl="2" indent="0">
+              <a:spcBef>
+                <a:spcPts val="1200"/>
+              </a:spcBef>
+              <a:buNone/>
+            </a:pPr>
+            <a:r>
+              <a:rPr lang="en-US" sz="2100"/>
+              <a:t>“there is a considerable difference between the perceptions of the mind, when a man feels the pain of excessive heat, or the pleasure of moderate warmth, and when he afterwards recalls to his memory this sensation, or anticipates it by his imagination.  These faculties may mimic or copy the perceptions of the senses; but they never can entirely reach the force and vivacity of the original sentiment.”  (</a:t>
+            </a:r>
+            <a:r>
+              <a:rPr lang="en-US" sz="2100" i="1"/>
+              <a:t>E</a:t>
+            </a:r>
+            <a:r>
+              <a:rPr lang="en-US" sz="2100"/>
+              <a:t> 2.1)</a:t>
+            </a:r>
+            <a:endParaRPr lang="en-GB" sz="2100"/>
+          </a:p>
+        </p:txBody>
+      </p:sp>
+      <p:sp>
+        <p:nvSpPr>
+          <p:cNvPr id="4" name="Slide Number Placeholder 3">
+            <a:extLst>
+              <a:ext uri="{FF2B5EF4-FFF2-40B4-BE49-F238E27FC236}">
+                <a16:creationId xmlns:a16="http://schemas.microsoft.com/office/drawing/2014/main" id="{B35AF30F-B9D0-A409-EDC6-F5E64A16D6C7}"/>
+              </a:ext>
+            </a:extLst>
+          </p:cNvPr>
+          <p:cNvSpPr>
+            <a:spLocks noGrp="1"/>
+          </p:cNvSpPr>
+          <p:nvPr>
+            <p:ph type="sldNum" sz="quarter" idx="10"/>
+          </p:nvPr>
+        </p:nvSpPr>
+        <p:spPr/>
+        <p:txBody>
+          <a:bodyPr/>
+          <a:lstStyle/>
+          <a:p>
+            <a:fld id="{FFD1EE05-59BE-439B-B8B7-F61DC751609B}" type="slidenum">
+              <a:rPr lang="en-US" smtClean="0"/>
+              <a:pPr/>
+              <a:t>57</a:t>
+            </a:fld>
+            <a:endParaRPr lang="en-US"/>
+          </a:p>
+        </p:txBody>
+      </p:sp>
+    </p:spTree>
+    <p:extLst>
+      <p:ext uri="{BB962C8B-B14F-4D97-AF65-F5344CB8AC3E}">
+        <p14:creationId xmlns:p14="http://schemas.microsoft.com/office/powerpoint/2010/main" val="3969938954"/>
+      </p:ext>
+    </p:extLst>
+  </p:cSld>
+  <p:clrMapOvr>
+    <a:masterClrMapping/>
+  </p:clrMapOvr>
+  <p:transition spd="med">
+    <p:cover/>
+  </p:transition>
+</p:sld>
+</file>
+
+<file path=ppt/slides/slide58.xml><?xml version="1.0" encoding="utf-8"?>
+<p:sld xmlns:a="http://schemas.openxmlformats.org/drawingml/2006/main" xmlns:r="http://schemas.openxmlformats.org/officeDocument/2006/relationships" xmlns:p="http://schemas.openxmlformats.org/presentationml/2006/main">
+  <p:cSld>
+    <p:spTree>
+      <p:nvGrpSpPr>
+        <p:cNvPr id="1" name=""/>
+        <p:cNvGrpSpPr/>
+        <p:nvPr/>
+      </p:nvGrpSpPr>
+      <p:grpSpPr>
+        <a:xfrm>
+          <a:off x="0" y="0"/>
+          <a:ext cx="0" cy="0"/>
+          <a:chOff x="0" y="0"/>
+          <a:chExt cx="0" cy="0"/>
+        </a:xfrm>
+      </p:grpSpPr>
+      <p:sp>
+        <p:nvSpPr>
+          <p:cNvPr id="2" name="Title 1">
+            <a:extLst>
+              <a:ext uri="{FF2B5EF4-FFF2-40B4-BE49-F238E27FC236}">
+                <a16:creationId xmlns:a16="http://schemas.microsoft.com/office/drawing/2014/main" id="{67FFEBD6-1061-4EBC-8EB2-C8D435C991BC}"/>
+              </a:ext>
+            </a:extLst>
+          </p:cNvPr>
+          <p:cNvSpPr>
+            <a:spLocks noGrp="1"/>
+          </p:cNvSpPr>
+          <p:nvPr>
+            <p:ph type="title"/>
+          </p:nvPr>
+        </p:nvSpPr>
+        <p:spPr>
+          <a:xfrm>
+            <a:off x="457200" y="224644"/>
+            <a:ext cx="8229600" cy="774923"/>
+          </a:xfrm>
+        </p:spPr>
+        <p:txBody>
+          <a:bodyPr/>
+          <a:lstStyle/>
+          <a:p>
+            <a:r>
+              <a:rPr lang="en-US" sz="4000"/>
+              <a:t>“Force” as Functional?</a:t>
+            </a:r>
+            <a:endParaRPr lang="en-GB" sz="4000"/>
+          </a:p>
+        </p:txBody>
+      </p:sp>
+      <p:sp>
+        <p:nvSpPr>
+          <p:cNvPr id="3" name="Content Placeholder 2">
+            <a:extLst>
+              <a:ext uri="{FF2B5EF4-FFF2-40B4-BE49-F238E27FC236}">
+                <a16:creationId xmlns:a16="http://schemas.microsoft.com/office/drawing/2014/main" id="{CBD18B35-B243-49D8-BA27-72D4AF7F0F11}"/>
+              </a:ext>
+            </a:extLst>
+          </p:cNvPr>
+          <p:cNvSpPr>
+            <a:spLocks noGrp="1"/>
+          </p:cNvSpPr>
+          <p:nvPr>
+            <p:ph idx="1"/>
+          </p:nvPr>
+        </p:nvSpPr>
+        <p:spPr>
+          <a:xfrm>
+            <a:off x="683568" y="1124744"/>
+            <a:ext cx="8136904" cy="5580620"/>
+          </a:xfrm>
+        </p:spPr>
+        <p:txBody>
+          <a:bodyPr/>
+          <a:lstStyle/>
+          <a:p>
+            <a:r>
+              <a:rPr lang="en-US" sz="2600"/>
+              <a:t>Functional interpretations are popular with inter-preters who see Hume’s epistemology as largely </a:t>
+            </a:r>
+            <a:r>
+              <a:rPr lang="en-US" sz="2600" i="1"/>
+              <a:t>externalist</a:t>
+            </a:r>
+            <a:r>
+              <a:rPr lang="en-US" sz="2600"/>
+              <a:t>.  For example, Loeb claims that Humean “beliefs are </a:t>
+            </a:r>
+            <a:r>
+              <a:rPr lang="en-US" sz="2600" i="1"/>
+              <a:t>steady dispositions</a:t>
+            </a:r>
+            <a:r>
+              <a:rPr lang="en-US" sz="2600"/>
+              <a:t>” (2002, p. 65).</a:t>
+            </a:r>
+          </a:p>
+          <a:p>
+            <a:pPr>
+              <a:spcBef>
+                <a:spcPts val="1200"/>
+              </a:spcBef>
+            </a:pPr>
+            <a:r>
+              <a:rPr lang="en-US" sz="2600"/>
+              <a:t>Marušić (2010) argues strongly on the other side, citing Hume’s emphasis on </a:t>
+            </a:r>
+            <a:r>
+              <a:rPr lang="en-US" sz="2600" i="1"/>
+              <a:t>feeling </a:t>
+            </a:r>
+            <a:r>
+              <a:rPr lang="en-US" sz="2600"/>
+              <a:t>as </a:t>
+            </a:r>
+            <a:r>
+              <a:rPr lang="en-US" sz="2600" i="1"/>
+              <a:t>causally</a:t>
+            </a:r>
+            <a:r>
+              <a:rPr lang="en-US" sz="2600"/>
+              <a:t> key to the functional difference between belief and mere conception (e.g. in paragraphs 7-9 of the </a:t>
+            </a:r>
+            <a:r>
+              <a:rPr lang="en-US" sz="2600" i="1"/>
+              <a:t>Appendix</a:t>
+            </a:r>
+            <a:r>
+              <a:rPr lang="en-US" sz="2600"/>
+              <a:t> to the </a:t>
+            </a:r>
+            <a:r>
+              <a:rPr lang="en-US" sz="2600" i="1"/>
+              <a:t>Treatise</a:t>
+            </a:r>
+            <a:r>
+              <a:rPr lang="en-US" sz="2600"/>
+              <a:t>).  If this is right, then it looks as though the difference in “feeling” is fundamental to the distinction, and the </a:t>
+            </a:r>
+            <a:r>
+              <a:rPr lang="en-US" sz="2600" i="1"/>
+              <a:t>functional</a:t>
+            </a:r>
+            <a:r>
+              <a:rPr lang="en-US" sz="2600"/>
+              <a:t> difference cannot be its ground, because on Hume’s principles, a cause is always distinct from its effect.</a:t>
+            </a:r>
+            <a:endParaRPr lang="en-GB" sz="2600"/>
+          </a:p>
+        </p:txBody>
+      </p:sp>
+      <p:sp>
+        <p:nvSpPr>
+          <p:cNvPr id="4" name="Slide Number Placeholder 3">
+            <a:extLst>
+              <a:ext uri="{FF2B5EF4-FFF2-40B4-BE49-F238E27FC236}">
+                <a16:creationId xmlns:a16="http://schemas.microsoft.com/office/drawing/2014/main" id="{E87DAECE-F521-41FA-BA5C-C677EDE9A34C}"/>
+              </a:ext>
+            </a:extLst>
+          </p:cNvPr>
+          <p:cNvSpPr>
+            <a:spLocks noGrp="1"/>
+          </p:cNvSpPr>
+          <p:nvPr>
+            <p:ph type="sldNum" sz="quarter" idx="10"/>
+          </p:nvPr>
+        </p:nvSpPr>
+        <p:spPr/>
+        <p:txBody>
+          <a:bodyPr/>
+          <a:lstStyle/>
+          <a:p>
+            <a:fld id="{FFD1EE05-59BE-439B-B8B7-F61DC751609B}" type="slidenum">
+              <a:rPr lang="en-US" smtClean="0"/>
+              <a:pPr/>
+              <a:t>58</a:t>
+            </a:fld>
+            <a:endParaRPr lang="en-US"/>
+          </a:p>
+        </p:txBody>
+      </p:sp>
+    </p:spTree>
+    <p:extLst>
+      <p:ext uri="{BB962C8B-B14F-4D97-AF65-F5344CB8AC3E}">
+        <p14:creationId xmlns:p14="http://schemas.microsoft.com/office/powerpoint/2010/main" val="1956682262"/>
+      </p:ext>
+    </p:extLst>
+  </p:cSld>
+  <p:clrMapOvr>
+    <a:masterClrMapping/>
+  </p:clrMapOvr>
+  <p:transition spd="med">
+    <p:cover/>
+  </p:transition>
+</p:sld>
+</file>
+
+<file path=ppt/slides/slide59.xml><?xml version="1.0" encoding="utf-8"?>
+<p:sld xmlns:a="http://schemas.openxmlformats.org/drawingml/2006/main" xmlns:r="http://schemas.openxmlformats.org/officeDocument/2006/relationships" xmlns:p="http://schemas.openxmlformats.org/presentationml/2006/main">
+  <p:cSld>
+    <p:spTree>
+      <p:nvGrpSpPr>
+        <p:cNvPr id="1" name=""/>
+        <p:cNvGrpSpPr/>
+        <p:nvPr/>
+      </p:nvGrpSpPr>
+      <p:grpSpPr>
+        <a:xfrm>
+          <a:off x="0" y="0"/>
+          <a:ext cx="0" cy="0"/>
+          <a:chOff x="0" y="0"/>
+          <a:chExt cx="0" cy="0"/>
+        </a:xfrm>
+      </p:grpSpPr>
+      <p:sp>
+        <p:nvSpPr>
+          <p:cNvPr id="3" name="Content Placeholder 2">
+            <a:extLst>
+              <a:ext uri="{FF2B5EF4-FFF2-40B4-BE49-F238E27FC236}">
+                <a16:creationId xmlns:a16="http://schemas.microsoft.com/office/drawing/2014/main" id="{66AC8ACC-039B-64DB-6EC9-EE13AD74DDBD}"/>
+              </a:ext>
+            </a:extLst>
+          </p:cNvPr>
+          <p:cNvSpPr>
+            <a:spLocks noGrp="1"/>
+          </p:cNvSpPr>
+          <p:nvPr>
+            <p:ph idx="1"/>
+          </p:nvPr>
+        </p:nvSpPr>
+        <p:spPr>
+          <a:xfrm>
+            <a:off x="1079612" y="224644"/>
+            <a:ext cx="7607188" cy="6156684"/>
+          </a:xfrm>
+        </p:spPr>
+        <p:txBody>
+          <a:bodyPr/>
+          <a:lstStyle/>
+          <a:p>
+            <a:pPr marL="0" indent="0">
+              <a:buNone/>
+            </a:pPr>
+            <a:r>
+              <a:rPr lang="en-US" sz="2300"/>
+              <a:t>“The </a:t>
+            </a:r>
+            <a:r>
+              <a:rPr lang="en-US" sz="2300" i="1"/>
+              <a:t>effects</a:t>
+            </a:r>
+            <a:r>
+              <a:rPr lang="en-US" sz="2300"/>
+              <a:t> of belief, in influencing the passions and imagination, can all be explain’d from the firm conception; and [we need no] recourse to any other principle.  These arguments, with [others from the </a:t>
+            </a:r>
+            <a:r>
+              <a:rPr lang="en-US" sz="2300" i="1"/>
+              <a:t>Treatise</a:t>
+            </a:r>
+            <a:r>
+              <a:rPr lang="en-US" sz="2300"/>
+              <a:t>] … sufficiently prove, that belief only modifies the idea or conception; and renders it different to the feeling, …”  (</a:t>
+            </a:r>
+            <a:r>
+              <a:rPr lang="en-US" sz="2300" i="1"/>
+              <a:t>T App</a:t>
+            </a:r>
+            <a:r>
+              <a:rPr lang="en-US" sz="2300"/>
+              <a:t> 7)</a:t>
+            </a:r>
+          </a:p>
+          <a:p>
+            <a:pPr marL="0" indent="0">
+              <a:spcBef>
+                <a:spcPts val="1200"/>
+              </a:spcBef>
+              <a:buNone/>
+            </a:pPr>
+            <a:r>
+              <a:rPr lang="en-US" sz="2300"/>
+              <a:t>“[There are] two questions of importance, …  </a:t>
+            </a:r>
+            <a:r>
+              <a:rPr lang="en-US" sz="2300" i="1"/>
+              <a:t>Whether there be any thing to distinguish belief from the simple conception beside the feeling or sentiment?</a:t>
+            </a:r>
+            <a:r>
+              <a:rPr lang="en-US" sz="2300"/>
+              <a:t> And, </a:t>
+            </a:r>
+            <a:r>
+              <a:rPr lang="en-US" sz="2300" i="1"/>
+              <a:t>Whether this feeling be any thing but a firmer conception, or a faster hold, that we take of the object?</a:t>
+            </a:r>
+            <a:r>
+              <a:rPr lang="en-US" sz="2300"/>
+              <a:t>”  (</a:t>
+            </a:r>
+            <a:r>
+              <a:rPr lang="en-US" sz="2300" i="1"/>
+              <a:t>T App</a:t>
+            </a:r>
+            <a:r>
+              <a:rPr lang="en-US" sz="2300"/>
+              <a:t> 8)</a:t>
+            </a:r>
+          </a:p>
+          <a:p>
+            <a:pPr marL="0" indent="0">
+              <a:spcBef>
+                <a:spcPts val="1200"/>
+              </a:spcBef>
+              <a:buNone/>
+            </a:pPr>
+            <a:r>
+              <a:rPr lang="en-US" sz="2300"/>
+              <a:t>“The transition from a present impression, always enlivens and strengthens any idea.  When any object is presented, the idea of its usual attendant immediately strikes us, as something real and solid.  ’Tis </a:t>
+            </a:r>
+            <a:r>
+              <a:rPr lang="en-US" sz="2300" i="1"/>
+              <a:t>felt</a:t>
+            </a:r>
+            <a:r>
+              <a:rPr lang="en-US" sz="2300"/>
+              <a:t>, rather than conceiv’d, and approaches the impression, from which it is deriv’d, in its force and influence.”  (</a:t>
+            </a:r>
+            <a:r>
+              <a:rPr lang="en-US" sz="2300" i="1"/>
+              <a:t>T App</a:t>
+            </a:r>
+            <a:r>
+              <a:rPr lang="en-US" sz="2300"/>
+              <a:t> 9)</a:t>
+            </a:r>
+          </a:p>
+          <a:p>
+            <a:pPr marL="0" indent="0">
+              <a:buNone/>
+            </a:pPr>
+            <a:endParaRPr lang="en-GB" sz="2300"/>
+          </a:p>
+        </p:txBody>
+      </p:sp>
+      <p:sp>
+        <p:nvSpPr>
+          <p:cNvPr id="4" name="Slide Number Placeholder 3">
+            <a:extLst>
+              <a:ext uri="{FF2B5EF4-FFF2-40B4-BE49-F238E27FC236}">
+                <a16:creationId xmlns:a16="http://schemas.microsoft.com/office/drawing/2014/main" id="{29316E62-D228-973B-03B2-FC4F609462B0}"/>
+              </a:ext>
+            </a:extLst>
+          </p:cNvPr>
+          <p:cNvSpPr>
+            <a:spLocks noGrp="1"/>
+          </p:cNvSpPr>
+          <p:nvPr>
+            <p:ph type="sldNum" sz="quarter" idx="10"/>
+          </p:nvPr>
+        </p:nvSpPr>
+        <p:spPr/>
+        <p:txBody>
+          <a:bodyPr/>
+          <a:lstStyle/>
+          <a:p>
+            <a:fld id="{FFD1EE05-59BE-439B-B8B7-F61DC751609B}" type="slidenum">
+              <a:rPr lang="en-US" smtClean="0"/>
+              <a:pPr/>
+              <a:t>59</a:t>
+            </a:fld>
+            <a:endParaRPr lang="en-US"/>
+          </a:p>
+        </p:txBody>
+      </p:sp>
+    </p:spTree>
+    <p:extLst>
+      <p:ext uri="{BB962C8B-B14F-4D97-AF65-F5344CB8AC3E}">
+        <p14:creationId xmlns:p14="http://schemas.microsoft.com/office/powerpoint/2010/main" val="3031728035"/>
       </p:ext>
     </p:extLst>
   </p:cSld>
@@ -21761,6 +25359,2085 @@
 </p:sld>
 </file>
 
+<file path=ppt/slides/slide60.xml><?xml version="1.0" encoding="utf-8"?>
+<p:sld xmlns:a="http://schemas.openxmlformats.org/drawingml/2006/main" xmlns:r="http://schemas.openxmlformats.org/officeDocument/2006/relationships" xmlns:p="http://schemas.openxmlformats.org/presentationml/2006/main">
+  <p:cSld>
+    <p:spTree>
+      <p:nvGrpSpPr>
+        <p:cNvPr id="1" name=""/>
+        <p:cNvGrpSpPr/>
+        <p:nvPr/>
+      </p:nvGrpSpPr>
+      <p:grpSpPr>
+        <a:xfrm>
+          <a:off x="0" y="0"/>
+          <a:ext cx="0" cy="0"/>
+          <a:chOff x="0" y="0"/>
+          <a:chExt cx="0" cy="0"/>
+        </a:xfrm>
+      </p:grpSpPr>
+      <p:sp>
+        <p:nvSpPr>
+          <p:cNvPr id="2" name="Title 1">
+            <a:extLst>
+              <a:ext uri="{FF2B5EF4-FFF2-40B4-BE49-F238E27FC236}">
+                <a16:creationId xmlns:a16="http://schemas.microsoft.com/office/drawing/2014/main" id="{A965BBBC-65FA-4B30-9870-CF8CE090A429}"/>
+              </a:ext>
+            </a:extLst>
+          </p:cNvPr>
+          <p:cNvSpPr>
+            <a:spLocks noGrp="1"/>
+          </p:cNvSpPr>
+          <p:nvPr>
+            <p:ph type="title"/>
+          </p:nvPr>
+        </p:nvSpPr>
+        <p:spPr>
+          <a:xfrm>
+            <a:off x="179512" y="188640"/>
+            <a:ext cx="8784976" cy="720080"/>
+          </a:xfrm>
+        </p:spPr>
+        <p:txBody>
+          <a:bodyPr/>
+          <a:lstStyle/>
+          <a:p>
+            <a:r>
+              <a:rPr lang="en-US"/>
+              <a:t>Is “Force and Vivacity” Univocal?</a:t>
+            </a:r>
+            <a:endParaRPr lang="en-GB"/>
+          </a:p>
+        </p:txBody>
+      </p:sp>
+      <p:sp>
+        <p:nvSpPr>
+          <p:cNvPr id="3" name="Content Placeholder 2">
+            <a:extLst>
+              <a:ext uri="{FF2B5EF4-FFF2-40B4-BE49-F238E27FC236}">
+                <a16:creationId xmlns:a16="http://schemas.microsoft.com/office/drawing/2014/main" id="{3DA0C5A8-98E7-49E4-B03B-082E89D92E74}"/>
+              </a:ext>
+            </a:extLst>
+          </p:cNvPr>
+          <p:cNvSpPr>
+            <a:spLocks noGrp="1"/>
+          </p:cNvSpPr>
+          <p:nvPr>
+            <p:ph idx="1"/>
+          </p:nvPr>
+        </p:nvSpPr>
+        <p:spPr>
+          <a:xfrm>
+            <a:off x="565212" y="1160748"/>
+            <a:ext cx="8111244" cy="5419439"/>
+          </a:xfrm>
+        </p:spPr>
+        <p:txBody>
+          <a:bodyPr/>
+          <a:lstStyle/>
+          <a:p>
+            <a:r>
+              <a:rPr lang="en-US" sz="2800"/>
+              <a:t>Hume’s hydraulic theory seems to assume that a single dimension of “force and vivacity” can capture the differences between:</a:t>
+            </a:r>
+          </a:p>
+          <a:p>
+            <a:pPr lvl="1">
+              <a:spcBef>
+                <a:spcPts val="900"/>
+              </a:spcBef>
+            </a:pPr>
+            <a:r>
+              <a:rPr lang="en-US" sz="2500"/>
+              <a:t>An impression of </a:t>
+            </a:r>
+            <a:r>
+              <a:rPr lang="en-US" sz="2500" i="1"/>
+              <a:t>X</a:t>
+            </a:r>
+            <a:r>
+              <a:rPr lang="en-US" sz="2500"/>
+              <a:t> (most forceful/vivacious)</a:t>
+            </a:r>
+          </a:p>
+          <a:p>
+            <a:pPr lvl="1">
+              <a:spcBef>
+                <a:spcPts val="900"/>
+              </a:spcBef>
+            </a:pPr>
+            <a:r>
+              <a:rPr lang="en-US" sz="2500"/>
+              <a:t>A memory of </a:t>
+            </a:r>
+            <a:r>
+              <a:rPr lang="en-US" sz="2500" i="1"/>
+              <a:t>X</a:t>
+            </a:r>
+            <a:r>
+              <a:rPr lang="en-US" sz="2500"/>
+              <a:t> (between impression and idea)</a:t>
+            </a:r>
+          </a:p>
+          <a:p>
+            <a:pPr lvl="1">
+              <a:spcBef>
+                <a:spcPts val="900"/>
+              </a:spcBef>
+            </a:pPr>
+            <a:r>
+              <a:rPr lang="en-US" sz="2500"/>
+              <a:t>A belief or expectation of </a:t>
+            </a:r>
+            <a:r>
+              <a:rPr lang="en-US" sz="2500" i="1"/>
+              <a:t>X</a:t>
+            </a:r>
+            <a:r>
+              <a:rPr lang="en-US" sz="2500"/>
+              <a:t> (a vivacious idea)</a:t>
+            </a:r>
+          </a:p>
+          <a:p>
+            <a:pPr lvl="1">
+              <a:spcBef>
+                <a:spcPts val="900"/>
+              </a:spcBef>
+            </a:pPr>
+            <a:r>
+              <a:rPr lang="en-US" sz="2500"/>
+              <a:t>Mere contemplation of </a:t>
+            </a:r>
+            <a:r>
+              <a:rPr lang="en-US" sz="2500" i="1"/>
+              <a:t>X</a:t>
+            </a:r>
+            <a:r>
+              <a:rPr lang="en-US" sz="2500"/>
+              <a:t> (least forceful/vivacious)</a:t>
+            </a:r>
+          </a:p>
+          <a:p>
+            <a:pPr>
+              <a:spcBef>
+                <a:spcPts val="2400"/>
+              </a:spcBef>
+            </a:pPr>
+            <a:r>
+              <a:rPr lang="en-US" sz="2800"/>
+              <a:t>Dauer (1999) suggests this implausibility later pushed Hume away from the hydraulic model, which does not feature in the 1748 </a:t>
+            </a:r>
+            <a:r>
+              <a:rPr lang="en-US" sz="2800" i="1"/>
+              <a:t>Enquiry</a:t>
+            </a:r>
+            <a:r>
+              <a:rPr lang="en-US" sz="2800"/>
+              <a:t>. (beyond a slight hint in a sentence at </a:t>
+            </a:r>
+            <a:r>
+              <a:rPr lang="en-US" sz="2800" i="1"/>
+              <a:t>E</a:t>
+            </a:r>
+            <a:r>
+              <a:rPr lang="en-US" sz="2800"/>
+              <a:t> 5.20).</a:t>
+            </a:r>
+          </a:p>
+          <a:p>
+            <a:pPr lvl="1"/>
+            <a:endParaRPr lang="en-GB"/>
+          </a:p>
+        </p:txBody>
+      </p:sp>
+      <p:sp>
+        <p:nvSpPr>
+          <p:cNvPr id="4" name="Slide Number Placeholder 3">
+            <a:extLst>
+              <a:ext uri="{FF2B5EF4-FFF2-40B4-BE49-F238E27FC236}">
+                <a16:creationId xmlns:a16="http://schemas.microsoft.com/office/drawing/2014/main" id="{BDD07489-F3D1-46D0-AA72-AB8DF78E9C0F}"/>
+              </a:ext>
+            </a:extLst>
+          </p:cNvPr>
+          <p:cNvSpPr>
+            <a:spLocks noGrp="1"/>
+          </p:cNvSpPr>
+          <p:nvPr>
+            <p:ph type="sldNum" sz="quarter" idx="10"/>
+          </p:nvPr>
+        </p:nvSpPr>
+        <p:spPr/>
+        <p:txBody>
+          <a:bodyPr/>
+          <a:lstStyle/>
+          <a:p>
+            <a:fld id="{FFD1EE05-59BE-439B-B8B7-F61DC751609B}" type="slidenum">
+              <a:rPr lang="en-US" smtClean="0"/>
+              <a:pPr/>
+              <a:t>60</a:t>
+            </a:fld>
+            <a:endParaRPr lang="en-US"/>
+          </a:p>
+        </p:txBody>
+      </p:sp>
+    </p:spTree>
+    <p:extLst>
+      <p:ext uri="{BB962C8B-B14F-4D97-AF65-F5344CB8AC3E}">
+        <p14:creationId xmlns:p14="http://schemas.microsoft.com/office/powerpoint/2010/main" val="1217789751"/>
+      </p:ext>
+    </p:extLst>
+  </p:cSld>
+  <p:clrMapOvr>
+    <a:masterClrMapping/>
+  </p:clrMapOvr>
+  <p:transition spd="med">
+    <p:cover/>
+  </p:transition>
+</p:sld>
+</file>
+
+<file path=ppt/slides/slide61.xml><?xml version="1.0" encoding="utf-8"?>
+<p:sld xmlns:a="http://schemas.openxmlformats.org/drawingml/2006/main" xmlns:r="http://schemas.openxmlformats.org/officeDocument/2006/relationships" xmlns:p="http://schemas.openxmlformats.org/presentationml/2006/main">
+  <p:cSld>
+    <p:spTree>
+      <p:nvGrpSpPr>
+        <p:cNvPr id="1" name=""/>
+        <p:cNvGrpSpPr/>
+        <p:nvPr/>
+      </p:nvGrpSpPr>
+      <p:grpSpPr>
+        <a:xfrm>
+          <a:off x="0" y="0"/>
+          <a:ext cx="0" cy="0"/>
+          <a:chOff x="0" y="0"/>
+          <a:chExt cx="0" cy="0"/>
+        </a:xfrm>
+      </p:grpSpPr>
+      <p:sp>
+        <p:nvSpPr>
+          <p:cNvPr id="4" name="Slide Number Placeholder 3"/>
+          <p:cNvSpPr>
+            <a:spLocks noGrp="1"/>
+          </p:cNvSpPr>
+          <p:nvPr>
+            <p:ph type="sldNum" sz="quarter" idx="10"/>
+          </p:nvPr>
+        </p:nvSpPr>
+        <p:spPr/>
+        <p:txBody>
+          <a:bodyPr/>
+          <a:lstStyle/>
+          <a:p>
+            <a:fld id="{3D25A8B1-9B73-4DF4-93BC-35E4C6AEA451}" type="slidenum">
+              <a:rPr lang="en-US"/>
+              <a:pPr/>
+              <a:t>61</a:t>
+            </a:fld>
+            <a:endParaRPr lang="en-US"/>
+          </a:p>
+        </p:txBody>
+      </p:sp>
+      <p:sp>
+        <p:nvSpPr>
+          <p:cNvPr id="897026" name="Rectangle 2"/>
+          <p:cNvSpPr>
+            <a:spLocks noGrp="1" noChangeArrowheads="1"/>
+          </p:cNvSpPr>
+          <p:nvPr>
+            <p:ph type="title"/>
+          </p:nvPr>
+        </p:nvSpPr>
+        <p:spPr>
+          <a:xfrm>
+            <a:off x="457200" y="80628"/>
+            <a:ext cx="8229600" cy="846931"/>
+          </a:xfrm>
+        </p:spPr>
+        <p:txBody>
+          <a:bodyPr/>
+          <a:lstStyle/>
+          <a:p>
+            <a:pPr eaLnBrk="1" hangingPunct="1"/>
+            <a:r>
+              <a:rPr lang="en-GB" dirty="0"/>
+              <a:t>Symptoms </a:t>
+            </a:r>
+            <a:r>
+              <a:rPr lang="en-GB"/>
+              <a:t>of Unease?</a:t>
+            </a:r>
+            <a:endParaRPr lang="en-US" dirty="0"/>
+          </a:p>
+        </p:txBody>
+      </p:sp>
+      <p:sp>
+        <p:nvSpPr>
+          <p:cNvPr id="897027" name="Rectangle 3"/>
+          <p:cNvSpPr>
+            <a:spLocks noGrp="1" noChangeArrowheads="1"/>
+          </p:cNvSpPr>
+          <p:nvPr>
+            <p:ph type="body" idx="1"/>
+          </p:nvPr>
+        </p:nvSpPr>
+        <p:spPr>
+          <a:xfrm>
+            <a:off x="251520" y="1160748"/>
+            <a:ext cx="8442325" cy="5415719"/>
+          </a:xfrm>
+        </p:spPr>
+        <p:txBody>
+          <a:bodyPr/>
+          <a:lstStyle/>
+          <a:p>
+            <a:pPr eaLnBrk="1" hangingPunct="1"/>
+            <a:r>
+              <a:rPr lang="en-GB" sz="2900"/>
+              <a:t>In the 1740 Appendix, Hume seems to evince some </a:t>
+            </a:r>
+            <a:r>
+              <a:rPr lang="en-GB" sz="2900" dirty="0"/>
+              <a:t>discomfort with his account:</a:t>
+            </a:r>
+          </a:p>
+          <a:p>
+            <a:pPr lvl="1" eaLnBrk="1" hangingPunct="1">
+              <a:spcBef>
+                <a:spcPts val="1800"/>
+              </a:spcBef>
+              <a:buFontTx/>
+              <a:buNone/>
+            </a:pPr>
+            <a:r>
+              <a:rPr lang="en-GB" sz="2500" dirty="0"/>
+              <a:t>	“An idea assented to </a:t>
+            </a:r>
+            <a:r>
+              <a:rPr lang="en-GB" sz="2500" i="1" dirty="0"/>
+              <a:t>feels</a:t>
+            </a:r>
+            <a:r>
+              <a:rPr lang="en-GB" sz="2500" dirty="0"/>
+              <a:t> different from a fictitious idea …  And this different feeling I endeavour to explain by calling it a superior </a:t>
+            </a:r>
+            <a:r>
+              <a:rPr lang="en-GB" sz="2500" i="1" dirty="0"/>
+              <a:t>force</a:t>
+            </a:r>
+            <a:r>
+              <a:rPr lang="en-GB" sz="2500" dirty="0"/>
+              <a:t>, or </a:t>
+            </a:r>
+            <a:r>
+              <a:rPr lang="en-GB" sz="2500" i="1" dirty="0"/>
+              <a:t>vivacity</a:t>
+            </a:r>
+            <a:r>
+              <a:rPr lang="en-GB" sz="2500" dirty="0"/>
+              <a:t>, or </a:t>
+            </a:r>
+            <a:r>
+              <a:rPr lang="en-GB" sz="2500" i="1" dirty="0"/>
+              <a:t>solidity</a:t>
+            </a:r>
+            <a:r>
+              <a:rPr lang="en-GB" sz="2500" dirty="0"/>
+              <a:t>, or </a:t>
+            </a:r>
+            <a:r>
+              <a:rPr lang="en-GB" sz="2500" i="1" dirty="0"/>
+              <a:t>firmness</a:t>
+            </a:r>
+            <a:r>
+              <a:rPr lang="en-GB" sz="2500" dirty="0"/>
+              <a:t>, or </a:t>
+            </a:r>
+            <a:r>
+              <a:rPr lang="en-GB" sz="2500" i="1" dirty="0"/>
+              <a:t>steadiness</a:t>
+            </a:r>
+            <a:r>
+              <a:rPr lang="en-GB" sz="2500" dirty="0"/>
+              <a:t>.  … ’tis impossible to explain perfectly this feeling or manner of conception.  We may make use of words, that express something near it.  But its true and proper name is </a:t>
+            </a:r>
+            <a:r>
+              <a:rPr lang="en-GB" sz="2500" i="1" dirty="0"/>
+              <a:t>belief</a:t>
+            </a:r>
+            <a:r>
+              <a:rPr lang="en-GB" sz="2500" dirty="0"/>
+              <a:t>, which is a term than every one sufficiently </a:t>
+            </a:r>
+            <a:r>
+              <a:rPr lang="en-GB" sz="2500"/>
+              <a:t>understands …”</a:t>
+            </a:r>
+          </a:p>
+          <a:p>
+            <a:pPr lvl="1" eaLnBrk="1" hangingPunct="1">
+              <a:spcBef>
+                <a:spcPts val="600"/>
+              </a:spcBef>
+              <a:buFontTx/>
+              <a:buNone/>
+            </a:pPr>
+            <a:r>
+              <a:rPr lang="en-GB" sz="2500"/>
+              <a:t>					(</a:t>
+            </a:r>
+            <a:r>
+              <a:rPr lang="en-GB" sz="2500" i="1"/>
+              <a:t>T</a:t>
+            </a:r>
+            <a:r>
+              <a:rPr lang="en-GB" sz="2500"/>
+              <a:t> 1.3.7.7; see also </a:t>
+            </a:r>
+            <a:r>
+              <a:rPr lang="en-GB" sz="2500" i="1"/>
+              <a:t>T</a:t>
+            </a:r>
+            <a:r>
+              <a:rPr lang="en-GB" sz="2500"/>
+              <a:t> 1.3.10.10,					as noted in  55 above)</a:t>
+            </a:r>
+            <a:endParaRPr lang="en-US" sz="2500" dirty="0"/>
+          </a:p>
+        </p:txBody>
+      </p:sp>
+    </p:spTree>
+    <p:extLst>
+      <p:ext uri="{BB962C8B-B14F-4D97-AF65-F5344CB8AC3E}">
+        <p14:creationId xmlns:p14="http://schemas.microsoft.com/office/powerpoint/2010/main" val="842224013"/>
+      </p:ext>
+    </p:extLst>
+  </p:cSld>
+  <p:clrMapOvr>
+    <a:masterClrMapping/>
+  </p:clrMapOvr>
+  <p:transition spd="med">
+    <p:cover/>
+  </p:transition>
+</p:sld>
+</file>
+
+<file path=ppt/slides/slide62.xml><?xml version="1.0" encoding="utf-8"?>
+<p:sld xmlns:a="http://schemas.openxmlformats.org/drawingml/2006/main" xmlns:r="http://schemas.openxmlformats.org/officeDocument/2006/relationships" xmlns:p="http://schemas.openxmlformats.org/presentationml/2006/main">
+  <p:cSld>
+    <p:spTree>
+      <p:nvGrpSpPr>
+        <p:cNvPr id="1" name=""/>
+        <p:cNvGrpSpPr/>
+        <p:nvPr/>
+      </p:nvGrpSpPr>
+      <p:grpSpPr>
+        <a:xfrm>
+          <a:off x="0" y="0"/>
+          <a:ext cx="0" cy="0"/>
+          <a:chOff x="0" y="0"/>
+          <a:chExt cx="0" cy="0"/>
+        </a:xfrm>
+      </p:grpSpPr>
+      <p:sp>
+        <p:nvSpPr>
+          <p:cNvPr id="4" name="Slide Number Placeholder 3"/>
+          <p:cNvSpPr>
+            <a:spLocks noGrp="1"/>
+          </p:cNvSpPr>
+          <p:nvPr>
+            <p:ph type="sldNum" sz="quarter" idx="10"/>
+          </p:nvPr>
+        </p:nvSpPr>
+        <p:spPr/>
+        <p:txBody>
+          <a:bodyPr/>
+          <a:lstStyle/>
+          <a:p>
+            <a:fld id="{3D25A8B1-9B73-4DF4-93BC-35E4C6AEA451}" type="slidenum">
+              <a:rPr lang="en-US"/>
+              <a:pPr/>
+              <a:t>62</a:t>
+            </a:fld>
+            <a:endParaRPr lang="en-US"/>
+          </a:p>
+        </p:txBody>
+      </p:sp>
+      <p:sp>
+        <p:nvSpPr>
+          <p:cNvPr id="897026" name="Rectangle 2"/>
+          <p:cNvSpPr>
+            <a:spLocks noGrp="1" noChangeArrowheads="1"/>
+          </p:cNvSpPr>
+          <p:nvPr>
+            <p:ph type="title"/>
+          </p:nvPr>
+        </p:nvSpPr>
+        <p:spPr>
+          <a:xfrm>
+            <a:off x="215516" y="277813"/>
+            <a:ext cx="8784976" cy="738919"/>
+          </a:xfrm>
+        </p:spPr>
+        <p:txBody>
+          <a:bodyPr/>
+          <a:lstStyle/>
+          <a:p>
+            <a:pPr eaLnBrk="1" hangingPunct="1"/>
+            <a:r>
+              <a:rPr lang="en-GB"/>
+              <a:t>Retreating from the Theory</a:t>
+            </a:r>
+            <a:endParaRPr lang="en-US" dirty="0"/>
+          </a:p>
+        </p:txBody>
+      </p:sp>
+      <p:sp>
+        <p:nvSpPr>
+          <p:cNvPr id="897027" name="Rectangle 3"/>
+          <p:cNvSpPr>
+            <a:spLocks noGrp="1" noChangeArrowheads="1"/>
+          </p:cNvSpPr>
+          <p:nvPr>
+            <p:ph type="body" idx="1"/>
+          </p:nvPr>
+        </p:nvSpPr>
+        <p:spPr>
+          <a:xfrm>
+            <a:off x="251520" y="1340768"/>
+            <a:ext cx="8442325" cy="5235699"/>
+          </a:xfrm>
+        </p:spPr>
+        <p:txBody>
+          <a:bodyPr/>
+          <a:lstStyle/>
+          <a:p>
+            <a:pPr eaLnBrk="1" hangingPunct="1"/>
+            <a:r>
+              <a:rPr lang="en-GB" sz="2900" dirty="0"/>
+              <a:t>In the </a:t>
+            </a:r>
+            <a:r>
+              <a:rPr lang="en-GB" sz="2900" i="1" dirty="0"/>
+              <a:t>Enquiry</a:t>
+            </a:r>
+            <a:r>
+              <a:rPr lang="en-GB" sz="2900" dirty="0"/>
+              <a:t>, </a:t>
+            </a:r>
+            <a:r>
+              <a:rPr lang="en-GB" sz="2900"/>
+              <a:t>Hume retreats from the attempt to define belief as well as the hydraulic theory:</a:t>
+            </a:r>
+            <a:endParaRPr lang="en-GB" sz="2900" dirty="0"/>
+          </a:p>
+          <a:p>
+            <a:pPr lvl="1" eaLnBrk="1" hangingPunct="1">
+              <a:spcBef>
+                <a:spcPts val="1500"/>
+              </a:spcBef>
+              <a:buFontTx/>
+              <a:buNone/>
+            </a:pPr>
+            <a:r>
+              <a:rPr lang="en-GB" sz="2400" dirty="0"/>
+              <a:t>	</a:t>
+            </a:r>
+            <a:r>
+              <a:rPr lang="en-GB" sz="2500" dirty="0"/>
+              <a:t>“Were we to attempt a </a:t>
+            </a:r>
+            <a:r>
+              <a:rPr lang="en-GB" sz="2500" i="1" dirty="0"/>
+              <a:t>definition</a:t>
+            </a:r>
+            <a:r>
+              <a:rPr lang="en-GB" sz="2500" dirty="0"/>
+              <a:t> of this sentiment, we should, perhaps, find it ... impossible ...  </a:t>
+            </a:r>
+            <a:r>
+              <a:rPr lang="en-GB" sz="2500" cap="small" dirty="0"/>
+              <a:t>Belief</a:t>
+            </a:r>
+            <a:r>
+              <a:rPr lang="en-GB" sz="2500" dirty="0"/>
+              <a:t> is the true and proper name of this feeling; ... It may not, however, be improper to attempt a </a:t>
+            </a:r>
+            <a:r>
+              <a:rPr lang="en-GB" sz="2500" i="1" dirty="0"/>
+              <a:t>description</a:t>
+            </a:r>
+            <a:r>
+              <a:rPr lang="en-GB" sz="2500" dirty="0"/>
+              <a:t> of this sentiment; ... I say then, that belief is nothing but a more vivid, lively, forcible, firm, steady conception of an object, than what the imagination alone is ever able to attain.”  (</a:t>
+            </a:r>
+            <a:r>
+              <a:rPr lang="en-GB" sz="2500" i="1"/>
+              <a:t>E</a:t>
+            </a:r>
+            <a:r>
+              <a:rPr lang="en-GB" sz="2500"/>
+              <a:t> 5.12)</a:t>
+            </a:r>
+            <a:endParaRPr lang="en-GB" sz="2500" dirty="0"/>
+          </a:p>
+          <a:p>
+            <a:pPr lvl="1" eaLnBrk="1" hangingPunct="1">
+              <a:spcBef>
+                <a:spcPts val="1500"/>
+              </a:spcBef>
+              <a:buFontTx/>
+              <a:buNone/>
+            </a:pPr>
+            <a:r>
+              <a:rPr lang="en-GB" sz="2500" dirty="0"/>
+              <a:t>	Probable belief, as in the case of a die, arises from “an inexplicable contrivance of nature” (E 6.3).</a:t>
+            </a:r>
+            <a:endParaRPr lang="en-US" sz="2500" dirty="0"/>
+          </a:p>
+        </p:txBody>
+      </p:sp>
+    </p:spTree>
+    <p:extLst>
+      <p:ext uri="{BB962C8B-B14F-4D97-AF65-F5344CB8AC3E}">
+        <p14:creationId xmlns:p14="http://schemas.microsoft.com/office/powerpoint/2010/main" val="3334328310"/>
+      </p:ext>
+    </p:extLst>
+  </p:cSld>
+  <p:clrMapOvr>
+    <a:masterClrMapping/>
+  </p:clrMapOvr>
+  <p:transition spd="med">
+    <p:cover/>
+  </p:transition>
+</p:sld>
+</file>
+
+<file path=ppt/slides/slide63.xml><?xml version="1.0" encoding="utf-8"?>
+<p:sld xmlns:a="http://schemas.openxmlformats.org/drawingml/2006/main" xmlns:r="http://schemas.openxmlformats.org/officeDocument/2006/relationships" xmlns:p="http://schemas.openxmlformats.org/presentationml/2006/main">
+  <p:cSld>
+    <p:spTree>
+      <p:nvGrpSpPr>
+        <p:cNvPr id="1" name="">
+          <a:extLst>
+            <a:ext uri="{FF2B5EF4-FFF2-40B4-BE49-F238E27FC236}">
+              <a16:creationId xmlns:a16="http://schemas.microsoft.com/office/drawing/2014/main" id="{B58A659E-6084-DB60-0568-FD0D48A0B504}"/>
+            </a:ext>
+          </a:extLst>
+        </p:cNvPr>
+        <p:cNvGrpSpPr/>
+        <p:nvPr/>
+      </p:nvGrpSpPr>
+      <p:grpSpPr>
+        <a:xfrm>
+          <a:off x="0" y="0"/>
+          <a:ext cx="0" cy="0"/>
+          <a:chOff x="0" y="0"/>
+          <a:chExt cx="0" cy="0"/>
+        </a:xfrm>
+      </p:grpSpPr>
+      <p:sp>
+        <p:nvSpPr>
+          <p:cNvPr id="847874" name="Rectangle 2">
+            <a:extLst>
+              <a:ext uri="{FF2B5EF4-FFF2-40B4-BE49-F238E27FC236}">
+                <a16:creationId xmlns:a16="http://schemas.microsoft.com/office/drawing/2014/main" id="{A57E1AB7-A446-9E66-E611-5070D78741F5}"/>
+              </a:ext>
+            </a:extLst>
+          </p:cNvPr>
+          <p:cNvSpPr>
+            <a:spLocks noGrp="1" noChangeArrowheads="1"/>
+          </p:cNvSpPr>
+          <p:nvPr>
+            <p:ph type="ctrTitle"/>
+          </p:nvPr>
+        </p:nvSpPr>
+        <p:spPr>
+          <a:xfrm>
+            <a:off x="179388" y="296863"/>
+            <a:ext cx="4608512" cy="6300787"/>
+          </a:xfrm>
+        </p:spPr>
+        <p:txBody>
+          <a:bodyPr/>
+          <a:lstStyle/>
+          <a:p>
+            <a:r>
+              <a:rPr lang="en-GB"/>
+              <a:t>2(</a:t>
+            </a:r>
+            <a:r>
+              <a:rPr lang="en-GB" dirty="0"/>
+              <a:t>b</a:t>
+            </a:r>
+            <a:r>
+              <a:rPr lang="en-GB"/>
+              <a:t>)</a:t>
+            </a:r>
+            <a:br>
+              <a:rPr lang="en-GB" dirty="0"/>
+            </a:br>
+            <a:br>
+              <a:rPr lang="en-GB"/>
+            </a:br>
+            <a:r>
+              <a:rPr lang="en-GB"/>
+              <a:t>The Separability Principle</a:t>
+            </a:r>
+            <a:endParaRPr lang="en-US" dirty="0"/>
+          </a:p>
+        </p:txBody>
+      </p:sp>
+      <p:pic>
+        <p:nvPicPr>
+          <p:cNvPr id="847875" name="Picture 3" descr="treatise1">
+            <a:extLst>
+              <a:ext uri="{FF2B5EF4-FFF2-40B4-BE49-F238E27FC236}">
+                <a16:creationId xmlns:a16="http://schemas.microsoft.com/office/drawing/2014/main" id="{19C556C5-0941-C8FF-3C8D-B4987F59604D}"/>
+              </a:ext>
+            </a:extLst>
+          </p:cNvPr>
+          <p:cNvPicPr>
+            <a:picLocks noChangeAspect="1" noChangeArrowheads="1"/>
+          </p:cNvPicPr>
+          <p:nvPr/>
+        </p:nvPicPr>
+        <p:blipFill>
+          <a:blip r:embed="rId2" cstate="print"/>
+          <a:srcRect/>
+          <a:stretch>
+            <a:fillRect/>
+          </a:stretch>
+        </p:blipFill>
+        <p:spPr bwMode="auto">
+          <a:xfrm>
+            <a:off x="4938713" y="260350"/>
+            <a:ext cx="3773487" cy="6337300"/>
+          </a:xfrm>
+          <a:prstGeom prst="rect">
+            <a:avLst/>
+          </a:prstGeom>
+          <a:noFill/>
+        </p:spPr>
+      </p:pic>
+    </p:spTree>
+    <p:extLst>
+      <p:ext uri="{BB962C8B-B14F-4D97-AF65-F5344CB8AC3E}">
+        <p14:creationId xmlns:p14="http://schemas.microsoft.com/office/powerpoint/2010/main" val="338428869"/>
+      </p:ext>
+    </p:extLst>
+  </p:cSld>
+  <p:clrMapOvr>
+    <a:masterClrMapping/>
+  </p:clrMapOvr>
+  <p:transition spd="med">
+    <p:cover/>
+  </p:transition>
+</p:sld>
+</file>
+
+<file path=ppt/slides/slide64.xml><?xml version="1.0" encoding="utf-8"?>
+<p:sld xmlns:a="http://schemas.openxmlformats.org/drawingml/2006/main" xmlns:r="http://schemas.openxmlformats.org/officeDocument/2006/relationships" xmlns:p="http://schemas.openxmlformats.org/presentationml/2006/main">
+  <p:cSld>
+    <p:spTree>
+      <p:nvGrpSpPr>
+        <p:cNvPr id="1" name=""/>
+        <p:cNvGrpSpPr/>
+        <p:nvPr/>
+      </p:nvGrpSpPr>
+      <p:grpSpPr>
+        <a:xfrm>
+          <a:off x="0" y="0"/>
+          <a:ext cx="0" cy="0"/>
+          <a:chOff x="0" y="0"/>
+          <a:chExt cx="0" cy="0"/>
+        </a:xfrm>
+      </p:grpSpPr>
+      <p:sp>
+        <p:nvSpPr>
+          <p:cNvPr id="4" name="Slide Number Placeholder 3"/>
+          <p:cNvSpPr>
+            <a:spLocks noGrp="1"/>
+          </p:cNvSpPr>
+          <p:nvPr>
+            <p:ph type="sldNum" sz="quarter" idx="10"/>
+          </p:nvPr>
+        </p:nvSpPr>
+        <p:spPr/>
+        <p:txBody>
+          <a:bodyPr/>
+          <a:lstStyle/>
+          <a:p>
+            <a:fld id="{260624B7-F95E-4C23-85CD-C48668CF6CC8}" type="slidenum">
+              <a:rPr lang="en-US"/>
+              <a:pPr/>
+              <a:t>64</a:t>
+            </a:fld>
+            <a:endParaRPr lang="en-US"/>
+          </a:p>
+        </p:txBody>
+      </p:sp>
+      <p:sp>
+        <p:nvSpPr>
+          <p:cNvPr id="855042" name="Rectangle 2"/>
+          <p:cNvSpPr>
+            <a:spLocks noGrp="1" noChangeArrowheads="1"/>
+          </p:cNvSpPr>
+          <p:nvPr>
+            <p:ph type="title"/>
+          </p:nvPr>
+        </p:nvSpPr>
+        <p:spPr>
+          <a:xfrm>
+            <a:off x="457200" y="277813"/>
+            <a:ext cx="8229600" cy="774923"/>
+          </a:xfrm>
+        </p:spPr>
+        <p:txBody>
+          <a:bodyPr/>
+          <a:lstStyle/>
+          <a:p>
+            <a:r>
+              <a:rPr lang="en-GB" dirty="0"/>
+              <a:t>The “Liberty of the Imagination”</a:t>
+            </a:r>
+          </a:p>
+        </p:txBody>
+      </p:sp>
+      <p:sp>
+        <p:nvSpPr>
+          <p:cNvPr id="855043" name="Rectangle 3"/>
+          <p:cNvSpPr>
+            <a:spLocks noGrp="1" noChangeArrowheads="1"/>
+          </p:cNvSpPr>
+          <p:nvPr>
+            <p:ph type="body" idx="1"/>
+          </p:nvPr>
+        </p:nvSpPr>
+        <p:spPr>
+          <a:xfrm>
+            <a:off x="457200" y="1376772"/>
+            <a:ext cx="8229600" cy="5177408"/>
+          </a:xfrm>
+        </p:spPr>
+        <p:txBody>
+          <a:bodyPr/>
+          <a:lstStyle/>
+          <a:p>
+            <a:r>
+              <a:rPr lang="en-GB" sz="2800"/>
+              <a:t>We have already seen that some ideas are complex, and can be divided imaginatively </a:t>
+            </a:r>
+            <a:r>
+              <a:rPr lang="en-GB" sz="2800" dirty="0"/>
+              <a:t>into components:</a:t>
+            </a:r>
+          </a:p>
+          <a:p>
+            <a:pPr lvl="1">
+              <a:buFontTx/>
+              <a:buNone/>
+            </a:pPr>
+            <a:r>
+              <a:rPr lang="en-GB" dirty="0"/>
+              <a:t>	</a:t>
+            </a:r>
+            <a:r>
+              <a:rPr lang="en-GB" sz="2600" dirty="0"/>
+              <a:t>An apple has a </a:t>
+            </a:r>
+            <a:r>
+              <a:rPr lang="en-GB" sz="2600"/>
+              <a:t>particular colour, taste, and smell, and also a (complex) shape.  (cf. </a:t>
+            </a:r>
+            <a:r>
+              <a:rPr lang="en-GB" sz="2600" i="1"/>
+              <a:t>T</a:t>
+            </a:r>
+            <a:r>
+              <a:rPr lang="en-GB" sz="2600"/>
+              <a:t> 1.1.1.2)</a:t>
+            </a:r>
+            <a:endParaRPr lang="en-GB" sz="2600" dirty="0"/>
+          </a:p>
+          <a:p>
+            <a:pPr>
+              <a:spcBef>
+                <a:spcPts val="1800"/>
+              </a:spcBef>
+            </a:pPr>
+            <a:r>
+              <a:rPr lang="en-GB" sz="2800"/>
+              <a:t>We can also </a:t>
+            </a:r>
+            <a:r>
+              <a:rPr lang="en-GB" sz="2800" i="1" u="sng" dirty="0"/>
+              <a:t>put ideas together</a:t>
+            </a:r>
+            <a:r>
+              <a:rPr lang="en-GB" sz="2800" dirty="0"/>
+              <a:t> in new ways:</a:t>
+            </a:r>
+          </a:p>
+          <a:p>
+            <a:pPr lvl="1">
+              <a:buFontTx/>
+              <a:buNone/>
+            </a:pPr>
+            <a:r>
+              <a:rPr lang="en-GB" dirty="0"/>
+              <a:t>	</a:t>
+            </a:r>
+            <a:r>
+              <a:rPr lang="en-GB" sz="2600" dirty="0"/>
+              <a:t>gold + mountain = </a:t>
+            </a:r>
+            <a:r>
+              <a:rPr lang="en-GB" sz="2600"/>
+              <a:t>golden mountain.  (</a:t>
+            </a:r>
+            <a:r>
+              <a:rPr lang="en-GB" sz="2600" i="1"/>
+              <a:t>E</a:t>
+            </a:r>
+            <a:r>
+              <a:rPr lang="en-GB" sz="2600"/>
+              <a:t> 2.5)</a:t>
+            </a:r>
+            <a:endParaRPr lang="en-GB" sz="2600" dirty="0"/>
+          </a:p>
+          <a:p>
+            <a:pPr>
+              <a:spcBef>
+                <a:spcPts val="1800"/>
+              </a:spcBef>
+            </a:pPr>
+            <a:r>
+              <a:rPr lang="en-GB" sz="2800"/>
+              <a:t>At </a:t>
+            </a:r>
+            <a:r>
+              <a:rPr lang="en-GB" sz="2800" i="1" dirty="0"/>
+              <a:t>T</a:t>
+            </a:r>
+            <a:r>
+              <a:rPr lang="en-GB" sz="2800" dirty="0"/>
+              <a:t> </a:t>
+            </a:r>
+            <a:r>
+              <a:rPr lang="en-GB" sz="2800"/>
+              <a:t>1.1.3.4 Hume refers to this “</a:t>
+            </a:r>
+            <a:r>
+              <a:rPr lang="en-GB" sz="2800" i="1"/>
+              <a:t>liberty of the imagination to transpose and change its ideas</a:t>
+            </a:r>
+            <a:r>
+              <a:rPr lang="en-GB" sz="2800"/>
+              <a:t>” as his </a:t>
+            </a:r>
+            <a:r>
+              <a:rPr lang="en-GB" sz="2800" dirty="0"/>
+              <a:t>“</a:t>
+            </a:r>
+            <a:r>
+              <a:rPr lang="en-GB" sz="2800"/>
+              <a:t>second principle”.</a:t>
+            </a:r>
+            <a:endParaRPr lang="en-GB" sz="2800" dirty="0"/>
+          </a:p>
+        </p:txBody>
+      </p:sp>
+    </p:spTree>
+    <p:extLst>
+      <p:ext uri="{BB962C8B-B14F-4D97-AF65-F5344CB8AC3E}">
+        <p14:creationId xmlns:p14="http://schemas.microsoft.com/office/powerpoint/2010/main" val="1036894138"/>
+      </p:ext>
+    </p:extLst>
+  </p:cSld>
+  <p:clrMapOvr>
+    <a:masterClrMapping/>
+  </p:clrMapOvr>
+  <p:transition spd="med">
+    <p:cover/>
+  </p:transition>
+</p:sld>
+</file>
+
+<file path=ppt/slides/slide65.xml><?xml version="1.0" encoding="utf-8"?>
+<p:sld xmlns:a="http://schemas.openxmlformats.org/drawingml/2006/main" xmlns:r="http://schemas.openxmlformats.org/officeDocument/2006/relationships" xmlns:p="http://schemas.openxmlformats.org/presentationml/2006/main">
+  <p:cSld>
+    <p:spTree>
+      <p:nvGrpSpPr>
+        <p:cNvPr id="1" name=""/>
+        <p:cNvGrpSpPr/>
+        <p:nvPr/>
+      </p:nvGrpSpPr>
+      <p:grpSpPr>
+        <a:xfrm>
+          <a:off x="0" y="0"/>
+          <a:ext cx="0" cy="0"/>
+          <a:chOff x="0" y="0"/>
+          <a:chExt cx="0" cy="0"/>
+        </a:xfrm>
+      </p:grpSpPr>
+      <p:sp>
+        <p:nvSpPr>
+          <p:cNvPr id="4" name="Slide Number Placeholder 3"/>
+          <p:cNvSpPr>
+            <a:spLocks noGrp="1"/>
+          </p:cNvSpPr>
+          <p:nvPr>
+            <p:ph type="sldNum" sz="quarter" idx="10"/>
+          </p:nvPr>
+        </p:nvSpPr>
+        <p:spPr/>
+        <p:txBody>
+          <a:bodyPr/>
+          <a:lstStyle/>
+          <a:p>
+            <a:fld id="{03E4AD80-EF7C-497A-9D44-6AD2A211C7D5}" type="slidenum">
+              <a:rPr lang="en-US"/>
+              <a:pPr/>
+              <a:t>65</a:t>
+            </a:fld>
+            <a:endParaRPr lang="en-US"/>
+          </a:p>
+        </p:txBody>
+      </p:sp>
+      <p:sp>
+        <p:nvSpPr>
+          <p:cNvPr id="798722" name="Rectangle 2"/>
+          <p:cNvSpPr>
+            <a:spLocks noGrp="1" noChangeArrowheads="1"/>
+          </p:cNvSpPr>
+          <p:nvPr>
+            <p:ph type="title"/>
+          </p:nvPr>
+        </p:nvSpPr>
+        <p:spPr>
+          <a:xfrm>
+            <a:off x="457200" y="188640"/>
+            <a:ext cx="8229600" cy="846931"/>
+          </a:xfrm>
+        </p:spPr>
+        <p:txBody>
+          <a:bodyPr/>
+          <a:lstStyle/>
+          <a:p>
+            <a:r>
+              <a:rPr lang="en-GB" dirty="0"/>
+              <a:t>The </a:t>
+            </a:r>
+            <a:r>
+              <a:rPr lang="en-GB" dirty="0" err="1"/>
+              <a:t>Separability</a:t>
+            </a:r>
+            <a:r>
+              <a:rPr lang="en-GB" dirty="0"/>
+              <a:t> Principle (SP)</a:t>
+            </a:r>
+            <a:endParaRPr lang="en-US" dirty="0"/>
+          </a:p>
+        </p:txBody>
+      </p:sp>
+      <p:sp>
+        <p:nvSpPr>
+          <p:cNvPr id="798723" name="Rectangle 3"/>
+          <p:cNvSpPr>
+            <a:spLocks noGrp="1" noChangeArrowheads="1"/>
+          </p:cNvSpPr>
+          <p:nvPr>
+            <p:ph type="body" idx="1"/>
+          </p:nvPr>
+        </p:nvSpPr>
+        <p:spPr>
+          <a:xfrm>
+            <a:off x="457200" y="1376772"/>
+            <a:ext cx="8229600" cy="5274853"/>
+          </a:xfrm>
+        </p:spPr>
+        <p:txBody>
+          <a:bodyPr/>
+          <a:lstStyle/>
+          <a:p>
+            <a:r>
+              <a:rPr lang="en-GB" sz="2800"/>
+              <a:t>Later, that relatively modest “second principle” seems to morph into what is commonly called Hume’s </a:t>
+            </a:r>
+            <a:r>
+              <a:rPr lang="en-GB" sz="2800" err="1"/>
+              <a:t>Separability</a:t>
+            </a:r>
+            <a:r>
+              <a:rPr lang="en-GB" sz="2800"/>
+              <a:t> Principle, which has strikingly paradoxical results later in the </a:t>
+            </a:r>
+            <a:r>
+              <a:rPr lang="en-GB" sz="2800" i="1"/>
+              <a:t>Treatise</a:t>
+            </a:r>
+            <a:r>
+              <a:rPr lang="en-GB" sz="2800"/>
+              <a:t>:</a:t>
+            </a:r>
+            <a:endParaRPr lang="en-GB" sz="2800" dirty="0"/>
+          </a:p>
+          <a:p>
+            <a:pPr lvl="1">
+              <a:spcBef>
+                <a:spcPts val="1800"/>
+              </a:spcBef>
+              <a:buFontTx/>
+              <a:buNone/>
+            </a:pPr>
+            <a:r>
+              <a:rPr lang="en-GB" sz="2000" dirty="0"/>
+              <a:t>	</a:t>
+            </a:r>
+            <a:r>
+              <a:rPr lang="en-GB" sz="2500" dirty="0"/>
+              <a:t>“We </a:t>
+            </a:r>
+            <a:r>
+              <a:rPr lang="en-GB" sz="2500"/>
+              <a:t>have observ’d [apparently at </a:t>
+            </a:r>
+            <a:r>
+              <a:rPr lang="en-GB" sz="2500" i="1"/>
+              <a:t>T</a:t>
+            </a:r>
+            <a:r>
+              <a:rPr lang="en-GB" sz="2500"/>
+              <a:t> 1.1.3.4], </a:t>
+            </a:r>
+            <a:r>
+              <a:rPr lang="en-GB" sz="2500" dirty="0"/>
+              <a:t>that whatever objects are different are distinguishable, and that whatever objects are distinguishable are separable by the thought and imagination.  And … these propositions are equally true in the </a:t>
+            </a:r>
+            <a:r>
+              <a:rPr lang="en-GB" sz="2500" i="1" dirty="0"/>
+              <a:t>inverse</a:t>
+            </a:r>
+            <a:r>
+              <a:rPr lang="en-GB" sz="2500" dirty="0"/>
+              <a:t>, and that whatever objects are separable are also distinguishable, and that whatever objects are distinguishable are also different.”  (T 1.1.7.3)</a:t>
+            </a:r>
+            <a:endParaRPr lang="en-US" sz="2500" dirty="0"/>
+          </a:p>
+        </p:txBody>
+      </p:sp>
+    </p:spTree>
+    <p:extLst>
+      <p:ext uri="{BB962C8B-B14F-4D97-AF65-F5344CB8AC3E}">
+        <p14:creationId xmlns:p14="http://schemas.microsoft.com/office/powerpoint/2010/main" val="4152128078"/>
+      </p:ext>
+    </p:extLst>
+  </p:cSld>
+  <p:clrMapOvr>
+    <a:masterClrMapping/>
+  </p:clrMapOvr>
+  <p:transition spd="med">
+    <p:cover/>
+  </p:transition>
+</p:sld>
+</file>
+
+<file path=ppt/slides/slide66.xml><?xml version="1.0" encoding="utf-8"?>
+<p:sld xmlns:a="http://schemas.openxmlformats.org/drawingml/2006/main" xmlns:r="http://schemas.openxmlformats.org/officeDocument/2006/relationships" xmlns:p="http://schemas.openxmlformats.org/presentationml/2006/main">
+  <p:cSld>
+    <p:spTree>
+      <p:nvGrpSpPr>
+        <p:cNvPr id="1" name=""/>
+        <p:cNvGrpSpPr/>
+        <p:nvPr/>
+      </p:nvGrpSpPr>
+      <p:grpSpPr>
+        <a:xfrm>
+          <a:off x="0" y="0"/>
+          <a:ext cx="0" cy="0"/>
+          <a:chOff x="0" y="0"/>
+          <a:chExt cx="0" cy="0"/>
+        </a:xfrm>
+      </p:grpSpPr>
+      <p:sp>
+        <p:nvSpPr>
+          <p:cNvPr id="4" name="Slide Number Placeholder 3"/>
+          <p:cNvSpPr>
+            <a:spLocks noGrp="1"/>
+          </p:cNvSpPr>
+          <p:nvPr>
+            <p:ph type="sldNum" sz="quarter" idx="10"/>
+          </p:nvPr>
+        </p:nvSpPr>
+        <p:spPr/>
+        <p:txBody>
+          <a:bodyPr/>
+          <a:lstStyle/>
+          <a:p>
+            <a:fld id="{E484BF40-07FE-495E-9EDA-6A506A6A03F6}" type="slidenum">
+              <a:rPr lang="en-US"/>
+              <a:pPr/>
+              <a:t>66</a:t>
+            </a:fld>
+            <a:endParaRPr lang="en-US"/>
+          </a:p>
+        </p:txBody>
+      </p:sp>
+      <p:sp>
+        <p:nvSpPr>
+          <p:cNvPr id="801794" name="Rectangle 2"/>
+          <p:cNvSpPr>
+            <a:spLocks noGrp="1" noChangeArrowheads="1"/>
+          </p:cNvSpPr>
+          <p:nvPr>
+            <p:ph type="title"/>
+          </p:nvPr>
+        </p:nvSpPr>
+        <p:spPr>
+          <a:xfrm>
+            <a:off x="143508" y="169801"/>
+            <a:ext cx="8784976" cy="702915"/>
+          </a:xfrm>
+        </p:spPr>
+        <p:txBody>
+          <a:bodyPr/>
+          <a:lstStyle/>
+          <a:p>
+            <a:r>
+              <a:rPr lang="en-GB" sz="4000" dirty="0"/>
+              <a:t>Arguing for the </a:t>
+            </a:r>
+            <a:r>
+              <a:rPr lang="en-GB" sz="4000" dirty="0" err="1"/>
+              <a:t>Separability</a:t>
+            </a:r>
+            <a:r>
+              <a:rPr lang="en-GB" sz="4000" dirty="0"/>
+              <a:t> Principle</a:t>
+            </a:r>
+            <a:endParaRPr lang="en-US" sz="4000" dirty="0"/>
+          </a:p>
+        </p:txBody>
+      </p:sp>
+      <p:sp>
+        <p:nvSpPr>
+          <p:cNvPr id="801795" name="Rectangle 3"/>
+          <p:cNvSpPr>
+            <a:spLocks noGrp="1" noChangeArrowheads="1"/>
+          </p:cNvSpPr>
+          <p:nvPr>
+            <p:ph type="body" idx="1"/>
+          </p:nvPr>
+        </p:nvSpPr>
+        <p:spPr>
+          <a:xfrm>
+            <a:off x="539552" y="1160748"/>
+            <a:ext cx="8244916" cy="5527451"/>
+          </a:xfrm>
+        </p:spPr>
+        <p:txBody>
+          <a:bodyPr/>
+          <a:lstStyle/>
+          <a:p>
+            <a:r>
+              <a:rPr lang="en-GB" sz="2800" dirty="0"/>
+              <a:t>Hume’s argument for the </a:t>
+            </a:r>
+            <a:r>
+              <a:rPr lang="en-GB" sz="2800" dirty="0" err="1"/>
+              <a:t>Separability</a:t>
+            </a:r>
+            <a:r>
+              <a:rPr lang="en-GB" sz="2800" dirty="0"/>
+              <a:t> Principle is extremely cursory:</a:t>
+            </a:r>
+          </a:p>
+          <a:p>
+            <a:pPr lvl="1">
+              <a:spcBef>
+                <a:spcPts val="1200"/>
+              </a:spcBef>
+              <a:buFontTx/>
+              <a:buNone/>
+            </a:pPr>
+            <a:r>
+              <a:rPr lang="en-GB" sz="2600" dirty="0"/>
+              <a:t>	“For how is it possible we can separate what is not distinguishable, or distinguish what is not different?”  (T 1.1.7.3)</a:t>
+            </a:r>
+          </a:p>
+          <a:p>
+            <a:pPr>
+              <a:spcBef>
+                <a:spcPts val="1800"/>
+              </a:spcBef>
+            </a:pPr>
+            <a:r>
+              <a:rPr lang="en-GB" sz="2800"/>
+              <a:t>This suggests that he takes the Separability Principle to be almost </a:t>
+            </a:r>
+            <a:r>
+              <a:rPr lang="en-GB" sz="2800" dirty="0"/>
+              <a:t>trivially true, </a:t>
+            </a:r>
+            <a:r>
+              <a:rPr lang="en-GB" sz="2800"/>
+              <a:t>but he will later use it to maintain, for example, that a perception – i.e. an impression or idea – could exist quite independently of any perceiver, which seems both non-trivial and obviously false!</a:t>
+            </a:r>
+            <a:endParaRPr lang="en-US" sz="2800" dirty="0"/>
+          </a:p>
+        </p:txBody>
+      </p:sp>
+    </p:spTree>
+    <p:extLst>
+      <p:ext uri="{BB962C8B-B14F-4D97-AF65-F5344CB8AC3E}">
+        <p14:creationId xmlns:p14="http://schemas.microsoft.com/office/powerpoint/2010/main" val="2751562255"/>
+      </p:ext>
+    </p:extLst>
+  </p:cSld>
+  <p:clrMapOvr>
+    <a:masterClrMapping/>
+  </p:clrMapOvr>
+  <p:transition spd="med">
+    <p:cover/>
+  </p:transition>
+</p:sld>
+</file>
+
+<file path=ppt/slides/slide67.xml><?xml version="1.0" encoding="utf-8"?>
+<p:sld xmlns:a="http://schemas.openxmlformats.org/drawingml/2006/main" xmlns:r="http://schemas.openxmlformats.org/officeDocument/2006/relationships" xmlns:p="http://schemas.openxmlformats.org/presentationml/2006/main">
+  <p:cSld>
+    <p:spTree>
+      <p:nvGrpSpPr>
+        <p:cNvPr id="1" name=""/>
+        <p:cNvGrpSpPr/>
+        <p:nvPr/>
+      </p:nvGrpSpPr>
+      <p:grpSpPr>
+        <a:xfrm>
+          <a:off x="0" y="0"/>
+          <a:ext cx="0" cy="0"/>
+          <a:chOff x="0" y="0"/>
+          <a:chExt cx="0" cy="0"/>
+        </a:xfrm>
+      </p:grpSpPr>
+      <p:sp>
+        <p:nvSpPr>
+          <p:cNvPr id="5" name="Slide Number Placeholder 1"/>
+          <p:cNvSpPr>
+            <a:spLocks noGrp="1"/>
+          </p:cNvSpPr>
+          <p:nvPr>
+            <p:ph type="sldNum" sz="quarter" idx="10"/>
+          </p:nvPr>
+        </p:nvSpPr>
+        <p:spPr/>
+        <p:txBody>
+          <a:bodyPr/>
+          <a:lstStyle/>
+          <a:p>
+            <a:fld id="{D205F9E6-86F7-4B1A-AEFA-4AA62F6C502B}" type="slidenum">
+              <a:rPr lang="en-US"/>
+              <a:pPr/>
+              <a:t>67</a:t>
+            </a:fld>
+            <a:endParaRPr lang="en-US"/>
+          </a:p>
+        </p:txBody>
+      </p:sp>
+      <p:sp>
+        <p:nvSpPr>
+          <p:cNvPr id="2" name="Title 1"/>
+          <p:cNvSpPr>
+            <a:spLocks noGrp="1"/>
+          </p:cNvSpPr>
+          <p:nvPr>
+            <p:ph type="title" idx="4294967295"/>
+          </p:nvPr>
+        </p:nvSpPr>
+        <p:spPr>
+          <a:xfrm>
+            <a:off x="457200" y="224644"/>
+            <a:ext cx="8229600" cy="738919"/>
+          </a:xfrm>
+        </p:spPr>
+        <p:txBody>
+          <a:bodyPr/>
+          <a:lstStyle/>
+          <a:p>
+            <a:r>
+              <a:rPr lang="en-US" dirty="0"/>
+              <a:t>Taking </a:t>
+            </a:r>
+            <a:r>
+              <a:rPr lang="en-US" dirty="0" err="1"/>
+              <a:t>Separability</a:t>
+            </a:r>
+            <a:r>
+              <a:rPr lang="en-US" dirty="0"/>
+              <a:t> Too Far?</a:t>
+            </a:r>
+          </a:p>
+        </p:txBody>
+      </p:sp>
+      <p:sp>
+        <p:nvSpPr>
+          <p:cNvPr id="3" name="Content Placeholder 2"/>
+          <p:cNvSpPr>
+            <a:spLocks noGrp="1"/>
+          </p:cNvSpPr>
+          <p:nvPr>
+            <p:ph idx="4294967295"/>
+          </p:nvPr>
+        </p:nvSpPr>
+        <p:spPr>
+          <a:xfrm>
+            <a:off x="359532" y="1304764"/>
+            <a:ext cx="8363272" cy="5328592"/>
+          </a:xfrm>
+        </p:spPr>
+        <p:txBody>
+          <a:bodyPr/>
+          <a:lstStyle/>
+          <a:p>
+            <a:r>
+              <a:rPr lang="en-US" sz="2800"/>
+              <a:t>Th</a:t>
+            </a:r>
+            <a:r>
+              <a:rPr lang="en-GB" sz="2800"/>
+              <a:t>e claim that perceptions could continue to exist when unperceived plays a role in Hume’s discussion of our belief in the external world:</a:t>
+            </a:r>
+            <a:endParaRPr lang="en-GB" sz="2800" dirty="0"/>
+          </a:p>
+          <a:p>
+            <a:pPr lvl="1">
+              <a:spcBef>
+                <a:spcPts val="1800"/>
+              </a:spcBef>
+              <a:buNone/>
+            </a:pPr>
+            <a:r>
+              <a:rPr lang="en-GB" sz="2400"/>
+              <a:t>	“</a:t>
+            </a:r>
+            <a:r>
+              <a:rPr lang="en-US" sz="2400"/>
+              <a:t>the </a:t>
+            </a:r>
+            <a:r>
+              <a:rPr lang="en-US" sz="2400" i="1"/>
+              <a:t>appearance</a:t>
+            </a:r>
+            <a:r>
+              <a:rPr lang="en-US" sz="2400"/>
+              <a:t> of a perception in the mind and its </a:t>
+            </a:r>
+            <a:r>
+              <a:rPr lang="en-US" sz="2400" i="1"/>
+              <a:t>existence</a:t>
+            </a:r>
+            <a:r>
+              <a:rPr lang="en-US" sz="2400"/>
+              <a:t> seem at first sight entirely the same, … [but] the interruption in the appearance of a perception implies not necessarily an interruption in its existence … [as I shall] explain more fully afterwards.  …  </a:t>
+            </a:r>
+            <a:r>
+              <a:rPr lang="en-US" sz="2400">
+                <a:effectLst/>
+              </a:rPr>
+              <a:t>An interrupted appearance to the senses implies not necessarily an interruption in the </a:t>
+            </a:r>
+            <a:r>
+              <a:rPr lang="en-US" sz="2400"/>
+              <a:t>exist</a:t>
+            </a:r>
+            <a:r>
+              <a:rPr lang="en-US" sz="2400">
+                <a:effectLst/>
+              </a:rPr>
+              <a:t>ence.  The supposition of the continu’d </a:t>
+            </a:r>
+            <a:r>
+              <a:rPr lang="en-US" sz="2400"/>
+              <a:t>exist</a:t>
+            </a:r>
+            <a:r>
+              <a:rPr lang="en-US" sz="2400">
+                <a:effectLst/>
+              </a:rPr>
+              <a:t>ence of sensible objects or perceptions involves no contradiction.”</a:t>
+            </a:r>
+            <a:br>
+              <a:rPr lang="en-US" sz="2400">
+                <a:effectLst/>
+              </a:rPr>
+            </a:br>
+            <a:r>
+              <a:rPr lang="en-US" sz="2400">
+                <a:effectLst/>
+              </a:rPr>
+              <a:t>						       (</a:t>
+            </a:r>
+            <a:r>
+              <a:rPr lang="en-US" sz="2400" i="1">
+                <a:effectLst/>
+              </a:rPr>
+              <a:t>T</a:t>
+            </a:r>
+            <a:r>
+              <a:rPr lang="en-US" sz="2400">
+                <a:effectLst/>
+              </a:rPr>
+              <a:t> 1.4.2.39-40)</a:t>
+            </a:r>
+            <a:endParaRPr lang="en-US" sz="2400" dirty="0"/>
+          </a:p>
+        </p:txBody>
+      </p:sp>
+      <p:sp>
+        <p:nvSpPr>
+          <p:cNvPr id="4" name="Slide Number Placeholder 3"/>
+          <p:cNvSpPr txBox="1">
+            <a:spLocks noGrp="1"/>
+          </p:cNvSpPr>
+          <p:nvPr/>
+        </p:nvSpPr>
+        <p:spPr bwMode="auto">
+          <a:xfrm>
+            <a:off x="468313" y="6308725"/>
+            <a:ext cx="2133600" cy="457200"/>
+          </a:xfrm>
+          <a:prstGeom prst="rect">
+            <a:avLst/>
+          </a:prstGeom>
+          <a:noFill/>
+          <a:ln>
+            <a:miter lim="800000"/>
+            <a:headEnd/>
+            <a:tailEnd/>
+          </a:ln>
+        </p:spPr>
+        <p:txBody>
+          <a:bodyPr anchor="b"/>
+          <a:lstStyle/>
+          <a:p>
+            <a:pPr eaLnBrk="1" hangingPunct="1"/>
+            <a:fld id="{6AD06BEA-A202-489E-911D-F1EEB5584146}" type="slidenum">
+              <a:rPr lang="en-US" sz="1600">
+                <a:effectLst>
+                  <a:outerShdw blurRad="38100" dist="38100" dir="2700000" algn="tl">
+                    <a:srgbClr val="000000"/>
+                  </a:outerShdw>
+                </a:effectLst>
+                <a:ea typeface="ＭＳ Ｐゴシック" charset="-128"/>
+              </a:rPr>
+              <a:pPr eaLnBrk="1" hangingPunct="1"/>
+              <a:t>67</a:t>
+            </a:fld>
+            <a:endParaRPr lang="en-US" sz="1600">
+              <a:effectLst>
+                <a:outerShdw blurRad="38100" dist="38100" dir="2700000" algn="tl">
+                  <a:srgbClr val="000000"/>
+                </a:outerShdw>
+              </a:effectLst>
+              <a:ea typeface="ＭＳ Ｐゴシック" charset="-128"/>
+            </a:endParaRPr>
+          </a:p>
+        </p:txBody>
+      </p:sp>
+    </p:spTree>
+    <p:extLst>
+      <p:ext uri="{BB962C8B-B14F-4D97-AF65-F5344CB8AC3E}">
+        <p14:creationId xmlns:p14="http://schemas.microsoft.com/office/powerpoint/2010/main" val="3097416240"/>
+      </p:ext>
+    </p:extLst>
+  </p:cSld>
+  <p:clrMapOvr>
+    <a:masterClrMapping/>
+  </p:clrMapOvr>
+  <p:transition spd="med">
+    <p:cover/>
+  </p:transition>
+</p:sld>
+</file>
+
+<file path=ppt/slides/slide68.xml><?xml version="1.0" encoding="utf-8"?>
+<p:sld xmlns:a="http://schemas.openxmlformats.org/drawingml/2006/main" xmlns:r="http://schemas.openxmlformats.org/officeDocument/2006/relationships" xmlns:p="http://schemas.openxmlformats.org/presentationml/2006/main">
+  <p:cSld>
+    <p:spTree>
+      <p:nvGrpSpPr>
+        <p:cNvPr id="1" name="">
+          <a:extLst>
+            <a:ext uri="{FF2B5EF4-FFF2-40B4-BE49-F238E27FC236}">
+              <a16:creationId xmlns:a16="http://schemas.microsoft.com/office/drawing/2014/main" id="{0498A067-BACB-4BA1-8184-5BA2BF238D7D}"/>
+            </a:ext>
+          </a:extLst>
+        </p:cNvPr>
+        <p:cNvGrpSpPr/>
+        <p:nvPr/>
+      </p:nvGrpSpPr>
+      <p:grpSpPr>
+        <a:xfrm>
+          <a:off x="0" y="0"/>
+          <a:ext cx="0" cy="0"/>
+          <a:chOff x="0" y="0"/>
+          <a:chExt cx="0" cy="0"/>
+        </a:xfrm>
+      </p:grpSpPr>
+      <p:sp>
+        <p:nvSpPr>
+          <p:cNvPr id="5" name="Slide Number Placeholder 1">
+            <a:extLst>
+              <a:ext uri="{FF2B5EF4-FFF2-40B4-BE49-F238E27FC236}">
+                <a16:creationId xmlns:a16="http://schemas.microsoft.com/office/drawing/2014/main" id="{A49C6924-36F1-B95A-DDD2-A0FC788785D4}"/>
+              </a:ext>
+            </a:extLst>
+          </p:cNvPr>
+          <p:cNvSpPr>
+            <a:spLocks noGrp="1"/>
+          </p:cNvSpPr>
+          <p:nvPr>
+            <p:ph type="sldNum" sz="quarter" idx="10"/>
+          </p:nvPr>
+        </p:nvSpPr>
+        <p:spPr/>
+        <p:txBody>
+          <a:bodyPr/>
+          <a:lstStyle/>
+          <a:p>
+            <a:fld id="{D205F9E6-86F7-4B1A-AEFA-4AA62F6C502B}" type="slidenum">
+              <a:rPr lang="en-US"/>
+              <a:pPr/>
+              <a:t>68</a:t>
+            </a:fld>
+            <a:endParaRPr lang="en-US"/>
+          </a:p>
+        </p:txBody>
+      </p:sp>
+      <p:sp>
+        <p:nvSpPr>
+          <p:cNvPr id="3" name="Content Placeholder 2">
+            <a:extLst>
+              <a:ext uri="{FF2B5EF4-FFF2-40B4-BE49-F238E27FC236}">
+                <a16:creationId xmlns:a16="http://schemas.microsoft.com/office/drawing/2014/main" id="{65CFF100-8148-434E-B688-C946633D1D40}"/>
+              </a:ext>
+            </a:extLst>
+          </p:cNvPr>
+          <p:cNvSpPr>
+            <a:spLocks noGrp="1"/>
+          </p:cNvSpPr>
+          <p:nvPr>
+            <p:ph idx="4294967295"/>
+          </p:nvPr>
+        </p:nvSpPr>
+        <p:spPr>
+          <a:xfrm>
+            <a:off x="359532" y="296652"/>
+            <a:ext cx="8244916" cy="6263407"/>
+          </a:xfrm>
+        </p:spPr>
+        <p:txBody>
+          <a:bodyPr/>
+          <a:lstStyle/>
+          <a:p>
+            <a:r>
+              <a:rPr lang="en-US" sz="2600"/>
+              <a:t>The fuller explanation just promised turns out to be a crude application of the Separability Principle to the standard (e.g. Descartes, Chambers) </a:t>
+            </a:r>
+            <a:r>
+              <a:rPr lang="en-GB" sz="2600"/>
+              <a:t>definition </a:t>
+            </a:r>
+            <a:r>
+              <a:rPr lang="en-GB" sz="2600" dirty="0"/>
+              <a:t>of a </a:t>
+            </a:r>
+            <a:r>
+              <a:rPr lang="en-GB" sz="2600"/>
+              <a:t>substance as </a:t>
+            </a:r>
+            <a:r>
+              <a:rPr lang="en-GB" sz="2600" i="1" dirty="0"/>
+              <a:t>something which may exist by itself”</a:t>
+            </a:r>
+            <a:r>
+              <a:rPr lang="en-GB" sz="2600" dirty="0"/>
+              <a:t>:</a:t>
+            </a:r>
+          </a:p>
+          <a:p>
+            <a:pPr lvl="1">
+              <a:spcBef>
+                <a:spcPts val="1800"/>
+              </a:spcBef>
+              <a:buNone/>
+            </a:pPr>
+            <a:r>
+              <a:rPr lang="en-GB" sz="2200" dirty="0"/>
+              <a:t>	</a:t>
+            </a:r>
+            <a:r>
+              <a:rPr lang="en-GB" sz="2300" dirty="0"/>
+              <a:t>“this definition agrees to every thing, that can possibly be </a:t>
+            </a:r>
+            <a:r>
+              <a:rPr lang="en-GB" sz="2300" dirty="0" err="1"/>
+              <a:t>conceiv’d</a:t>
+            </a:r>
+            <a:r>
+              <a:rPr lang="en-GB" sz="2300" dirty="0"/>
+              <a:t>; ...  Whatever is clearly </a:t>
+            </a:r>
+            <a:r>
+              <a:rPr lang="en-GB" sz="2300" dirty="0" err="1"/>
+              <a:t>conceiv’d</a:t>
+            </a:r>
+            <a:r>
+              <a:rPr lang="en-GB" sz="2300" dirty="0"/>
+              <a:t> may exist; ... every thing, which is different, is distinguishable, and every thing which is distinguishable, is separable by the imagination.  My conclusion ... is, that since all our perceptions are different from each other, and from every thing else in the universe, they are also distinct and separable, and may be </a:t>
+            </a:r>
+            <a:r>
+              <a:rPr lang="en-GB" sz="2300" dirty="0" err="1"/>
+              <a:t>consider’d</a:t>
+            </a:r>
+            <a:r>
+              <a:rPr lang="en-GB" sz="2300" dirty="0"/>
+              <a:t> as separately existent, and may exist separately, and have no need of any thing else to support their existence.  They are, therefore, substances, as far as this </a:t>
+            </a:r>
+            <a:r>
+              <a:rPr lang="en-GB" sz="2300"/>
+              <a:t>definition explains</a:t>
+            </a:r>
+            <a:br>
+              <a:rPr lang="en-GB" sz="2300"/>
+            </a:br>
+            <a:r>
+              <a:rPr lang="en-GB" sz="2300"/>
+              <a:t>a </a:t>
+            </a:r>
+            <a:r>
+              <a:rPr lang="en-GB" sz="2300" dirty="0"/>
+              <a:t>substance</a:t>
+            </a:r>
+            <a:r>
+              <a:rPr lang="en-GB" sz="2300"/>
+              <a:t>.</a:t>
+            </a:r>
+            <a:r>
+              <a:rPr lang="en-US" sz="2300"/>
+              <a:t>”  (</a:t>
+            </a:r>
+            <a:r>
+              <a:rPr lang="en-US" sz="2300" i="1"/>
+              <a:t>T</a:t>
+            </a:r>
+            <a:r>
+              <a:rPr lang="en-US" sz="2300"/>
+              <a:t> 1.4.5.5)</a:t>
+            </a:r>
+            <a:endParaRPr lang="en-US" sz="2300" dirty="0"/>
+          </a:p>
+        </p:txBody>
+      </p:sp>
+      <p:sp>
+        <p:nvSpPr>
+          <p:cNvPr id="4" name="Slide Number Placeholder 3">
+            <a:extLst>
+              <a:ext uri="{FF2B5EF4-FFF2-40B4-BE49-F238E27FC236}">
+                <a16:creationId xmlns:a16="http://schemas.microsoft.com/office/drawing/2014/main" id="{EA79CF33-D74F-90FA-5E90-9993FA83B7CB}"/>
+              </a:ext>
+            </a:extLst>
+          </p:cNvPr>
+          <p:cNvSpPr txBox="1">
+            <a:spLocks noGrp="1"/>
+          </p:cNvSpPr>
+          <p:nvPr/>
+        </p:nvSpPr>
+        <p:spPr bwMode="auto">
+          <a:xfrm>
+            <a:off x="468313" y="6308725"/>
+            <a:ext cx="2133600" cy="457200"/>
+          </a:xfrm>
+          <a:prstGeom prst="rect">
+            <a:avLst/>
+          </a:prstGeom>
+          <a:noFill/>
+          <a:ln>
+            <a:miter lim="800000"/>
+            <a:headEnd/>
+            <a:tailEnd/>
+          </a:ln>
+        </p:spPr>
+        <p:txBody>
+          <a:bodyPr anchor="b"/>
+          <a:lstStyle/>
+          <a:p>
+            <a:pPr eaLnBrk="1" hangingPunct="1"/>
+            <a:fld id="{6AD06BEA-A202-489E-911D-F1EEB5584146}" type="slidenum">
+              <a:rPr lang="en-US" sz="1600">
+                <a:effectLst>
+                  <a:outerShdw blurRad="38100" dist="38100" dir="2700000" algn="tl">
+                    <a:srgbClr val="000000"/>
+                  </a:outerShdw>
+                </a:effectLst>
+                <a:ea typeface="ＭＳ Ｐゴシック" charset="-128"/>
+              </a:rPr>
+              <a:pPr eaLnBrk="1" hangingPunct="1"/>
+              <a:t>68</a:t>
+            </a:fld>
+            <a:endParaRPr lang="en-US" sz="1600">
+              <a:effectLst>
+                <a:outerShdw blurRad="38100" dist="38100" dir="2700000" algn="tl">
+                  <a:srgbClr val="000000"/>
+                </a:outerShdw>
+              </a:effectLst>
+              <a:ea typeface="ＭＳ Ｐゴシック" charset="-128"/>
+            </a:endParaRPr>
+          </a:p>
+        </p:txBody>
+      </p:sp>
+    </p:spTree>
+    <p:extLst>
+      <p:ext uri="{BB962C8B-B14F-4D97-AF65-F5344CB8AC3E}">
+        <p14:creationId xmlns:p14="http://schemas.microsoft.com/office/powerpoint/2010/main" val="2907387308"/>
+      </p:ext>
+    </p:extLst>
+  </p:cSld>
+  <p:clrMapOvr>
+    <a:masterClrMapping/>
+  </p:clrMapOvr>
+  <p:transition spd="med">
+    <p:cover/>
+  </p:transition>
+</p:sld>
+</file>
+
+<file path=ppt/slides/slide69.xml><?xml version="1.0" encoding="utf-8"?>
+<p:sld xmlns:a="http://schemas.openxmlformats.org/drawingml/2006/main" xmlns:r="http://schemas.openxmlformats.org/officeDocument/2006/relationships" xmlns:p="http://schemas.openxmlformats.org/presentationml/2006/main">
+  <p:cSld>
+    <p:spTree>
+      <p:nvGrpSpPr>
+        <p:cNvPr id="1" name="">
+          <a:extLst>
+            <a:ext uri="{FF2B5EF4-FFF2-40B4-BE49-F238E27FC236}">
+              <a16:creationId xmlns:a16="http://schemas.microsoft.com/office/drawing/2014/main" id="{3142A8B8-D403-B7DE-623C-90EFFF7E94B8}"/>
+            </a:ext>
+          </a:extLst>
+        </p:cNvPr>
+        <p:cNvGrpSpPr/>
+        <p:nvPr/>
+      </p:nvGrpSpPr>
+      <p:grpSpPr>
+        <a:xfrm>
+          <a:off x="0" y="0"/>
+          <a:ext cx="0" cy="0"/>
+          <a:chOff x="0" y="0"/>
+          <a:chExt cx="0" cy="0"/>
+        </a:xfrm>
+      </p:grpSpPr>
+      <p:sp>
+        <p:nvSpPr>
+          <p:cNvPr id="5" name="Slide Number Placeholder 1">
+            <a:extLst>
+              <a:ext uri="{FF2B5EF4-FFF2-40B4-BE49-F238E27FC236}">
+                <a16:creationId xmlns:a16="http://schemas.microsoft.com/office/drawing/2014/main" id="{0CDAA4E1-8F53-2A86-290F-547D6E01BF29}"/>
+              </a:ext>
+            </a:extLst>
+          </p:cNvPr>
+          <p:cNvSpPr>
+            <a:spLocks noGrp="1"/>
+          </p:cNvSpPr>
+          <p:nvPr>
+            <p:ph type="sldNum" sz="quarter" idx="10"/>
+          </p:nvPr>
+        </p:nvSpPr>
+        <p:spPr/>
+        <p:txBody>
+          <a:bodyPr/>
+          <a:lstStyle/>
+          <a:p>
+            <a:fld id="{D205F9E6-86F7-4B1A-AEFA-4AA62F6C502B}" type="slidenum">
+              <a:rPr lang="en-US"/>
+              <a:pPr/>
+              <a:t>69</a:t>
+            </a:fld>
+            <a:endParaRPr lang="en-US"/>
+          </a:p>
+        </p:txBody>
+      </p:sp>
+      <p:sp>
+        <p:nvSpPr>
+          <p:cNvPr id="3" name="Content Placeholder 2">
+            <a:extLst>
+              <a:ext uri="{FF2B5EF4-FFF2-40B4-BE49-F238E27FC236}">
+                <a16:creationId xmlns:a16="http://schemas.microsoft.com/office/drawing/2014/main" id="{0F28785C-C63A-6CFF-5A69-F86C7863BE5A}"/>
+              </a:ext>
+            </a:extLst>
+          </p:cNvPr>
+          <p:cNvSpPr>
+            <a:spLocks noGrp="1"/>
+          </p:cNvSpPr>
+          <p:nvPr>
+            <p:ph idx="4294967295"/>
+          </p:nvPr>
+        </p:nvSpPr>
+        <p:spPr>
+          <a:xfrm>
+            <a:off x="359532" y="332656"/>
+            <a:ext cx="8388932" cy="6227403"/>
+          </a:xfrm>
+        </p:spPr>
+        <p:txBody>
+          <a:bodyPr/>
+          <a:lstStyle/>
+          <a:p>
+            <a:r>
+              <a:rPr lang="en-US" sz="2600"/>
+              <a:t>The same idea then plays a major role in Hume’s discussions of personal identity, in both </a:t>
+            </a:r>
+            <a:r>
+              <a:rPr lang="en-US" sz="2600" i="1"/>
+              <a:t>T</a:t>
+            </a:r>
+            <a:r>
+              <a:rPr lang="en-US" sz="2600"/>
+              <a:t> 1.4.6 and the 1740 Appendix:</a:t>
+            </a:r>
+          </a:p>
+          <a:p>
+            <a:pPr lvl="1">
+              <a:spcBef>
+                <a:spcPts val="1800"/>
+              </a:spcBef>
+              <a:buNone/>
+            </a:pPr>
+            <a:r>
+              <a:rPr lang="en-GB" sz="2300"/>
+              <a:t>	“</a:t>
+            </a:r>
+            <a:r>
+              <a:rPr lang="en-US" sz="2300"/>
+              <a:t>all our particular perceptions … are different, and distinguishable, and separable from each other, and may be separately consider’d, and may exist separately, and have no need of any thing to support their existence.  After what manner, therefore, do they belong to self; and how are they connected with it?”  (</a:t>
+            </a:r>
+            <a:r>
+              <a:rPr lang="en-US" sz="2300" i="1"/>
+              <a:t>T</a:t>
+            </a:r>
+            <a:r>
+              <a:rPr lang="en-US" sz="2300"/>
+              <a:t> 1.4.6.3)</a:t>
+            </a:r>
+          </a:p>
+          <a:p>
+            <a:pPr lvl="1">
+              <a:spcBef>
+                <a:spcPts val="1800"/>
+              </a:spcBef>
+              <a:buNone/>
+            </a:pPr>
+            <a:r>
+              <a:rPr lang="en-US" sz="2300"/>
+              <a:t>	“Whatever is distinct, is distinguishable; and whatever is distinguishable, is separable by the thought or imagination.  All perceptions are distinct.  They are, therefore, distinguishable, and separable, and may be conceiv’d as separately existent, and may exist separately, without any contradiction or absurdity.”</a:t>
+            </a:r>
+            <a:br>
+              <a:rPr lang="en-US" sz="2300"/>
+            </a:br>
+            <a:r>
+              <a:rPr lang="en-US" sz="2300"/>
+              <a:t>							(</a:t>
+            </a:r>
+            <a:r>
+              <a:rPr lang="en-US" sz="2300" i="1"/>
+              <a:t>T App</a:t>
+            </a:r>
+            <a:r>
+              <a:rPr lang="en-US" sz="2300"/>
+              <a:t> 12)</a:t>
+            </a:r>
+          </a:p>
+          <a:p>
+            <a:pPr lvl="1">
+              <a:spcBef>
+                <a:spcPts val="1200"/>
+              </a:spcBef>
+              <a:buNone/>
+            </a:pPr>
+            <a:endParaRPr lang="en-US" sz="2200" dirty="0"/>
+          </a:p>
+        </p:txBody>
+      </p:sp>
+      <p:sp>
+        <p:nvSpPr>
+          <p:cNvPr id="4" name="Slide Number Placeholder 3">
+            <a:extLst>
+              <a:ext uri="{FF2B5EF4-FFF2-40B4-BE49-F238E27FC236}">
+                <a16:creationId xmlns:a16="http://schemas.microsoft.com/office/drawing/2014/main" id="{90ECBB03-F602-ADCA-BFC6-9A0607D03E07}"/>
+              </a:ext>
+            </a:extLst>
+          </p:cNvPr>
+          <p:cNvSpPr txBox="1">
+            <a:spLocks noGrp="1"/>
+          </p:cNvSpPr>
+          <p:nvPr/>
+        </p:nvSpPr>
+        <p:spPr bwMode="auto">
+          <a:xfrm>
+            <a:off x="468313" y="6308725"/>
+            <a:ext cx="2133600" cy="457200"/>
+          </a:xfrm>
+          <a:prstGeom prst="rect">
+            <a:avLst/>
+          </a:prstGeom>
+          <a:noFill/>
+          <a:ln>
+            <a:miter lim="800000"/>
+            <a:headEnd/>
+            <a:tailEnd/>
+          </a:ln>
+        </p:spPr>
+        <p:txBody>
+          <a:bodyPr anchor="b"/>
+          <a:lstStyle/>
+          <a:p>
+            <a:pPr eaLnBrk="1" hangingPunct="1"/>
+            <a:fld id="{6AD06BEA-A202-489E-911D-F1EEB5584146}" type="slidenum">
+              <a:rPr lang="en-US" sz="1600">
+                <a:effectLst>
+                  <a:outerShdw blurRad="38100" dist="38100" dir="2700000" algn="tl">
+                    <a:srgbClr val="000000"/>
+                  </a:outerShdw>
+                </a:effectLst>
+                <a:ea typeface="ＭＳ Ｐゴシック" charset="-128"/>
+              </a:rPr>
+              <a:pPr eaLnBrk="1" hangingPunct="1"/>
+              <a:t>69</a:t>
+            </a:fld>
+            <a:endParaRPr lang="en-US" sz="1600">
+              <a:effectLst>
+                <a:outerShdw blurRad="38100" dist="38100" dir="2700000" algn="tl">
+                  <a:srgbClr val="000000"/>
+                </a:outerShdw>
+              </a:effectLst>
+              <a:ea typeface="ＭＳ Ｐゴシック" charset="-128"/>
+            </a:endParaRPr>
+          </a:p>
+        </p:txBody>
+      </p:sp>
+    </p:spTree>
+    <p:extLst>
+      <p:ext uri="{BB962C8B-B14F-4D97-AF65-F5344CB8AC3E}">
+        <p14:creationId xmlns:p14="http://schemas.microsoft.com/office/powerpoint/2010/main" val="1355395109"/>
+      </p:ext>
+    </p:extLst>
+  </p:cSld>
+  <p:clrMapOvr>
+    <a:masterClrMapping/>
+  </p:clrMapOvr>
+  <p:transition spd="med">
+    <p:cover/>
+  </p:transition>
+</p:sld>
+</file>
+
 <file path=ppt/slides/slide7.xml><?xml version="1.0" encoding="utf-8"?>
 <p:sld xmlns:a="http://schemas.openxmlformats.org/drawingml/2006/main" xmlns:r="http://schemas.openxmlformats.org/officeDocument/2006/relationships" xmlns:p="http://schemas.openxmlformats.org/presentationml/2006/main">
   <p:cSld>
@@ -21892,6 +27569,2052 @@
     <p:extLst>
       <p:ext uri="{BB962C8B-B14F-4D97-AF65-F5344CB8AC3E}">
         <p14:creationId xmlns:p14="http://schemas.microsoft.com/office/powerpoint/2010/main" val="343497667"/>
+      </p:ext>
+    </p:extLst>
+  </p:cSld>
+  <p:clrMapOvr>
+    <a:masterClrMapping/>
+  </p:clrMapOvr>
+  <p:transition spd="med">
+    <p:cover/>
+  </p:transition>
+</p:sld>
+</file>
+
+<file path=ppt/slides/slide70.xml><?xml version="1.0" encoding="utf-8"?>
+<p:sld xmlns:a="http://schemas.openxmlformats.org/drawingml/2006/main" xmlns:r="http://schemas.openxmlformats.org/officeDocument/2006/relationships" xmlns:p="http://schemas.openxmlformats.org/presentationml/2006/main">
+  <p:cSld>
+    <p:spTree>
+      <p:nvGrpSpPr>
+        <p:cNvPr id="1" name="">
+          <a:extLst>
+            <a:ext uri="{FF2B5EF4-FFF2-40B4-BE49-F238E27FC236}">
+              <a16:creationId xmlns:a16="http://schemas.microsoft.com/office/drawing/2014/main" id="{BB9ABFD7-D487-6FB4-9069-CBA77C535B52}"/>
+            </a:ext>
+          </a:extLst>
+        </p:cNvPr>
+        <p:cNvGrpSpPr/>
+        <p:nvPr/>
+      </p:nvGrpSpPr>
+      <p:grpSpPr>
+        <a:xfrm>
+          <a:off x="0" y="0"/>
+          <a:ext cx="0" cy="0"/>
+          <a:chOff x="0" y="0"/>
+          <a:chExt cx="0" cy="0"/>
+        </a:xfrm>
+      </p:grpSpPr>
+      <p:sp>
+        <p:nvSpPr>
+          <p:cNvPr id="4" name="Slide Number Placeholder 3">
+            <a:extLst>
+              <a:ext uri="{FF2B5EF4-FFF2-40B4-BE49-F238E27FC236}">
+                <a16:creationId xmlns:a16="http://schemas.microsoft.com/office/drawing/2014/main" id="{511DE7A5-ADEC-CBCD-EC66-A00319B2A737}"/>
+              </a:ext>
+            </a:extLst>
+          </p:cNvPr>
+          <p:cNvSpPr>
+            <a:spLocks noGrp="1"/>
+          </p:cNvSpPr>
+          <p:nvPr>
+            <p:ph type="sldNum" sz="quarter" idx="10"/>
+          </p:nvPr>
+        </p:nvSpPr>
+        <p:spPr/>
+        <p:txBody>
+          <a:bodyPr/>
+          <a:lstStyle/>
+          <a:p>
+            <a:fld id="{E484BF40-07FE-495E-9EDA-6A506A6A03F6}" type="slidenum">
+              <a:rPr lang="en-US"/>
+              <a:pPr/>
+              <a:t>70</a:t>
+            </a:fld>
+            <a:endParaRPr lang="en-US"/>
+          </a:p>
+        </p:txBody>
+      </p:sp>
+      <p:sp>
+        <p:nvSpPr>
+          <p:cNvPr id="801794" name="Rectangle 2">
+            <a:extLst>
+              <a:ext uri="{FF2B5EF4-FFF2-40B4-BE49-F238E27FC236}">
+                <a16:creationId xmlns:a16="http://schemas.microsoft.com/office/drawing/2014/main" id="{5373053F-DE1C-D783-5D34-4FDED4241B2C}"/>
+              </a:ext>
+            </a:extLst>
+          </p:cNvPr>
+          <p:cNvSpPr>
+            <a:spLocks noGrp="1" noChangeArrowheads="1"/>
+          </p:cNvSpPr>
+          <p:nvPr>
+            <p:ph type="title"/>
+          </p:nvPr>
+        </p:nvSpPr>
+        <p:spPr>
+          <a:xfrm>
+            <a:off x="143508" y="169801"/>
+            <a:ext cx="8784976" cy="702915"/>
+          </a:xfrm>
+        </p:spPr>
+        <p:txBody>
+          <a:bodyPr/>
+          <a:lstStyle/>
+          <a:p>
+            <a:r>
+              <a:rPr lang="en-GB" sz="3800"/>
+              <a:t>Abandoning </a:t>
+            </a:r>
+            <a:r>
+              <a:rPr lang="en-GB" sz="3800" dirty="0"/>
+              <a:t>the </a:t>
+            </a:r>
+            <a:r>
+              <a:rPr lang="en-GB" sz="3800" err="1"/>
+              <a:t>Separability</a:t>
+            </a:r>
+            <a:r>
+              <a:rPr lang="en-GB" sz="3800"/>
+              <a:t> Principle?</a:t>
+            </a:r>
+            <a:endParaRPr lang="en-US" sz="3800" dirty="0"/>
+          </a:p>
+        </p:txBody>
+      </p:sp>
+      <p:sp>
+        <p:nvSpPr>
+          <p:cNvPr id="801795" name="Rectangle 3">
+            <a:extLst>
+              <a:ext uri="{FF2B5EF4-FFF2-40B4-BE49-F238E27FC236}">
+                <a16:creationId xmlns:a16="http://schemas.microsoft.com/office/drawing/2014/main" id="{224CDD31-0B2E-5C78-0FD2-D2EDC378C2A7}"/>
+              </a:ext>
+            </a:extLst>
+          </p:cNvPr>
+          <p:cNvSpPr>
+            <a:spLocks noGrp="1" noChangeArrowheads="1"/>
+          </p:cNvSpPr>
+          <p:nvPr>
+            <p:ph type="body" idx="1"/>
+          </p:nvPr>
+        </p:nvSpPr>
+        <p:spPr>
+          <a:xfrm>
+            <a:off x="647563" y="1160748"/>
+            <a:ext cx="8028893" cy="5527451"/>
+          </a:xfrm>
+        </p:spPr>
+        <p:txBody>
+          <a:bodyPr/>
+          <a:lstStyle/>
+          <a:p>
+            <a:r>
+              <a:rPr lang="en-GB" sz="2800"/>
+              <a:t>The </a:t>
+            </a:r>
+            <a:r>
+              <a:rPr lang="en-GB" sz="2800" err="1"/>
+              <a:t>Separability</a:t>
+            </a:r>
+            <a:r>
+              <a:rPr lang="en-GB" sz="2800"/>
+              <a:t> Principle appears to be absent from the 1748 </a:t>
+            </a:r>
+            <a:r>
+              <a:rPr lang="en-GB" sz="2800" i="1"/>
+              <a:t>Enquiry concerning Human Understanding</a:t>
+            </a:r>
+            <a:r>
+              <a:rPr lang="en-GB" sz="2800"/>
+              <a:t>, though Garrett (1997, p. 72) claims that it is implicit in passages such as:</a:t>
+            </a:r>
+          </a:p>
+          <a:p>
+            <a:pPr marL="857250" lvl="2" indent="0">
+              <a:spcBef>
+                <a:spcPts val="1200"/>
+              </a:spcBef>
+              <a:buNone/>
+            </a:pPr>
+            <a:r>
+              <a:rPr lang="en-GB" sz="2500"/>
+              <a:t>“</a:t>
+            </a:r>
+            <a:r>
+              <a:rPr lang="en-US" sz="2500"/>
+              <a:t>Motion in the second Billiard-ball is a quite distinct event from motion in the first; nor is there any thing in the one to suggest the smallest hint of the other.</a:t>
+            </a:r>
+            <a:r>
+              <a:rPr lang="en-GB" sz="2500"/>
+              <a:t>”  (</a:t>
+            </a:r>
+            <a:r>
+              <a:rPr lang="en-GB" sz="2500" i="1"/>
+              <a:t>E </a:t>
+            </a:r>
+            <a:r>
+              <a:rPr lang="en-GB" sz="2500"/>
+              <a:t>4.9)</a:t>
+            </a:r>
+          </a:p>
+          <a:p>
+            <a:pPr>
+              <a:spcBef>
+                <a:spcPts val="1800"/>
+              </a:spcBef>
+            </a:pPr>
+            <a:r>
+              <a:rPr lang="en-GB" sz="2800"/>
+              <a:t>But there is no general principle enunciated here, and nothing remotely close to the implausibly strong Separability Principle of the sceptical sections of the </a:t>
+            </a:r>
+            <a:r>
+              <a:rPr lang="en-GB" sz="2800" i="1"/>
+              <a:t>Treatise</a:t>
+            </a:r>
+            <a:r>
+              <a:rPr lang="en-GB" sz="2800"/>
+              <a:t>.</a:t>
+            </a:r>
+            <a:endParaRPr lang="en-GB" sz="2800" dirty="0"/>
+          </a:p>
+        </p:txBody>
+      </p:sp>
+    </p:spTree>
+    <p:extLst>
+      <p:ext uri="{BB962C8B-B14F-4D97-AF65-F5344CB8AC3E}">
+        <p14:creationId xmlns:p14="http://schemas.microsoft.com/office/powerpoint/2010/main" val="2219447265"/>
+      </p:ext>
+    </p:extLst>
+  </p:cSld>
+  <p:clrMapOvr>
+    <a:masterClrMapping/>
+  </p:clrMapOvr>
+  <p:transition spd="med">
+    <p:cover/>
+  </p:transition>
+</p:sld>
+</file>
+
+<file path=ppt/slides/slide71.xml><?xml version="1.0" encoding="utf-8"?>
+<p:sld xmlns:a="http://schemas.openxmlformats.org/drawingml/2006/main" xmlns:r="http://schemas.openxmlformats.org/officeDocument/2006/relationships" xmlns:p="http://schemas.openxmlformats.org/presentationml/2006/main">
+  <p:cSld>
+    <p:spTree>
+      <p:nvGrpSpPr>
+        <p:cNvPr id="1" name="">
+          <a:extLst>
+            <a:ext uri="{FF2B5EF4-FFF2-40B4-BE49-F238E27FC236}">
+              <a16:creationId xmlns:a16="http://schemas.microsoft.com/office/drawing/2014/main" id="{7F5F0A66-A553-D637-585A-DC37239F90EA}"/>
+            </a:ext>
+          </a:extLst>
+        </p:cNvPr>
+        <p:cNvGrpSpPr/>
+        <p:nvPr/>
+      </p:nvGrpSpPr>
+      <p:grpSpPr>
+        <a:xfrm>
+          <a:off x="0" y="0"/>
+          <a:ext cx="0" cy="0"/>
+          <a:chOff x="0" y="0"/>
+          <a:chExt cx="0" cy="0"/>
+        </a:xfrm>
+      </p:grpSpPr>
+      <p:sp>
+        <p:nvSpPr>
+          <p:cNvPr id="847874" name="Rectangle 2">
+            <a:extLst>
+              <a:ext uri="{FF2B5EF4-FFF2-40B4-BE49-F238E27FC236}">
+                <a16:creationId xmlns:a16="http://schemas.microsoft.com/office/drawing/2014/main" id="{A332C218-95B1-6594-AEF2-B31FB7F06186}"/>
+              </a:ext>
+            </a:extLst>
+          </p:cNvPr>
+          <p:cNvSpPr>
+            <a:spLocks noGrp="1" noChangeArrowheads="1"/>
+          </p:cNvSpPr>
+          <p:nvPr>
+            <p:ph type="ctrTitle"/>
+          </p:nvPr>
+        </p:nvSpPr>
+        <p:spPr>
+          <a:xfrm>
+            <a:off x="179388" y="296863"/>
+            <a:ext cx="4608512" cy="6300787"/>
+          </a:xfrm>
+        </p:spPr>
+        <p:txBody>
+          <a:bodyPr/>
+          <a:lstStyle/>
+          <a:p>
+            <a:r>
+              <a:rPr lang="en-GB"/>
+              <a:t>2(</a:t>
+            </a:r>
+            <a:r>
+              <a:rPr lang="en-GB" dirty="0"/>
+              <a:t>c</a:t>
+            </a:r>
+            <a:r>
+              <a:rPr lang="en-GB"/>
+              <a:t>)</a:t>
+            </a:r>
+            <a:br>
+              <a:rPr lang="en-GB" dirty="0"/>
+            </a:br>
+            <a:br>
+              <a:rPr lang="en-GB"/>
+            </a:br>
+            <a:r>
+              <a:rPr lang="en-GB"/>
+              <a:t>Association</a:t>
+            </a:r>
+            <a:br>
+              <a:rPr lang="en-GB"/>
+            </a:br>
+            <a:r>
+              <a:rPr lang="en-GB"/>
+              <a:t>of Ideas</a:t>
+            </a:r>
+            <a:endParaRPr lang="en-US" dirty="0"/>
+          </a:p>
+        </p:txBody>
+      </p:sp>
+      <p:pic>
+        <p:nvPicPr>
+          <p:cNvPr id="847875" name="Picture 3" descr="treatise1">
+            <a:extLst>
+              <a:ext uri="{FF2B5EF4-FFF2-40B4-BE49-F238E27FC236}">
+                <a16:creationId xmlns:a16="http://schemas.microsoft.com/office/drawing/2014/main" id="{7B19BF56-E54B-379C-A7F8-BCB875A92C9C}"/>
+              </a:ext>
+            </a:extLst>
+          </p:cNvPr>
+          <p:cNvPicPr>
+            <a:picLocks noChangeAspect="1" noChangeArrowheads="1"/>
+          </p:cNvPicPr>
+          <p:nvPr/>
+        </p:nvPicPr>
+        <p:blipFill>
+          <a:blip r:embed="rId2" cstate="print"/>
+          <a:srcRect/>
+          <a:stretch>
+            <a:fillRect/>
+          </a:stretch>
+        </p:blipFill>
+        <p:spPr bwMode="auto">
+          <a:xfrm>
+            <a:off x="4938713" y="260350"/>
+            <a:ext cx="3773487" cy="6337300"/>
+          </a:xfrm>
+          <a:prstGeom prst="rect">
+            <a:avLst/>
+          </a:prstGeom>
+          <a:noFill/>
+        </p:spPr>
+      </p:pic>
+    </p:spTree>
+    <p:extLst>
+      <p:ext uri="{BB962C8B-B14F-4D97-AF65-F5344CB8AC3E}">
+        <p14:creationId xmlns:p14="http://schemas.microsoft.com/office/powerpoint/2010/main" val="3401126064"/>
+      </p:ext>
+    </p:extLst>
+  </p:cSld>
+  <p:clrMapOvr>
+    <a:masterClrMapping/>
+  </p:clrMapOvr>
+  <p:transition spd="med">
+    <p:cover/>
+  </p:transition>
+</p:sld>
+</file>
+
+<file path=ppt/slides/slide72.xml><?xml version="1.0" encoding="utf-8"?>
+<p:sld xmlns:a="http://schemas.openxmlformats.org/drawingml/2006/main" xmlns:r="http://schemas.openxmlformats.org/officeDocument/2006/relationships" xmlns:p="http://schemas.openxmlformats.org/presentationml/2006/main">
+  <p:cSld>
+    <p:spTree>
+      <p:nvGrpSpPr>
+        <p:cNvPr id="1" name=""/>
+        <p:cNvGrpSpPr/>
+        <p:nvPr/>
+      </p:nvGrpSpPr>
+      <p:grpSpPr>
+        <a:xfrm>
+          <a:off x="0" y="0"/>
+          <a:ext cx="0" cy="0"/>
+          <a:chOff x="0" y="0"/>
+          <a:chExt cx="0" cy="0"/>
+        </a:xfrm>
+      </p:grpSpPr>
+      <p:sp>
+        <p:nvSpPr>
+          <p:cNvPr id="4" name="Slide Number Placeholder 3"/>
+          <p:cNvSpPr>
+            <a:spLocks noGrp="1"/>
+          </p:cNvSpPr>
+          <p:nvPr>
+            <p:ph type="sldNum" sz="quarter" idx="10"/>
+          </p:nvPr>
+        </p:nvSpPr>
+        <p:spPr/>
+        <p:txBody>
+          <a:bodyPr/>
+          <a:lstStyle/>
+          <a:p>
+            <a:fld id="{3F5DE4BB-3F72-41AF-A99F-B8D17DC7F317}" type="slidenum">
+              <a:rPr lang="en-US"/>
+              <a:pPr/>
+              <a:t>72</a:t>
+            </a:fld>
+            <a:endParaRPr lang="en-US"/>
+          </a:p>
+        </p:txBody>
+      </p:sp>
+      <p:sp>
+        <p:nvSpPr>
+          <p:cNvPr id="781314" name="Rectangle 2"/>
+          <p:cNvSpPr>
+            <a:spLocks noGrp="1" noChangeArrowheads="1"/>
+          </p:cNvSpPr>
+          <p:nvPr>
+            <p:ph type="title"/>
+          </p:nvPr>
+        </p:nvSpPr>
+        <p:spPr>
+          <a:xfrm>
+            <a:off x="250825" y="260350"/>
+            <a:ext cx="8642350" cy="1081088"/>
+          </a:xfrm>
+        </p:spPr>
+        <p:txBody>
+          <a:bodyPr/>
+          <a:lstStyle/>
+          <a:p>
+            <a:r>
+              <a:rPr lang="en-GB" sz="4200" dirty="0"/>
+              <a:t>Locke on the Association of Ideas</a:t>
+            </a:r>
+          </a:p>
+        </p:txBody>
+      </p:sp>
+      <p:sp>
+        <p:nvSpPr>
+          <p:cNvPr id="781315" name="Rectangle 3"/>
+          <p:cNvSpPr>
+            <a:spLocks noGrp="1" noChangeArrowheads="1"/>
+          </p:cNvSpPr>
+          <p:nvPr>
+            <p:ph type="body" idx="1"/>
+          </p:nvPr>
+        </p:nvSpPr>
+        <p:spPr>
+          <a:xfrm>
+            <a:off x="457200" y="1341438"/>
+            <a:ext cx="8363272" cy="5256212"/>
+          </a:xfrm>
+        </p:spPr>
+        <p:txBody>
+          <a:bodyPr/>
+          <a:lstStyle/>
+          <a:p>
+            <a:r>
+              <a:rPr lang="en-GB" sz="3000"/>
+              <a:t>Hume sometimes expresses great enthusiasm for the </a:t>
+            </a:r>
+            <a:r>
+              <a:rPr lang="en-GB" sz="3000" dirty="0"/>
+              <a:t>association </a:t>
+            </a:r>
+            <a:r>
+              <a:rPr lang="en-GB" sz="3000"/>
+              <a:t>of ideas (e.g. </a:t>
+            </a:r>
+            <a:r>
+              <a:rPr lang="en-GB" sz="3000" i="1"/>
+              <a:t>A </a:t>
+            </a:r>
+            <a:r>
+              <a:rPr lang="en-GB" sz="3000"/>
+              <a:t>35), </a:t>
+            </a:r>
+            <a:r>
+              <a:rPr lang="en-GB" sz="3000" dirty="0"/>
+              <a:t>but this is in striking contrast to </a:t>
+            </a:r>
+            <a:r>
+              <a:rPr lang="en-GB" sz="3000"/>
+              <a:t>Locke’s attitude:</a:t>
+            </a:r>
+            <a:endParaRPr lang="en-GB" sz="3000" dirty="0"/>
+          </a:p>
+          <a:p>
+            <a:pPr lvl="1">
+              <a:spcBef>
+                <a:spcPts val="1800"/>
+              </a:spcBef>
+              <a:buFontTx/>
+              <a:buNone/>
+            </a:pPr>
+            <a:r>
+              <a:rPr lang="en-GB" dirty="0"/>
+              <a:t>	</a:t>
+            </a:r>
+            <a:r>
+              <a:rPr lang="en-GB" sz="2600" dirty="0"/>
+              <a:t>“[3] </a:t>
+            </a:r>
+            <a:r>
+              <a:rPr lang="en-GB" sz="2600" dirty="0">
+                <a:solidFill>
+                  <a:srgbClr val="FF7C80"/>
+                </a:solidFill>
+              </a:rPr>
+              <a:t>this sort of Madness</a:t>
+            </a:r>
+            <a:r>
+              <a:rPr lang="en-GB" sz="2600" dirty="0"/>
+              <a:t> … [4] </a:t>
+            </a:r>
+            <a:r>
+              <a:rPr lang="en-GB" sz="2600" dirty="0">
+                <a:solidFill>
+                  <a:srgbClr val="FF7C80"/>
+                </a:solidFill>
+              </a:rPr>
+              <a:t>this … Weakness </a:t>
+            </a:r>
+            <a:r>
+              <a:rPr lang="en-GB" sz="2600" dirty="0"/>
+              <a:t>to which all Men are so liable, ... </a:t>
+            </a:r>
+            <a:r>
+              <a:rPr lang="en-GB" sz="2600" dirty="0">
+                <a:solidFill>
+                  <a:srgbClr val="FF7C80"/>
+                </a:solidFill>
+              </a:rPr>
+              <a:t>a Taint </a:t>
+            </a:r>
+            <a:r>
+              <a:rPr lang="en-GB" sz="2600" dirty="0"/>
+              <a:t>which so universally infects Mankind …  [5] … there is [a]  Connexion of </a:t>
+            </a:r>
+            <a:r>
+              <a:rPr lang="en-GB" sz="2600" i="1" dirty="0"/>
+              <a:t>Ideas</a:t>
+            </a:r>
+            <a:r>
+              <a:rPr lang="en-GB" sz="2600" dirty="0"/>
+              <a:t> wholly owing to Chance or </a:t>
+            </a:r>
+            <a:r>
+              <a:rPr lang="en-GB" sz="2600" dirty="0">
+                <a:solidFill>
+                  <a:srgbClr val="FF0000"/>
+                </a:solidFill>
+              </a:rPr>
+              <a:t>Custom</a:t>
+            </a:r>
+            <a:r>
+              <a:rPr lang="en-GB" sz="2600" dirty="0"/>
+              <a:t>; </a:t>
+            </a:r>
+            <a:r>
+              <a:rPr lang="en-GB" sz="2600" i="1" dirty="0"/>
+              <a:t>Ideas</a:t>
+            </a:r>
+            <a:r>
+              <a:rPr lang="en-GB" sz="2600" dirty="0"/>
+              <a:t> that in themselves are not at all of kin, come to be so united in some </a:t>
+            </a:r>
+            <a:r>
+              <a:rPr lang="en-GB" sz="2600" dirty="0" err="1"/>
+              <a:t>Mens</a:t>
+            </a:r>
+            <a:r>
+              <a:rPr lang="en-GB" sz="2600" dirty="0"/>
+              <a:t> Minds that ’tis very hard to separate them …”</a:t>
+            </a:r>
+          </a:p>
+          <a:p>
+            <a:pPr lvl="1">
+              <a:spcBef>
+                <a:spcPts val="600"/>
+              </a:spcBef>
+              <a:buFontTx/>
+              <a:buNone/>
+            </a:pPr>
+            <a:r>
+              <a:rPr lang="en-GB" sz="2600" dirty="0"/>
+              <a:t>					(Locke, </a:t>
+            </a:r>
+            <a:r>
+              <a:rPr lang="en-GB" sz="2600" i="1" dirty="0"/>
+              <a:t>Essay</a:t>
+            </a:r>
+            <a:r>
+              <a:rPr lang="en-GB" sz="2600" dirty="0"/>
+              <a:t> II xxxiii 3-5)</a:t>
+            </a:r>
+          </a:p>
+        </p:txBody>
+      </p:sp>
+    </p:spTree>
+    <p:extLst>
+      <p:ext uri="{BB962C8B-B14F-4D97-AF65-F5344CB8AC3E}">
+        <p14:creationId xmlns:p14="http://schemas.microsoft.com/office/powerpoint/2010/main" val="3048041093"/>
+      </p:ext>
+    </p:extLst>
+  </p:cSld>
+  <p:clrMapOvr>
+    <a:masterClrMapping/>
+  </p:clrMapOvr>
+  <p:transition spd="med">
+    <p:cover/>
+  </p:transition>
+</p:sld>
+</file>
+
+<file path=ppt/slides/slide73.xml><?xml version="1.0" encoding="utf-8"?>
+<p:sld xmlns:a="http://schemas.openxmlformats.org/drawingml/2006/main" xmlns:r="http://schemas.openxmlformats.org/officeDocument/2006/relationships" xmlns:p="http://schemas.openxmlformats.org/presentationml/2006/main">
+  <p:cSld>
+    <p:spTree>
+      <p:nvGrpSpPr>
+        <p:cNvPr id="1" name=""/>
+        <p:cNvGrpSpPr/>
+        <p:nvPr/>
+      </p:nvGrpSpPr>
+      <p:grpSpPr>
+        <a:xfrm>
+          <a:off x="0" y="0"/>
+          <a:ext cx="0" cy="0"/>
+          <a:chOff x="0" y="0"/>
+          <a:chExt cx="0" cy="0"/>
+        </a:xfrm>
+      </p:grpSpPr>
+      <p:sp>
+        <p:nvSpPr>
+          <p:cNvPr id="2" name="Title 1">
+            <a:extLst>
+              <a:ext uri="{FF2B5EF4-FFF2-40B4-BE49-F238E27FC236}">
+                <a16:creationId xmlns:a16="http://schemas.microsoft.com/office/drawing/2014/main" id="{07DD625F-7BFD-4DBF-8572-82F86D2CDFBE}"/>
+              </a:ext>
+            </a:extLst>
+          </p:cNvPr>
+          <p:cNvSpPr>
+            <a:spLocks noGrp="1"/>
+          </p:cNvSpPr>
+          <p:nvPr>
+            <p:ph type="title"/>
+          </p:nvPr>
+        </p:nvSpPr>
+        <p:spPr>
+          <a:xfrm>
+            <a:off x="457200" y="277813"/>
+            <a:ext cx="8229600" cy="846931"/>
+          </a:xfrm>
+        </p:spPr>
+        <p:txBody>
+          <a:bodyPr/>
+          <a:lstStyle/>
+          <a:p>
+            <a:r>
+              <a:rPr lang="en-US"/>
+              <a:t>Chambers’ </a:t>
+            </a:r>
+            <a:r>
+              <a:rPr lang="en-US" i="1"/>
+              <a:t>Cyclopaedia</a:t>
+            </a:r>
+            <a:r>
+              <a:rPr lang="en-US"/>
+              <a:t> (1728)</a:t>
+            </a:r>
+            <a:endParaRPr lang="en-GB"/>
+          </a:p>
+        </p:txBody>
+      </p:sp>
+      <p:sp>
+        <p:nvSpPr>
+          <p:cNvPr id="3" name="Content Placeholder 2">
+            <a:extLst>
+              <a:ext uri="{FF2B5EF4-FFF2-40B4-BE49-F238E27FC236}">
+                <a16:creationId xmlns:a16="http://schemas.microsoft.com/office/drawing/2014/main" id="{3B796EDB-A7C1-4CB2-A4AB-5EF0917C8035}"/>
+              </a:ext>
+            </a:extLst>
+          </p:cNvPr>
+          <p:cNvSpPr>
+            <a:spLocks noGrp="1"/>
+          </p:cNvSpPr>
+          <p:nvPr>
+            <p:ph idx="1"/>
+          </p:nvPr>
+        </p:nvSpPr>
+        <p:spPr>
+          <a:xfrm>
+            <a:off x="673224" y="1340768"/>
+            <a:ext cx="8003232" cy="5004556"/>
+          </a:xfrm>
+        </p:spPr>
+        <p:txBody>
+          <a:bodyPr/>
+          <a:lstStyle/>
+          <a:p>
+            <a:pPr marL="0" indent="0">
+              <a:buNone/>
+            </a:pPr>
+            <a:r>
+              <a:rPr lang="en-US" sz="2600" cap="small"/>
+              <a:t>“Association</a:t>
+            </a:r>
+            <a:r>
+              <a:rPr lang="en-US" sz="2600"/>
+              <a:t> </a:t>
+            </a:r>
+            <a:r>
+              <a:rPr lang="en-US" sz="2600" i="1"/>
+              <a:t>of Ideas</a:t>
+            </a:r>
+            <a:r>
+              <a:rPr lang="en-US" sz="2600"/>
+              <a:t>, is where two or more Ideas, constantly and immediately follow or succeed one another in the Mind, so that one shall almost infallibly produce the other …  Where there is a real Affinity or Connection in Ideas, it is the excellency of the Mind, to be able to collect, compare, and range them in Order, in its Enquiries:  But where there is none, nor any Cause to be assign’d for their accompanying each other, but what is owing to mere Accident or </a:t>
+            </a:r>
+            <a:r>
+              <a:rPr lang="en-US" sz="2600">
+                <a:solidFill>
+                  <a:srgbClr val="FF7C80"/>
+                </a:solidFill>
+              </a:rPr>
+              <a:t>Habit</a:t>
+            </a:r>
+            <a:r>
+              <a:rPr lang="en-US" sz="2600"/>
+              <a:t>; …this unnatural </a:t>
+            </a:r>
+            <a:r>
+              <a:rPr lang="en-US" sz="2600" i="1"/>
+              <a:t>Association </a:t>
+            </a:r>
+            <a:r>
+              <a:rPr lang="en-US" sz="2600"/>
+              <a:t>becomes a great Imperfection, and is generally speaking, a main Cause of Error, or wrong Deductions in reasoning.”</a:t>
+            </a:r>
+            <a:endParaRPr lang="en-GB" sz="2600"/>
+          </a:p>
+        </p:txBody>
+      </p:sp>
+      <p:sp>
+        <p:nvSpPr>
+          <p:cNvPr id="4" name="Slide Number Placeholder 3">
+            <a:extLst>
+              <a:ext uri="{FF2B5EF4-FFF2-40B4-BE49-F238E27FC236}">
+                <a16:creationId xmlns:a16="http://schemas.microsoft.com/office/drawing/2014/main" id="{EBFAF6C4-29BF-4718-B894-4F5A3973A4DC}"/>
+              </a:ext>
+            </a:extLst>
+          </p:cNvPr>
+          <p:cNvSpPr>
+            <a:spLocks noGrp="1"/>
+          </p:cNvSpPr>
+          <p:nvPr>
+            <p:ph type="sldNum" sz="quarter" idx="10"/>
+          </p:nvPr>
+        </p:nvSpPr>
+        <p:spPr/>
+        <p:txBody>
+          <a:bodyPr/>
+          <a:lstStyle/>
+          <a:p>
+            <a:fld id="{FFD1EE05-59BE-439B-B8B7-F61DC751609B}" type="slidenum">
+              <a:rPr lang="en-US" smtClean="0"/>
+              <a:pPr/>
+              <a:t>73</a:t>
+            </a:fld>
+            <a:endParaRPr lang="en-US"/>
+          </a:p>
+        </p:txBody>
+      </p:sp>
+    </p:spTree>
+    <p:extLst>
+      <p:ext uri="{BB962C8B-B14F-4D97-AF65-F5344CB8AC3E}">
+        <p14:creationId xmlns:p14="http://schemas.microsoft.com/office/powerpoint/2010/main" val="2380241018"/>
+      </p:ext>
+    </p:extLst>
+  </p:cSld>
+  <p:clrMapOvr>
+    <a:masterClrMapping/>
+  </p:clrMapOvr>
+  <p:transition spd="med">
+    <p:cover/>
+  </p:transition>
+</p:sld>
+</file>
+
+<file path=ppt/slides/slide74.xml><?xml version="1.0" encoding="utf-8"?>
+<p:sld xmlns:a="http://schemas.openxmlformats.org/drawingml/2006/main" xmlns:r="http://schemas.openxmlformats.org/officeDocument/2006/relationships" xmlns:p="http://schemas.openxmlformats.org/presentationml/2006/main">
+  <p:cSld>
+    <p:spTree>
+      <p:nvGrpSpPr>
+        <p:cNvPr id="1" name=""/>
+        <p:cNvGrpSpPr/>
+        <p:nvPr/>
+      </p:nvGrpSpPr>
+      <p:grpSpPr>
+        <a:xfrm>
+          <a:off x="0" y="0"/>
+          <a:ext cx="0" cy="0"/>
+          <a:chOff x="0" y="0"/>
+          <a:chExt cx="0" cy="0"/>
+        </a:xfrm>
+      </p:grpSpPr>
+      <p:sp>
+        <p:nvSpPr>
+          <p:cNvPr id="3" name="Content Placeholder 2">
+            <a:extLst>
+              <a:ext uri="{FF2B5EF4-FFF2-40B4-BE49-F238E27FC236}">
+                <a16:creationId xmlns:a16="http://schemas.microsoft.com/office/drawing/2014/main" id="{3B796EDB-A7C1-4CB2-A4AB-5EF0917C8035}"/>
+              </a:ext>
+            </a:extLst>
+          </p:cNvPr>
+          <p:cNvSpPr>
+            <a:spLocks noGrp="1"/>
+          </p:cNvSpPr>
+          <p:nvPr>
+            <p:ph idx="1"/>
+          </p:nvPr>
+        </p:nvSpPr>
+        <p:spPr>
+          <a:xfrm>
+            <a:off x="431540" y="260648"/>
+            <a:ext cx="8460940" cy="5976664"/>
+          </a:xfrm>
+        </p:spPr>
+        <p:txBody>
+          <a:bodyPr/>
+          <a:lstStyle/>
+          <a:p>
+            <a:pPr marL="0" indent="0">
+              <a:buNone/>
+            </a:pPr>
+            <a:r>
+              <a:rPr lang="en-US" sz="2500"/>
+              <a:t>“Thus the Idea of Goblins and Sprights, has really no more Affinity with Darkness than with Light; and yet let a foolish Maid inculcate these often on the Mind of a Child, and raise them there together, ’tis possible he shall never be able to separate them again so long as he lives, but Darkness shall ever bring with it those frightful Ideas.”</a:t>
+            </a:r>
+          </a:p>
+          <a:p>
+            <a:pPr marL="0" indent="0">
+              <a:spcBef>
+                <a:spcPts val="1800"/>
+              </a:spcBef>
+              <a:buNone/>
+            </a:pPr>
+            <a:r>
+              <a:rPr lang="en-US" sz="2500"/>
+              <a:t>“Such wrong combinations of Ideas, Mr. </a:t>
+            </a:r>
+            <a:r>
+              <a:rPr lang="en-US" sz="2500" i="1"/>
+              <a:t>Lock</a:t>
+            </a:r>
+            <a:r>
+              <a:rPr lang="en-US" sz="2500"/>
+              <a:t> shews, are a great Cause of the irreconcileable Opposition between the different sects of Philosophy and Religion:  … some loose and independent Ideas are by Education, </a:t>
+            </a:r>
+            <a:r>
+              <a:rPr lang="en-US" sz="2500">
+                <a:solidFill>
+                  <a:srgbClr val="FF7C80"/>
+                </a:solidFill>
+              </a:rPr>
+              <a:t>Custom</a:t>
+            </a:r>
+            <a:r>
+              <a:rPr lang="en-US" sz="2500"/>
+              <a:t>, and the constant Din of their Party, so coupled in their Minds, that they always appear there together:  These they can no more separate in their Thoughts, than if they were but one Idea, …  This … is the Foundation of the greatest, and almost of all the Errors in the World.”  (p. 161)</a:t>
+            </a:r>
+            <a:endParaRPr lang="en-GB" sz="2500"/>
+          </a:p>
+          <a:p>
+            <a:pPr marL="0" indent="0">
+              <a:buNone/>
+            </a:pPr>
+            <a:endParaRPr lang="en-GB" sz="2500"/>
+          </a:p>
+        </p:txBody>
+      </p:sp>
+      <p:sp>
+        <p:nvSpPr>
+          <p:cNvPr id="4" name="Slide Number Placeholder 3">
+            <a:extLst>
+              <a:ext uri="{FF2B5EF4-FFF2-40B4-BE49-F238E27FC236}">
+                <a16:creationId xmlns:a16="http://schemas.microsoft.com/office/drawing/2014/main" id="{EBFAF6C4-29BF-4718-B894-4F5A3973A4DC}"/>
+              </a:ext>
+            </a:extLst>
+          </p:cNvPr>
+          <p:cNvSpPr>
+            <a:spLocks noGrp="1"/>
+          </p:cNvSpPr>
+          <p:nvPr>
+            <p:ph type="sldNum" sz="quarter" idx="10"/>
+          </p:nvPr>
+        </p:nvSpPr>
+        <p:spPr/>
+        <p:txBody>
+          <a:bodyPr/>
+          <a:lstStyle/>
+          <a:p>
+            <a:fld id="{FFD1EE05-59BE-439B-B8B7-F61DC751609B}" type="slidenum">
+              <a:rPr lang="en-US" smtClean="0"/>
+              <a:pPr/>
+              <a:t>74</a:t>
+            </a:fld>
+            <a:endParaRPr lang="en-US"/>
+          </a:p>
+        </p:txBody>
+      </p:sp>
+    </p:spTree>
+    <p:extLst>
+      <p:ext uri="{BB962C8B-B14F-4D97-AF65-F5344CB8AC3E}">
+        <p14:creationId xmlns:p14="http://schemas.microsoft.com/office/powerpoint/2010/main" val="1945128143"/>
+      </p:ext>
+    </p:extLst>
+  </p:cSld>
+  <p:clrMapOvr>
+    <a:masterClrMapping/>
+  </p:clrMapOvr>
+  <p:transition spd="med">
+    <p:cover/>
+  </p:transition>
+</p:sld>
+</file>
+
+<file path=ppt/slides/slide75.xml><?xml version="1.0" encoding="utf-8"?>
+<p:sld xmlns:a="http://schemas.openxmlformats.org/drawingml/2006/main" xmlns:r="http://schemas.openxmlformats.org/officeDocument/2006/relationships" xmlns:p="http://schemas.openxmlformats.org/presentationml/2006/main">
+  <p:cSld>
+    <p:spTree>
+      <p:nvGrpSpPr>
+        <p:cNvPr id="1" name=""/>
+        <p:cNvGrpSpPr/>
+        <p:nvPr/>
+      </p:nvGrpSpPr>
+      <p:grpSpPr>
+        <a:xfrm>
+          <a:off x="0" y="0"/>
+          <a:ext cx="0" cy="0"/>
+          <a:chOff x="0" y="0"/>
+          <a:chExt cx="0" cy="0"/>
+        </a:xfrm>
+      </p:grpSpPr>
+      <p:sp>
+        <p:nvSpPr>
+          <p:cNvPr id="4" name="Slide Number Placeholder 3"/>
+          <p:cNvSpPr>
+            <a:spLocks noGrp="1"/>
+          </p:cNvSpPr>
+          <p:nvPr>
+            <p:ph type="sldNum" sz="quarter" idx="10"/>
+          </p:nvPr>
+        </p:nvSpPr>
+        <p:spPr/>
+        <p:txBody>
+          <a:bodyPr/>
+          <a:lstStyle/>
+          <a:p>
+            <a:fld id="{E0FCA240-3CA0-4DD2-92C7-992D12B67AC0}" type="slidenum">
+              <a:rPr lang="en-US"/>
+              <a:pPr/>
+              <a:t>75</a:t>
+            </a:fld>
+            <a:endParaRPr lang="en-US"/>
+          </a:p>
+        </p:txBody>
+      </p:sp>
+      <p:sp>
+        <p:nvSpPr>
+          <p:cNvPr id="868354" name="Rectangle 2"/>
+          <p:cNvSpPr>
+            <a:spLocks noGrp="1" noChangeArrowheads="1"/>
+          </p:cNvSpPr>
+          <p:nvPr>
+            <p:ph type="title"/>
+          </p:nvPr>
+        </p:nvSpPr>
+        <p:spPr>
+          <a:xfrm>
+            <a:off x="250825" y="260350"/>
+            <a:ext cx="8642350" cy="912813"/>
+          </a:xfrm>
+        </p:spPr>
+        <p:txBody>
+          <a:bodyPr/>
+          <a:lstStyle/>
+          <a:p>
+            <a:r>
+              <a:rPr lang="en-GB" sz="4200" dirty="0"/>
+              <a:t>Hume on the Association of Ideas</a:t>
+            </a:r>
+          </a:p>
+        </p:txBody>
+      </p:sp>
+      <p:sp>
+        <p:nvSpPr>
+          <p:cNvPr id="868355" name="Rectangle 3"/>
+          <p:cNvSpPr>
+            <a:spLocks noGrp="1" noChangeArrowheads="1"/>
+          </p:cNvSpPr>
+          <p:nvPr>
+            <p:ph type="body" idx="1"/>
+          </p:nvPr>
+        </p:nvSpPr>
+        <p:spPr>
+          <a:xfrm>
+            <a:off x="528959" y="1268760"/>
+            <a:ext cx="8291513" cy="5328890"/>
+          </a:xfrm>
+        </p:spPr>
+        <p:txBody>
+          <a:bodyPr/>
+          <a:lstStyle/>
+          <a:p>
+            <a:r>
+              <a:rPr lang="en-GB" sz="3000" dirty="0"/>
+              <a:t>Despite “the liberty of the imagination”, there is a pattern to our thoughts:</a:t>
+            </a:r>
+          </a:p>
+          <a:p>
+            <a:pPr lvl="1">
+              <a:spcBef>
+                <a:spcPts val="1200"/>
+              </a:spcBef>
+              <a:buFontTx/>
+              <a:buNone/>
+            </a:pPr>
+            <a:r>
+              <a:rPr lang="en-GB" sz="2600" dirty="0"/>
+              <a:t>	“all simple ideas may be separated by the </a:t>
+            </a:r>
+            <a:r>
+              <a:rPr lang="en-GB" sz="2600" dirty="0" err="1"/>
+              <a:t>imag-ination</a:t>
+            </a:r>
+            <a:r>
+              <a:rPr lang="en-GB" sz="2600" dirty="0"/>
+              <a:t>, and may be united again in what form it pleases … [yet there is] some bond of union among them, some associating quality, by which one idea naturally introduces another” (</a:t>
+            </a:r>
+            <a:r>
+              <a:rPr lang="en-GB" sz="2600" i="1" dirty="0"/>
+              <a:t>T</a:t>
+            </a:r>
+            <a:r>
+              <a:rPr lang="en-GB" sz="2600" dirty="0"/>
+              <a:t> 1.1.4.1)</a:t>
+            </a:r>
+          </a:p>
+          <a:p>
+            <a:pPr>
+              <a:spcBef>
+                <a:spcPts val="1200"/>
+              </a:spcBef>
+            </a:pPr>
+            <a:r>
+              <a:rPr lang="en-GB" sz="3000" dirty="0"/>
+              <a:t>Hume calls this “a gentle force” which explains why languages “so nearly </a:t>
+            </a:r>
+            <a:r>
+              <a:rPr lang="en-GB" sz="3000" dirty="0" err="1"/>
+              <a:t>corres</a:t>
+            </a:r>
+            <a:r>
+              <a:rPr lang="en-GB" sz="3000" dirty="0"/>
+              <a:t>-pond to each other” in the complex ideas that are represented within their vocabulary.</a:t>
+            </a:r>
+            <a:endParaRPr lang="en-GB" dirty="0"/>
+          </a:p>
+        </p:txBody>
+      </p:sp>
+    </p:spTree>
+    <p:extLst>
+      <p:ext uri="{BB962C8B-B14F-4D97-AF65-F5344CB8AC3E}">
+        <p14:creationId xmlns:p14="http://schemas.microsoft.com/office/powerpoint/2010/main" val="4134010904"/>
+      </p:ext>
+    </p:extLst>
+  </p:cSld>
+  <p:clrMapOvr>
+    <a:masterClrMapping/>
+  </p:clrMapOvr>
+  <p:transition spd="med">
+    <p:cover/>
+  </p:transition>
+</p:sld>
+</file>
+
+<file path=ppt/slides/slide76.xml><?xml version="1.0" encoding="utf-8"?>
+<p:sld xmlns:a="http://schemas.openxmlformats.org/drawingml/2006/main" xmlns:r="http://schemas.openxmlformats.org/officeDocument/2006/relationships" xmlns:p="http://schemas.openxmlformats.org/presentationml/2006/main">
+  <p:cSld>
+    <p:spTree>
+      <p:nvGrpSpPr>
+        <p:cNvPr id="1" name=""/>
+        <p:cNvGrpSpPr/>
+        <p:nvPr/>
+      </p:nvGrpSpPr>
+      <p:grpSpPr>
+        <a:xfrm>
+          <a:off x="0" y="0"/>
+          <a:ext cx="0" cy="0"/>
+          <a:chOff x="0" y="0"/>
+          <a:chExt cx="0" cy="0"/>
+        </a:xfrm>
+      </p:grpSpPr>
+      <p:sp>
+        <p:nvSpPr>
+          <p:cNvPr id="4" name="Slide Number Placeholder 3"/>
+          <p:cNvSpPr>
+            <a:spLocks noGrp="1"/>
+          </p:cNvSpPr>
+          <p:nvPr>
+            <p:ph type="sldNum" sz="quarter" idx="10"/>
+          </p:nvPr>
+        </p:nvSpPr>
+        <p:spPr/>
+        <p:txBody>
+          <a:bodyPr/>
+          <a:lstStyle/>
+          <a:p>
+            <a:fld id="{0CD6BCB9-EAE0-4A51-A9C2-41264459B3C8}" type="slidenum">
+              <a:rPr lang="en-US"/>
+              <a:pPr/>
+              <a:t>76</a:t>
+            </a:fld>
+            <a:endParaRPr lang="en-US"/>
+          </a:p>
+        </p:txBody>
+      </p:sp>
+      <p:sp>
+        <p:nvSpPr>
+          <p:cNvPr id="783362" name="Rectangle 2"/>
+          <p:cNvSpPr>
+            <a:spLocks noGrp="1" noChangeArrowheads="1"/>
+          </p:cNvSpPr>
+          <p:nvPr>
+            <p:ph type="title"/>
+          </p:nvPr>
+        </p:nvSpPr>
+        <p:spPr>
+          <a:xfrm>
+            <a:off x="250825" y="260350"/>
+            <a:ext cx="8642350" cy="864394"/>
+          </a:xfrm>
+        </p:spPr>
+        <p:txBody>
+          <a:bodyPr/>
+          <a:lstStyle/>
+          <a:p>
+            <a:r>
+              <a:rPr lang="en-GB" dirty="0"/>
+              <a:t>Three Principles of Association</a:t>
+            </a:r>
+          </a:p>
+        </p:txBody>
+      </p:sp>
+      <p:sp>
+        <p:nvSpPr>
+          <p:cNvPr id="783363" name="Rectangle 3"/>
+          <p:cNvSpPr>
+            <a:spLocks noGrp="1" noChangeArrowheads="1"/>
+          </p:cNvSpPr>
+          <p:nvPr>
+            <p:ph type="body" idx="1"/>
+          </p:nvPr>
+        </p:nvSpPr>
+        <p:spPr>
+          <a:xfrm>
+            <a:off x="323528" y="1268760"/>
+            <a:ext cx="8569647" cy="5589240"/>
+          </a:xfrm>
+        </p:spPr>
+        <p:txBody>
+          <a:bodyPr/>
+          <a:lstStyle/>
+          <a:p>
+            <a:r>
+              <a:rPr lang="en-GB" sz="3000" dirty="0"/>
+              <a:t>Ideas may be associated in three ways:</a:t>
+            </a:r>
+          </a:p>
+          <a:p>
+            <a:pPr lvl="1">
+              <a:buFontTx/>
+              <a:buNone/>
+            </a:pPr>
+            <a:r>
+              <a:rPr lang="en-GB" dirty="0"/>
+              <a:t>	</a:t>
+            </a:r>
+            <a:r>
+              <a:rPr lang="en-GB" sz="2600" dirty="0"/>
+              <a:t>“The qualities, from which this association arises … are three, </a:t>
+            </a:r>
+            <a:r>
+              <a:rPr lang="en-GB" sz="2600" i="1" dirty="0"/>
+              <a:t>viz</a:t>
+            </a:r>
+            <a:r>
+              <a:rPr lang="en-GB" sz="2600"/>
+              <a:t>. </a:t>
+            </a:r>
+            <a:r>
+              <a:rPr lang="en-GB" sz="2600" cap="small"/>
+              <a:t>resemblance</a:t>
+            </a:r>
+            <a:r>
+              <a:rPr lang="en-GB" sz="2600"/>
+              <a:t>, </a:t>
+            </a:r>
+            <a:r>
+              <a:rPr lang="en-GB" sz="2600" cap="small"/>
+              <a:t>contiguity</a:t>
+            </a:r>
+            <a:r>
+              <a:rPr lang="en-GB" sz="2600"/>
+              <a:t> </a:t>
+            </a:r>
+            <a:r>
+              <a:rPr lang="en-GB" sz="2600" dirty="0"/>
+              <a:t>in time or place, </a:t>
+            </a:r>
+            <a:r>
+              <a:rPr lang="en-GB" sz="2600"/>
+              <a:t>and </a:t>
+            </a:r>
+            <a:r>
+              <a:rPr lang="en-GB" sz="2600" cap="small"/>
+              <a:t>cause</a:t>
+            </a:r>
+            <a:r>
+              <a:rPr lang="en-GB" sz="2600"/>
+              <a:t> and </a:t>
+            </a:r>
+            <a:r>
+              <a:rPr lang="en-GB" sz="2600" cap="small"/>
+              <a:t>effect</a:t>
+            </a:r>
+            <a:r>
+              <a:rPr lang="en-GB" sz="2600"/>
+              <a:t>.”  </a:t>
+            </a:r>
+            <a:r>
+              <a:rPr lang="en-GB" sz="2600" dirty="0"/>
+              <a:t>(</a:t>
+            </a:r>
+            <a:r>
+              <a:rPr lang="en-GB" sz="2600" i="1"/>
+              <a:t>T</a:t>
+            </a:r>
+            <a:r>
+              <a:rPr lang="en-GB" sz="2600"/>
+              <a:t> 1.1.4.1)</a:t>
+            </a:r>
+            <a:endParaRPr lang="en-GB" sz="2600" dirty="0"/>
+          </a:p>
+          <a:p>
+            <a:pPr>
+              <a:spcBef>
+                <a:spcPts val="1800"/>
+              </a:spcBef>
+            </a:pPr>
+            <a:r>
+              <a:rPr lang="en-GB" sz="3000" dirty="0"/>
+              <a:t>Association is “a </a:t>
+            </a:r>
+            <a:r>
+              <a:rPr lang="en-GB" sz="3000"/>
+              <a:t>kind of </a:t>
+            </a:r>
+            <a:r>
+              <a:rPr lang="en-GB" sz="3000" cap="small"/>
+              <a:t>Attraction</a:t>
+            </a:r>
+            <a:r>
+              <a:rPr lang="en-GB" sz="3000"/>
+              <a:t>, </a:t>
+            </a:r>
+            <a:r>
+              <a:rPr lang="en-GB" sz="3000" dirty="0"/>
+              <a:t>which in the mental world” has remarkable effects like gravity in the physical world (T 1.1.4.6).</a:t>
+            </a:r>
+          </a:p>
+          <a:p>
+            <a:pPr lvl="1">
+              <a:spcBef>
+                <a:spcPts val="1200"/>
+              </a:spcBef>
+            </a:pPr>
+            <a:r>
+              <a:rPr lang="en-GB" sz="2600" dirty="0"/>
+              <a:t>The complex </a:t>
+            </a:r>
+            <a:r>
+              <a:rPr lang="en-GB" sz="2600"/>
+              <a:t>ideas arising </a:t>
+            </a:r>
+            <a:r>
+              <a:rPr lang="en-GB" sz="2600" dirty="0"/>
+              <a:t>from </a:t>
+            </a:r>
+            <a:r>
+              <a:rPr lang="en-GB" sz="2600"/>
+              <a:t>such association </a:t>
+            </a:r>
+            <a:r>
+              <a:rPr lang="en-GB" sz="2600" dirty="0"/>
+              <a:t>“may be divided </a:t>
+            </a:r>
+            <a:r>
+              <a:rPr lang="en-GB" sz="2600"/>
+              <a:t>into </a:t>
+            </a:r>
+            <a:r>
+              <a:rPr lang="en-GB" sz="2600" i="1"/>
+              <a:t>Relations</a:t>
+            </a:r>
+            <a:r>
+              <a:rPr lang="en-GB" sz="2600"/>
+              <a:t>, </a:t>
+            </a:r>
+            <a:r>
+              <a:rPr lang="en-GB" sz="2600" i="1"/>
+              <a:t>Modes</a:t>
+            </a:r>
+            <a:r>
+              <a:rPr lang="en-GB" sz="2600"/>
+              <a:t>, and </a:t>
+            </a:r>
+            <a:r>
+              <a:rPr lang="en-GB" sz="2600" i="1"/>
+              <a:t>Substances</a:t>
+            </a:r>
+            <a:r>
+              <a:rPr lang="en-GB" sz="2600"/>
+              <a:t>” </a:t>
+            </a:r>
+            <a:r>
+              <a:rPr lang="en-GB" sz="2600" dirty="0"/>
+              <a:t>(</a:t>
+            </a:r>
+            <a:r>
+              <a:rPr lang="en-GB" sz="2600" i="1" dirty="0"/>
+              <a:t>T</a:t>
+            </a:r>
+            <a:r>
+              <a:rPr lang="en-GB" sz="2600" dirty="0"/>
+              <a:t> 1.1.4.7).  </a:t>
+            </a:r>
+            <a:r>
+              <a:rPr lang="en-GB" sz="2600"/>
+              <a:t>Hume then discusses these three categories in turn, in </a:t>
+            </a:r>
+            <a:r>
+              <a:rPr lang="en-GB" sz="2600" i="1"/>
+              <a:t>T</a:t>
+            </a:r>
+            <a:r>
+              <a:rPr lang="en-GB" sz="2600"/>
+              <a:t> 1.1.5 and 1.1.6.</a:t>
+            </a:r>
+            <a:endParaRPr lang="en-GB" sz="2600" dirty="0"/>
+          </a:p>
+        </p:txBody>
+      </p:sp>
+    </p:spTree>
+    <p:extLst>
+      <p:ext uri="{BB962C8B-B14F-4D97-AF65-F5344CB8AC3E}">
+        <p14:creationId xmlns:p14="http://schemas.microsoft.com/office/powerpoint/2010/main" val="2186602425"/>
+      </p:ext>
+    </p:extLst>
+  </p:cSld>
+  <p:clrMapOvr>
+    <a:masterClrMapping/>
+  </p:clrMapOvr>
+  <p:transition spd="med">
+    <p:cover/>
+  </p:transition>
+</p:sld>
+</file>
+
+<file path=ppt/slides/slide77.xml><?xml version="1.0" encoding="utf-8"?>
+<p:sld xmlns:a="http://schemas.openxmlformats.org/drawingml/2006/main" xmlns:r="http://schemas.openxmlformats.org/officeDocument/2006/relationships" xmlns:p="http://schemas.openxmlformats.org/presentationml/2006/main">
+  <p:cSld>
+    <p:spTree>
+      <p:nvGrpSpPr>
+        <p:cNvPr id="1" name="">
+          <a:extLst>
+            <a:ext uri="{FF2B5EF4-FFF2-40B4-BE49-F238E27FC236}">
+              <a16:creationId xmlns:a16="http://schemas.microsoft.com/office/drawing/2014/main" id="{2C30329C-AD95-5977-F1EA-4BAC2F78F1EC}"/>
+            </a:ext>
+          </a:extLst>
+        </p:cNvPr>
+        <p:cNvGrpSpPr/>
+        <p:nvPr/>
+      </p:nvGrpSpPr>
+      <p:grpSpPr>
+        <a:xfrm>
+          <a:off x="0" y="0"/>
+          <a:ext cx="0" cy="0"/>
+          <a:chOff x="0" y="0"/>
+          <a:chExt cx="0" cy="0"/>
+        </a:xfrm>
+      </p:grpSpPr>
+      <p:sp>
+        <p:nvSpPr>
+          <p:cNvPr id="4" name="Slide Number Placeholder 3">
+            <a:extLst>
+              <a:ext uri="{FF2B5EF4-FFF2-40B4-BE49-F238E27FC236}">
+                <a16:creationId xmlns:a16="http://schemas.microsoft.com/office/drawing/2014/main" id="{76D6523D-1D2B-1C90-45A3-548D5A3F0433}"/>
+              </a:ext>
+            </a:extLst>
+          </p:cNvPr>
+          <p:cNvSpPr>
+            <a:spLocks noGrp="1"/>
+          </p:cNvSpPr>
+          <p:nvPr>
+            <p:ph type="sldNum" sz="quarter" idx="10"/>
+          </p:nvPr>
+        </p:nvSpPr>
+        <p:spPr/>
+        <p:txBody>
+          <a:bodyPr/>
+          <a:lstStyle/>
+          <a:p>
+            <a:fld id="{932A14E4-D7B7-429B-984C-3ED2B6EE0A5A}" type="slidenum">
+              <a:rPr lang="en-US"/>
+              <a:pPr/>
+              <a:t>77</a:t>
+            </a:fld>
+            <a:endParaRPr lang="en-US"/>
+          </a:p>
+        </p:txBody>
+      </p:sp>
+      <p:sp>
+        <p:nvSpPr>
+          <p:cNvPr id="902146" name="Rectangle 2">
+            <a:extLst>
+              <a:ext uri="{FF2B5EF4-FFF2-40B4-BE49-F238E27FC236}">
+                <a16:creationId xmlns:a16="http://schemas.microsoft.com/office/drawing/2014/main" id="{94296090-4261-01AE-0CAF-B382663ACE1A}"/>
+              </a:ext>
+            </a:extLst>
+          </p:cNvPr>
+          <p:cNvSpPr>
+            <a:spLocks noGrp="1" noChangeArrowheads="1"/>
+          </p:cNvSpPr>
+          <p:nvPr>
+            <p:ph type="title"/>
+          </p:nvPr>
+        </p:nvSpPr>
+        <p:spPr>
+          <a:xfrm>
+            <a:off x="250825" y="116632"/>
+            <a:ext cx="8642350" cy="900398"/>
+          </a:xfrm>
+        </p:spPr>
+        <p:txBody>
+          <a:bodyPr/>
+          <a:lstStyle/>
+          <a:p>
+            <a:r>
+              <a:rPr lang="en-GB" sz="4000" dirty="0"/>
+              <a:t>Natural and Philosophical Relations</a:t>
+            </a:r>
+          </a:p>
+        </p:txBody>
+      </p:sp>
+      <p:sp>
+        <p:nvSpPr>
+          <p:cNvPr id="902147" name="Rectangle 3">
+            <a:extLst>
+              <a:ext uri="{FF2B5EF4-FFF2-40B4-BE49-F238E27FC236}">
+                <a16:creationId xmlns:a16="http://schemas.microsoft.com/office/drawing/2014/main" id="{15D04CD9-BE37-A10D-DD0D-588500B8363E}"/>
+              </a:ext>
+            </a:extLst>
+          </p:cNvPr>
+          <p:cNvSpPr>
+            <a:spLocks noGrp="1" noChangeArrowheads="1"/>
+          </p:cNvSpPr>
+          <p:nvPr>
+            <p:ph type="body" idx="1"/>
+          </p:nvPr>
+        </p:nvSpPr>
+        <p:spPr>
+          <a:xfrm>
+            <a:off x="672975" y="1160748"/>
+            <a:ext cx="8075489" cy="5436604"/>
+          </a:xfrm>
+        </p:spPr>
+        <p:txBody>
+          <a:bodyPr/>
+          <a:lstStyle/>
+          <a:p>
+            <a:r>
+              <a:rPr lang="en-GB" sz="2700" i="1" dirty="0"/>
+              <a:t>T</a:t>
+            </a:r>
+            <a:r>
+              <a:rPr lang="en-GB" sz="2700" dirty="0"/>
+              <a:t> 1.1.5 starts with a distinction between two senses of the word “relation”.  In one sense, we think of things as </a:t>
+            </a:r>
+            <a:r>
+              <a:rPr lang="en-GB" sz="2700" i="1" dirty="0"/>
+              <a:t>related</a:t>
+            </a:r>
+            <a:r>
+              <a:rPr lang="en-GB" sz="2700" dirty="0"/>
+              <a:t> when the idea of one </a:t>
+            </a:r>
+            <a:r>
+              <a:rPr lang="en-GB" sz="2700" i="1" dirty="0"/>
+              <a:t>naturally</a:t>
+            </a:r>
+            <a:r>
+              <a:rPr lang="en-GB" sz="2700" dirty="0"/>
+              <a:t> </a:t>
+            </a:r>
+            <a:r>
+              <a:rPr lang="en-GB" sz="2700"/>
+              <a:t>leads our </a:t>
+            </a:r>
+            <a:r>
+              <a:rPr lang="en-GB" sz="2700" dirty="0"/>
+              <a:t>thought to the other.</a:t>
+            </a:r>
+          </a:p>
+          <a:p>
+            <a:pPr>
+              <a:spcBef>
+                <a:spcPts val="900"/>
+              </a:spcBef>
+            </a:pPr>
+            <a:r>
+              <a:rPr lang="en-GB" sz="2700" dirty="0"/>
+              <a:t>So </a:t>
+            </a:r>
+            <a:r>
+              <a:rPr lang="en-GB" sz="2700" i="1" dirty="0"/>
+              <a:t>the “</a:t>
+            </a:r>
+            <a:r>
+              <a:rPr lang="en-GB" sz="2700" i="1" dirty="0">
+                <a:solidFill>
+                  <a:srgbClr val="FF7C80"/>
+                </a:solidFill>
+              </a:rPr>
+              <a:t>natural relations</a:t>
+            </a:r>
+            <a:r>
+              <a:rPr lang="en-GB" sz="2700" i="1" dirty="0"/>
+              <a:t>” are those that correspond to our associative tendencies</a:t>
+            </a:r>
+            <a:r>
+              <a:rPr lang="en-GB" sz="2700" dirty="0"/>
+              <a:t> – resemblance, contiguity, cause and effect.</a:t>
+            </a:r>
+          </a:p>
+          <a:p>
+            <a:pPr>
+              <a:spcBef>
+                <a:spcPts val="900"/>
+              </a:spcBef>
+            </a:pPr>
+            <a:r>
+              <a:rPr lang="en-GB" sz="2700" dirty="0"/>
+              <a:t>But when </a:t>
+            </a:r>
+            <a:r>
+              <a:rPr lang="en-GB" sz="2700" i="1" dirty="0"/>
+              <a:t>philosophers</a:t>
+            </a:r>
+            <a:r>
+              <a:rPr lang="en-GB" sz="2700" dirty="0"/>
+              <a:t> talk about “relations”, they include </a:t>
+            </a:r>
+            <a:r>
+              <a:rPr lang="en-GB" sz="2700" i="1"/>
+              <a:t>any arbitrary </a:t>
+            </a:r>
+            <a:r>
+              <a:rPr lang="en-GB" sz="2700" i="1" dirty="0"/>
+              <a:t>“subject of </a:t>
+            </a:r>
+            <a:r>
+              <a:rPr lang="en-GB" sz="2700" i="1"/>
+              <a:t>comparison”</a:t>
+            </a:r>
+            <a:r>
+              <a:rPr lang="en-GB" sz="2700"/>
+              <a:t>, even when it doesn’t give rise to association.</a:t>
+            </a:r>
+          </a:p>
+          <a:p>
+            <a:pPr>
+              <a:spcBef>
+                <a:spcPts val="900"/>
+              </a:spcBef>
+            </a:pPr>
+            <a:r>
+              <a:rPr lang="en-GB" sz="2700"/>
+              <a:t>We’ll return to Hume’s theory of relations later.  For now, we resume our focus on </a:t>
+            </a:r>
+            <a:r>
+              <a:rPr lang="en-GB" sz="2700" i="1"/>
+              <a:t>association</a:t>
+            </a:r>
+            <a:r>
+              <a:rPr lang="en-GB" sz="2700"/>
+              <a:t>.</a:t>
+            </a:r>
+            <a:endParaRPr lang="en-GB" sz="2700" dirty="0"/>
+          </a:p>
+        </p:txBody>
+      </p:sp>
+    </p:spTree>
+    <p:extLst>
+      <p:ext uri="{BB962C8B-B14F-4D97-AF65-F5344CB8AC3E}">
+        <p14:creationId xmlns:p14="http://schemas.microsoft.com/office/powerpoint/2010/main" val="695606591"/>
+      </p:ext>
+    </p:extLst>
+  </p:cSld>
+  <p:clrMapOvr>
+    <a:masterClrMapping/>
+  </p:clrMapOvr>
+  <p:transition spd="med">
+    <p:cover/>
+  </p:transition>
+</p:sld>
+</file>
+
+<file path=ppt/slides/slide78.xml><?xml version="1.0" encoding="utf-8"?>
+<p:sld xmlns:a="http://schemas.openxmlformats.org/drawingml/2006/main" xmlns:r="http://schemas.openxmlformats.org/officeDocument/2006/relationships" xmlns:p="http://schemas.openxmlformats.org/presentationml/2006/main">
+  <p:cSld>
+    <p:spTree>
+      <p:nvGrpSpPr>
+        <p:cNvPr id="1" name="">
+          <a:extLst>
+            <a:ext uri="{FF2B5EF4-FFF2-40B4-BE49-F238E27FC236}">
+              <a16:creationId xmlns:a16="http://schemas.microsoft.com/office/drawing/2014/main" id="{20FBAA0A-CEC3-2475-ABE8-EB42AB19C8DB}"/>
+            </a:ext>
+          </a:extLst>
+        </p:cNvPr>
+        <p:cNvGrpSpPr/>
+        <p:nvPr/>
+      </p:nvGrpSpPr>
+      <p:grpSpPr>
+        <a:xfrm>
+          <a:off x="0" y="0"/>
+          <a:ext cx="0" cy="0"/>
+          <a:chOff x="0" y="0"/>
+          <a:chExt cx="0" cy="0"/>
+        </a:xfrm>
+      </p:grpSpPr>
+      <p:sp>
+        <p:nvSpPr>
+          <p:cNvPr id="2" name="Title 1">
+            <a:extLst>
+              <a:ext uri="{FF2B5EF4-FFF2-40B4-BE49-F238E27FC236}">
+                <a16:creationId xmlns:a16="http://schemas.microsoft.com/office/drawing/2014/main" id="{8E37A2BD-35B3-A720-889C-05BFE4426578}"/>
+              </a:ext>
+            </a:extLst>
+          </p:cNvPr>
+          <p:cNvSpPr>
+            <a:spLocks noGrp="1"/>
+          </p:cNvSpPr>
+          <p:nvPr>
+            <p:ph type="title"/>
+          </p:nvPr>
+        </p:nvSpPr>
+        <p:spPr>
+          <a:xfrm>
+            <a:off x="457200" y="128079"/>
+            <a:ext cx="8229600" cy="816645"/>
+          </a:xfrm>
+        </p:spPr>
+        <p:txBody>
+          <a:bodyPr/>
+          <a:lstStyle/>
+          <a:p>
+            <a:r>
+              <a:rPr lang="en-GB"/>
+              <a:t>Custom and Induction</a:t>
+            </a:r>
+          </a:p>
+        </p:txBody>
+      </p:sp>
+      <p:sp>
+        <p:nvSpPr>
+          <p:cNvPr id="3" name="Content Placeholder 2">
+            <a:extLst>
+              <a:ext uri="{FF2B5EF4-FFF2-40B4-BE49-F238E27FC236}">
+                <a16:creationId xmlns:a16="http://schemas.microsoft.com/office/drawing/2014/main" id="{3C68B511-6BD8-51F7-C2BC-7F8C80E68AE7}"/>
+              </a:ext>
+            </a:extLst>
+          </p:cNvPr>
+          <p:cNvSpPr>
+            <a:spLocks noGrp="1"/>
+          </p:cNvSpPr>
+          <p:nvPr>
+            <p:ph idx="1"/>
+          </p:nvPr>
+        </p:nvSpPr>
+        <p:spPr>
+          <a:xfrm>
+            <a:off x="468313" y="1196752"/>
+            <a:ext cx="8280151" cy="5292588"/>
+          </a:xfrm>
+        </p:spPr>
+        <p:txBody>
+          <a:bodyPr/>
+          <a:lstStyle/>
+          <a:p>
+            <a:r>
+              <a:rPr lang="en-GB" sz="2800"/>
+              <a:t>As already noted ( 51) Hume will argue in</a:t>
+            </a:r>
+            <a:br>
+              <a:rPr lang="en-GB" sz="2800"/>
+            </a:br>
+            <a:r>
+              <a:rPr lang="en-GB" sz="2800" i="1"/>
+              <a:t>T</a:t>
+            </a:r>
+            <a:r>
+              <a:rPr lang="en-GB" sz="2800"/>
+              <a:t> 1.3.6-8 that </a:t>
+            </a:r>
+            <a:r>
+              <a:rPr lang="en-GB" sz="2800" i="1"/>
+              <a:t>all inference to the unobserved </a:t>
+            </a:r>
+            <a:r>
+              <a:rPr lang="en-GB" sz="2800"/>
+              <a:t>depends on </a:t>
+            </a:r>
+            <a:r>
+              <a:rPr lang="en-GB" sz="2800" i="1">
+                <a:solidFill>
+                  <a:srgbClr val="FF7C80"/>
+                </a:solidFill>
+              </a:rPr>
+              <a:t>custom</a:t>
+            </a:r>
+            <a:r>
+              <a:rPr lang="en-GB" sz="2800"/>
+              <a:t>, by which we expect for the future what we have observed in the past.</a:t>
+            </a:r>
+          </a:p>
+          <a:p>
+            <a:pPr eaLnBrk="1" hangingPunct="1">
+              <a:spcBef>
+                <a:spcPts val="1800"/>
+              </a:spcBef>
+            </a:pPr>
+            <a:r>
+              <a:rPr lang="en-GB" sz="2800"/>
+              <a:t>So Hume – in contrast to Locke and Chambers –takes a very positive attitude to custom:</a:t>
+            </a:r>
+          </a:p>
+          <a:p>
+            <a:pPr lvl="1" eaLnBrk="1" hangingPunct="1">
+              <a:spcBef>
+                <a:spcPts val="1200"/>
+              </a:spcBef>
+              <a:buFontTx/>
+              <a:buNone/>
+            </a:pPr>
+            <a:r>
+              <a:rPr lang="en-GB"/>
+              <a:t>	</a:t>
+            </a:r>
+            <a:r>
+              <a:rPr lang="en-GB" sz="2600"/>
+              <a:t>“’Tis not, therefore, reason, which is the guide of life, but custom.”  (</a:t>
+            </a:r>
+            <a:r>
+              <a:rPr lang="en-GB" sz="2600" i="1"/>
+              <a:t>A</a:t>
+            </a:r>
+            <a:r>
+              <a:rPr lang="en-GB" sz="2600"/>
+              <a:t> 16)</a:t>
+            </a:r>
+          </a:p>
+          <a:p>
+            <a:pPr lvl="1" eaLnBrk="1" hangingPunct="1">
+              <a:spcBef>
+                <a:spcPts val="1200"/>
+              </a:spcBef>
+              <a:buFontTx/>
+              <a:buNone/>
+            </a:pPr>
+            <a:r>
+              <a:rPr lang="en-GB" sz="2600"/>
+              <a:t>	“Custom, then, is the great guide of human life.  It is that principle alone, which renders our experience useful to us …”  (</a:t>
+            </a:r>
+            <a:r>
+              <a:rPr lang="en-GB" sz="2600" i="1"/>
+              <a:t>E</a:t>
+            </a:r>
+            <a:r>
+              <a:rPr lang="en-GB" sz="2600"/>
+              <a:t> 5.6)</a:t>
+            </a:r>
+          </a:p>
+          <a:p>
+            <a:endParaRPr lang="en-GB" sz="2800"/>
+          </a:p>
+        </p:txBody>
+      </p:sp>
+      <p:sp>
+        <p:nvSpPr>
+          <p:cNvPr id="4" name="Slide Number Placeholder 3">
+            <a:extLst>
+              <a:ext uri="{FF2B5EF4-FFF2-40B4-BE49-F238E27FC236}">
+                <a16:creationId xmlns:a16="http://schemas.microsoft.com/office/drawing/2014/main" id="{EE65D20A-28A8-887C-AB83-8A08EABC7DF7}"/>
+              </a:ext>
+            </a:extLst>
+          </p:cNvPr>
+          <p:cNvSpPr>
+            <a:spLocks noGrp="1"/>
+          </p:cNvSpPr>
+          <p:nvPr>
+            <p:ph type="sldNum" sz="quarter" idx="10"/>
+          </p:nvPr>
+        </p:nvSpPr>
+        <p:spPr/>
+        <p:txBody>
+          <a:bodyPr/>
+          <a:lstStyle/>
+          <a:p>
+            <a:fld id="{FFD1EE05-59BE-439B-B8B7-F61DC751609B}" type="slidenum">
+              <a:rPr lang="en-US" smtClean="0"/>
+              <a:pPr/>
+              <a:t>78</a:t>
+            </a:fld>
+            <a:endParaRPr lang="en-US"/>
+          </a:p>
+        </p:txBody>
+      </p:sp>
+    </p:spTree>
+    <p:extLst>
+      <p:ext uri="{BB962C8B-B14F-4D97-AF65-F5344CB8AC3E}">
+        <p14:creationId xmlns:p14="http://schemas.microsoft.com/office/powerpoint/2010/main" val="642028845"/>
+      </p:ext>
+    </p:extLst>
+  </p:cSld>
+  <p:clrMapOvr>
+    <a:masterClrMapping/>
+  </p:clrMapOvr>
+  <p:transition spd="med">
+    <p:cover/>
+  </p:transition>
+</p:sld>
+</file>
+
+<file path=ppt/slides/slide79.xml><?xml version="1.0" encoding="utf-8"?>
+<p:sld xmlns:a="http://schemas.openxmlformats.org/drawingml/2006/main" xmlns:r="http://schemas.openxmlformats.org/officeDocument/2006/relationships" xmlns:p="http://schemas.openxmlformats.org/presentationml/2006/main">
+  <p:cSld>
+    <p:spTree>
+      <p:nvGrpSpPr>
+        <p:cNvPr id="1" name="">
+          <a:extLst>
+            <a:ext uri="{FF2B5EF4-FFF2-40B4-BE49-F238E27FC236}">
+              <a16:creationId xmlns:a16="http://schemas.microsoft.com/office/drawing/2014/main" id="{4E5109E3-1C29-78BC-C7E9-039909D8E183}"/>
+            </a:ext>
+          </a:extLst>
+        </p:cNvPr>
+        <p:cNvGrpSpPr/>
+        <p:nvPr/>
+      </p:nvGrpSpPr>
+      <p:grpSpPr>
+        <a:xfrm>
+          <a:off x="0" y="0"/>
+          <a:ext cx="0" cy="0"/>
+          <a:chOff x="0" y="0"/>
+          <a:chExt cx="0" cy="0"/>
+        </a:xfrm>
+      </p:grpSpPr>
+      <p:sp>
+        <p:nvSpPr>
+          <p:cNvPr id="4" name="Slide Number Placeholder 3">
+            <a:extLst>
+              <a:ext uri="{FF2B5EF4-FFF2-40B4-BE49-F238E27FC236}">
+                <a16:creationId xmlns:a16="http://schemas.microsoft.com/office/drawing/2014/main" id="{96FFA50D-8D0E-4E0C-0834-C0C49E0B2341}"/>
+              </a:ext>
+            </a:extLst>
+          </p:cNvPr>
+          <p:cNvSpPr>
+            <a:spLocks noGrp="1"/>
+          </p:cNvSpPr>
+          <p:nvPr>
+            <p:ph type="sldNum" sz="quarter" idx="10"/>
+          </p:nvPr>
+        </p:nvSpPr>
+        <p:spPr/>
+        <p:txBody>
+          <a:bodyPr/>
+          <a:lstStyle/>
+          <a:p>
+            <a:fld id="{580A554D-C1AC-45F1-A27C-B07C7A64290E}" type="slidenum">
+              <a:rPr lang="en-US"/>
+              <a:pPr/>
+              <a:t>79</a:t>
+            </a:fld>
+            <a:endParaRPr lang="en-US"/>
+          </a:p>
+        </p:txBody>
+      </p:sp>
+      <p:sp>
+        <p:nvSpPr>
+          <p:cNvPr id="889858" name="Rectangle 2">
+            <a:extLst>
+              <a:ext uri="{FF2B5EF4-FFF2-40B4-BE49-F238E27FC236}">
+                <a16:creationId xmlns:a16="http://schemas.microsoft.com/office/drawing/2014/main" id="{99B9E914-5BB3-BAA8-0ACC-69D6AEFEC5C8}"/>
+              </a:ext>
+            </a:extLst>
+          </p:cNvPr>
+          <p:cNvSpPr>
+            <a:spLocks noGrp="1" noChangeArrowheads="1"/>
+          </p:cNvSpPr>
+          <p:nvPr>
+            <p:ph type="title"/>
+          </p:nvPr>
+        </p:nvSpPr>
+        <p:spPr>
+          <a:xfrm>
+            <a:off x="143507" y="277813"/>
+            <a:ext cx="8794117" cy="774923"/>
+          </a:xfrm>
+        </p:spPr>
+        <p:txBody>
+          <a:bodyPr/>
+          <a:lstStyle/>
+          <a:p>
+            <a:pPr eaLnBrk="1" hangingPunct="1"/>
+            <a:r>
+              <a:rPr lang="en-GB"/>
+              <a:t>Custom and Association of Ideas</a:t>
+            </a:r>
+            <a:endParaRPr lang="en-US"/>
+          </a:p>
+        </p:txBody>
+      </p:sp>
+      <p:sp>
+        <p:nvSpPr>
+          <p:cNvPr id="889859" name="Rectangle 3">
+            <a:extLst>
+              <a:ext uri="{FF2B5EF4-FFF2-40B4-BE49-F238E27FC236}">
+                <a16:creationId xmlns:a16="http://schemas.microsoft.com/office/drawing/2014/main" id="{01B5C79F-4E78-26D6-7284-85C3B0EB99D9}"/>
+              </a:ext>
+            </a:extLst>
+          </p:cNvPr>
+          <p:cNvSpPr>
+            <a:spLocks noGrp="1" noChangeArrowheads="1"/>
+          </p:cNvSpPr>
+          <p:nvPr>
+            <p:ph type="body" idx="1"/>
+          </p:nvPr>
+        </p:nvSpPr>
+        <p:spPr>
+          <a:xfrm>
+            <a:off x="539552" y="1304764"/>
+            <a:ext cx="8229600" cy="5338924"/>
+          </a:xfrm>
+        </p:spPr>
+        <p:txBody>
+          <a:bodyPr/>
+          <a:lstStyle/>
+          <a:p>
+            <a:pPr eaLnBrk="1" hangingPunct="1"/>
+            <a:r>
+              <a:rPr lang="en-GB" sz="2600"/>
+              <a:t>At </a:t>
+            </a:r>
+            <a:r>
+              <a:rPr lang="en-GB" sz="2600" i="1"/>
+              <a:t>T</a:t>
+            </a:r>
+            <a:r>
+              <a:rPr lang="en-GB" sz="2600"/>
+              <a:t> 1.3.7.6, Hume appears to refer to “custom” as “a principle of association”. </a:t>
+            </a:r>
+          </a:p>
+          <a:p>
+            <a:pPr eaLnBrk="1" hangingPunct="1">
+              <a:spcBef>
+                <a:spcPts val="1200"/>
+              </a:spcBef>
+            </a:pPr>
+            <a:r>
+              <a:rPr lang="en-GB" sz="2600"/>
+              <a:t>Yet there is a big difference between the sort of association that is merely “a gentle force” (T 1.1.4.1) tending to leads our thoughts from one idea to another, and what will later turn out to be custom’s irresistibility (e.g. at </a:t>
+            </a:r>
+            <a:r>
+              <a:rPr lang="en-GB" sz="2600" i="1"/>
+              <a:t>T</a:t>
+            </a:r>
+            <a:r>
+              <a:rPr lang="en-GB" sz="2600"/>
+              <a:t> 1.3.9.7, 1.4.1.7 and 1.4.4.1).</a:t>
+            </a:r>
+          </a:p>
+          <a:p>
+            <a:pPr>
+              <a:spcBef>
+                <a:spcPts val="1200"/>
+              </a:spcBef>
+            </a:pPr>
+            <a:r>
+              <a:rPr lang="en-US" sz="2600"/>
+              <a:t>There is also another fundamental difference, in that custom involves </a:t>
+            </a:r>
+            <a:r>
+              <a:rPr lang="en-US" sz="2600" i="1"/>
+              <a:t>inference to something unobserved</a:t>
+            </a:r>
+            <a:r>
+              <a:rPr lang="en-US" sz="2600"/>
+              <a:t>, whereas mere association typically involves </a:t>
+            </a:r>
+            <a:r>
+              <a:rPr lang="en-US" sz="2600" i="1"/>
+              <a:t>flow of a train of thought to something previously observed</a:t>
+            </a:r>
+            <a:r>
+              <a:rPr lang="en-US" sz="2600"/>
+              <a:t>.  Hume is much clearer about this in his </a:t>
+            </a:r>
+            <a:r>
+              <a:rPr lang="en-US" sz="2600" i="1"/>
+              <a:t>Enquiry</a:t>
+            </a:r>
+            <a:r>
+              <a:rPr lang="en-US" sz="2600"/>
+              <a:t>.</a:t>
+            </a:r>
+          </a:p>
+          <a:p>
+            <a:pPr eaLnBrk="1" hangingPunct="1">
+              <a:spcBef>
+                <a:spcPts val="1200"/>
+              </a:spcBef>
+            </a:pPr>
+            <a:endParaRPr lang="en-GB" sz="2600"/>
+          </a:p>
+          <a:p>
+            <a:pPr lvl="1" eaLnBrk="1" hangingPunct="1">
+              <a:spcBef>
+                <a:spcPts val="1200"/>
+              </a:spcBef>
+              <a:buFontTx/>
+              <a:buNone/>
+            </a:pPr>
+            <a:endParaRPr lang="en-GB" sz="2600" dirty="0"/>
+          </a:p>
+        </p:txBody>
+      </p:sp>
+    </p:spTree>
+    <p:extLst>
+      <p:ext uri="{BB962C8B-B14F-4D97-AF65-F5344CB8AC3E}">
+        <p14:creationId xmlns:p14="http://schemas.microsoft.com/office/powerpoint/2010/main" val="1744834280"/>
       </p:ext>
     </p:extLst>
   </p:cSld>
@@ -22116,6 +29839,1086 @@
 </p:sld>
 </file>
 
+<file path=ppt/slides/slide80.xml><?xml version="1.0" encoding="utf-8"?>
+<p:sld xmlns:a="http://schemas.openxmlformats.org/drawingml/2006/main" xmlns:r="http://schemas.openxmlformats.org/officeDocument/2006/relationships" xmlns:p="http://schemas.openxmlformats.org/presentationml/2006/main">
+  <p:cSld>
+    <p:spTree>
+      <p:nvGrpSpPr>
+        <p:cNvPr id="1" name="">
+          <a:extLst>
+            <a:ext uri="{FF2B5EF4-FFF2-40B4-BE49-F238E27FC236}">
+              <a16:creationId xmlns:a16="http://schemas.microsoft.com/office/drawing/2014/main" id="{6FB19C3D-7A3B-4A6B-3668-E2442F7F7380}"/>
+            </a:ext>
+          </a:extLst>
+        </p:cNvPr>
+        <p:cNvGrpSpPr/>
+        <p:nvPr/>
+      </p:nvGrpSpPr>
+      <p:grpSpPr>
+        <a:xfrm>
+          <a:off x="0" y="0"/>
+          <a:ext cx="0" cy="0"/>
+          <a:chOff x="0" y="0"/>
+          <a:chExt cx="0" cy="0"/>
+        </a:xfrm>
+      </p:grpSpPr>
+      <p:sp>
+        <p:nvSpPr>
+          <p:cNvPr id="2" name="Title 1">
+            <a:extLst>
+              <a:ext uri="{FF2B5EF4-FFF2-40B4-BE49-F238E27FC236}">
+                <a16:creationId xmlns:a16="http://schemas.microsoft.com/office/drawing/2014/main" id="{02F4EED2-4BF2-F81E-ECFE-E1A3BE314846}"/>
+              </a:ext>
+            </a:extLst>
+          </p:cNvPr>
+          <p:cNvSpPr>
+            <a:spLocks noGrp="1"/>
+          </p:cNvSpPr>
+          <p:nvPr>
+            <p:ph type="title"/>
+          </p:nvPr>
+        </p:nvSpPr>
+        <p:spPr>
+          <a:xfrm>
+            <a:off x="457200" y="152636"/>
+            <a:ext cx="8229600" cy="1458999"/>
+          </a:xfrm>
+        </p:spPr>
+        <p:txBody>
+          <a:bodyPr/>
+          <a:lstStyle/>
+          <a:p>
+            <a:r>
+              <a:rPr lang="en-US"/>
+              <a:t>Custom and Association</a:t>
+            </a:r>
+            <a:br>
+              <a:rPr lang="en-US"/>
+            </a:br>
+            <a:r>
+              <a:rPr lang="en-US"/>
+              <a:t> in the first </a:t>
+            </a:r>
+            <a:r>
+              <a:rPr lang="en-US" i="1"/>
+              <a:t>Enquiry</a:t>
+            </a:r>
+            <a:endParaRPr lang="en-GB"/>
+          </a:p>
+        </p:txBody>
+      </p:sp>
+      <p:sp>
+        <p:nvSpPr>
+          <p:cNvPr id="3" name="Content Placeholder 2">
+            <a:extLst>
+              <a:ext uri="{FF2B5EF4-FFF2-40B4-BE49-F238E27FC236}">
+                <a16:creationId xmlns:a16="http://schemas.microsoft.com/office/drawing/2014/main" id="{5F32827E-9C78-BD82-62BE-812B69CDECFB}"/>
+              </a:ext>
+            </a:extLst>
+          </p:cNvPr>
+          <p:cNvSpPr>
+            <a:spLocks noGrp="1"/>
+          </p:cNvSpPr>
+          <p:nvPr>
+            <p:ph idx="1"/>
+          </p:nvPr>
+        </p:nvSpPr>
+        <p:spPr>
+          <a:xfrm>
+            <a:off x="385192" y="1952836"/>
+            <a:ext cx="8435280" cy="4680520"/>
+          </a:xfrm>
+        </p:spPr>
+        <p:txBody>
+          <a:bodyPr/>
+          <a:lstStyle/>
+          <a:p>
+            <a:r>
+              <a:rPr lang="en-US" sz="3000"/>
+              <a:t>In the </a:t>
+            </a:r>
+            <a:r>
+              <a:rPr lang="en-US" sz="3000" i="1"/>
+              <a:t>Enquiry</a:t>
+            </a:r>
+            <a:r>
+              <a:rPr lang="en-US" sz="3000"/>
+              <a:t>, Hume treats </a:t>
+            </a:r>
+            <a:r>
+              <a:rPr lang="en-US" sz="3000" i="1"/>
+              <a:t>custom</a:t>
+            </a:r>
+            <a:r>
+              <a:rPr lang="en-US" sz="3000"/>
+              <a:t> as clearly distinct from </a:t>
+            </a:r>
+            <a:r>
+              <a:rPr lang="en-US" sz="3000" i="1"/>
+              <a:t>association of ideas</a:t>
+            </a:r>
+            <a:r>
+              <a:rPr lang="en-US" sz="3000"/>
+              <a:t> by causation.</a:t>
+            </a:r>
+          </a:p>
+          <a:p>
+            <a:pPr lvl="1">
+              <a:spcBef>
+                <a:spcPts val="1500"/>
+              </a:spcBef>
+            </a:pPr>
+            <a:r>
+              <a:rPr lang="en-US" sz="2600" i="1"/>
+              <a:t>Custom</a:t>
+            </a:r>
+            <a:r>
+              <a:rPr lang="en-US" sz="2600"/>
+              <a:t> operates when, having previously seen </a:t>
+            </a:r>
+            <a:r>
+              <a:rPr lang="en-US" sz="2600" i="1"/>
+              <a:t>A</a:t>
+            </a:r>
+            <a:r>
+              <a:rPr lang="en-US" sz="2600"/>
+              <a:t> followed by </a:t>
+            </a:r>
+            <a:r>
+              <a:rPr lang="en-US" sz="2600" i="1"/>
+              <a:t>B</a:t>
+            </a:r>
+            <a:r>
+              <a:rPr lang="en-US" sz="2600"/>
+              <a:t> repeatedly and then seeing </a:t>
+            </a:r>
+            <a:r>
+              <a:rPr lang="en-US" sz="2600" i="1"/>
+              <a:t>A</a:t>
+            </a:r>
+            <a:r>
+              <a:rPr lang="en-US" sz="2600"/>
+              <a:t>,</a:t>
+            </a:r>
+            <a:br>
+              <a:rPr lang="en-US" sz="2600"/>
+            </a:br>
+            <a:r>
+              <a:rPr lang="en-US" sz="2600">
+                <a:solidFill>
+                  <a:srgbClr val="FF7C80"/>
+                </a:solidFill>
+              </a:rPr>
+              <a:t>I </a:t>
+            </a:r>
+            <a:r>
+              <a:rPr lang="en-US" sz="2600" i="1">
+                <a:solidFill>
+                  <a:srgbClr val="FF7C80"/>
+                </a:solidFill>
+              </a:rPr>
+              <a:t>infer</a:t>
+            </a:r>
+            <a:r>
+              <a:rPr lang="en-US" sz="2600">
+                <a:solidFill>
+                  <a:srgbClr val="FF7C80"/>
+                </a:solidFill>
+              </a:rPr>
+              <a:t> (automatically) that </a:t>
+            </a:r>
+            <a:r>
+              <a:rPr lang="en-US" sz="2600" i="1">
+                <a:solidFill>
+                  <a:srgbClr val="FF7C80"/>
+                </a:solidFill>
+              </a:rPr>
+              <a:t>B</a:t>
+            </a:r>
+            <a:r>
+              <a:rPr lang="en-US" sz="2600">
+                <a:solidFill>
+                  <a:srgbClr val="FF7C80"/>
+                </a:solidFill>
+              </a:rPr>
+              <a:t> will follow</a:t>
+            </a:r>
+            <a:r>
+              <a:rPr lang="en-US" sz="2600"/>
+              <a:t>.</a:t>
+            </a:r>
+          </a:p>
+          <a:p>
+            <a:pPr lvl="1">
+              <a:spcBef>
+                <a:spcPts val="1500"/>
+              </a:spcBef>
+            </a:pPr>
+            <a:r>
+              <a:rPr lang="en-US" sz="2600" i="1"/>
+              <a:t>Association of ideas by causation</a:t>
+            </a:r>
+            <a:r>
+              <a:rPr lang="en-US" sz="2600"/>
+              <a:t> operates when, having come to the belief that </a:t>
+            </a:r>
+            <a:r>
+              <a:rPr lang="en-US" sz="2600" i="1"/>
+              <a:t>A</a:t>
+            </a:r>
+            <a:r>
+              <a:rPr lang="en-US" sz="2600"/>
+              <a:t> and </a:t>
+            </a:r>
+            <a:r>
+              <a:rPr lang="en-US" sz="2600" i="1"/>
+              <a:t>B</a:t>
+            </a:r>
+            <a:r>
+              <a:rPr lang="en-US" sz="2600"/>
+              <a:t> are causally related, </a:t>
+            </a:r>
+            <a:r>
+              <a:rPr lang="en-US" sz="2600">
+                <a:solidFill>
+                  <a:srgbClr val="FF7C80"/>
+                </a:solidFill>
+              </a:rPr>
+              <a:t>my thought of </a:t>
+            </a:r>
+            <a:r>
+              <a:rPr lang="en-US" sz="2600" i="1">
+                <a:solidFill>
+                  <a:srgbClr val="FF7C80"/>
+                </a:solidFill>
+              </a:rPr>
+              <a:t>A</a:t>
+            </a:r>
+            <a:r>
+              <a:rPr lang="en-US" sz="2600">
+                <a:solidFill>
+                  <a:srgbClr val="FF7C80"/>
+                </a:solidFill>
+              </a:rPr>
+              <a:t> leads me to think of </a:t>
+            </a:r>
+            <a:r>
+              <a:rPr lang="en-US" sz="2600" i="1">
+                <a:solidFill>
+                  <a:srgbClr val="FF7C80"/>
+                </a:solidFill>
+              </a:rPr>
+              <a:t>B</a:t>
+            </a:r>
+            <a:r>
+              <a:rPr lang="en-US" sz="2600"/>
+              <a:t>.  This will not usually involve any specific </a:t>
+            </a:r>
+            <a:r>
+              <a:rPr lang="en-US" sz="2600" i="1"/>
+              <a:t>inference</a:t>
+            </a:r>
+            <a:r>
+              <a:rPr lang="en-US" sz="2600"/>
+              <a:t>.</a:t>
+            </a:r>
+            <a:endParaRPr lang="en-GB" sz="2600" i="1"/>
+          </a:p>
+        </p:txBody>
+      </p:sp>
+      <p:sp>
+        <p:nvSpPr>
+          <p:cNvPr id="4" name="Slide Number Placeholder 3">
+            <a:extLst>
+              <a:ext uri="{FF2B5EF4-FFF2-40B4-BE49-F238E27FC236}">
+                <a16:creationId xmlns:a16="http://schemas.microsoft.com/office/drawing/2014/main" id="{D8342641-F3B6-777E-48A9-AA9CC341A46A}"/>
+              </a:ext>
+            </a:extLst>
+          </p:cNvPr>
+          <p:cNvSpPr>
+            <a:spLocks noGrp="1"/>
+          </p:cNvSpPr>
+          <p:nvPr>
+            <p:ph type="sldNum" sz="quarter" idx="10"/>
+          </p:nvPr>
+        </p:nvSpPr>
+        <p:spPr/>
+        <p:txBody>
+          <a:bodyPr/>
+          <a:lstStyle/>
+          <a:p>
+            <a:fld id="{FFD1EE05-59BE-439B-B8B7-F61DC751609B}" type="slidenum">
+              <a:rPr lang="en-US" smtClean="0"/>
+              <a:pPr/>
+              <a:t>80</a:t>
+            </a:fld>
+            <a:endParaRPr lang="en-US"/>
+          </a:p>
+        </p:txBody>
+      </p:sp>
+    </p:spTree>
+    <p:extLst>
+      <p:ext uri="{BB962C8B-B14F-4D97-AF65-F5344CB8AC3E}">
+        <p14:creationId xmlns:p14="http://schemas.microsoft.com/office/powerpoint/2010/main" val="1851059989"/>
+      </p:ext>
+    </p:extLst>
+  </p:cSld>
+  <p:clrMapOvr>
+    <a:masterClrMapping/>
+  </p:clrMapOvr>
+  <p:transition spd="med">
+    <p:cover/>
+  </p:transition>
+</p:sld>
+</file>
+
+<file path=ppt/slides/slide81.xml><?xml version="1.0" encoding="utf-8"?>
+<p:sld xmlns:a="http://schemas.openxmlformats.org/drawingml/2006/main" xmlns:r="http://schemas.openxmlformats.org/officeDocument/2006/relationships" xmlns:p="http://schemas.openxmlformats.org/presentationml/2006/main">
+  <p:cSld>
+    <p:spTree>
+      <p:nvGrpSpPr>
+        <p:cNvPr id="1" name="">
+          <a:extLst>
+            <a:ext uri="{FF2B5EF4-FFF2-40B4-BE49-F238E27FC236}">
+              <a16:creationId xmlns:a16="http://schemas.microsoft.com/office/drawing/2014/main" id="{969F000A-EF81-2673-7187-E46A71DDFE5C}"/>
+            </a:ext>
+          </a:extLst>
+        </p:cNvPr>
+        <p:cNvGrpSpPr/>
+        <p:nvPr/>
+      </p:nvGrpSpPr>
+      <p:grpSpPr>
+        <a:xfrm>
+          <a:off x="0" y="0"/>
+          <a:ext cx="0" cy="0"/>
+          <a:chOff x="0" y="0"/>
+          <a:chExt cx="0" cy="0"/>
+        </a:xfrm>
+      </p:grpSpPr>
+      <p:sp>
+        <p:nvSpPr>
+          <p:cNvPr id="3" name="Content Placeholder 2">
+            <a:extLst>
+              <a:ext uri="{FF2B5EF4-FFF2-40B4-BE49-F238E27FC236}">
+                <a16:creationId xmlns:a16="http://schemas.microsoft.com/office/drawing/2014/main" id="{83896DB3-6A8C-F387-27E6-46FE37F34C23}"/>
+              </a:ext>
+            </a:extLst>
+          </p:cNvPr>
+          <p:cNvSpPr>
+            <a:spLocks noGrp="1"/>
+          </p:cNvSpPr>
+          <p:nvPr>
+            <p:ph idx="1"/>
+          </p:nvPr>
+        </p:nvSpPr>
+        <p:spPr>
+          <a:xfrm>
+            <a:off x="647564" y="332656"/>
+            <a:ext cx="8039235" cy="6120680"/>
+          </a:xfrm>
+        </p:spPr>
+        <p:txBody>
+          <a:bodyPr/>
+          <a:lstStyle/>
+          <a:p>
+            <a:pPr marL="400050" lvl="1" indent="0">
+              <a:buNone/>
+            </a:pPr>
+            <a:r>
+              <a:rPr lang="en-US" sz="2300"/>
+              <a:t>“No one can doubt but causation has the same influence as the other two relations of resemblance and contiguity. Superstitious people are fond of the reliques of saints and holy men, for the same reason, that they seek after types or images, in order to enliven their devotion, and give them a more intimate and strong conception of those exemplary lives, which they desire to imitate.”  (</a:t>
+            </a:r>
+            <a:r>
+              <a:rPr lang="en-US" sz="2300" i="1"/>
+              <a:t>E</a:t>
+            </a:r>
+            <a:r>
+              <a:rPr lang="en-US" sz="2300"/>
+              <a:t> 5.18)</a:t>
+            </a:r>
+          </a:p>
+          <a:p>
+            <a:pPr marL="400050" lvl="1" indent="0">
+              <a:spcBef>
+                <a:spcPts val="2400"/>
+              </a:spcBef>
+              <a:buNone/>
+            </a:pPr>
+            <a:r>
+              <a:rPr lang="en-US" sz="2300"/>
+              <a:t>“Suppose, that the son of a friend, who had been long dead or absent, were presented to us; it is evident, that this object would instantly revive its correlative idea, and recal to our thoughts all past intimacies and familiarities, in more lively colours than they would otherwise have appeared to us. This is another phænomenon, which seems to prove the principle above-mentioned [i.e. that the relation of </a:t>
+            </a:r>
+            <a:r>
+              <a:rPr lang="en-US" sz="2300" i="1"/>
+              <a:t>causation</a:t>
+            </a:r>
+            <a:r>
+              <a:rPr lang="en-US" sz="2300"/>
+              <a:t> gives rise to association of ideas and consequent increase in vivacity].”  (</a:t>
+            </a:r>
+            <a:r>
+              <a:rPr lang="en-US" sz="2300" i="1"/>
+              <a:t>E</a:t>
+            </a:r>
+            <a:r>
+              <a:rPr lang="en-US" sz="2300"/>
+              <a:t> 5.19)</a:t>
+            </a:r>
+            <a:endParaRPr lang="en-GB" sz="2300"/>
+          </a:p>
+        </p:txBody>
+      </p:sp>
+      <p:sp>
+        <p:nvSpPr>
+          <p:cNvPr id="4" name="Slide Number Placeholder 3">
+            <a:extLst>
+              <a:ext uri="{FF2B5EF4-FFF2-40B4-BE49-F238E27FC236}">
+                <a16:creationId xmlns:a16="http://schemas.microsoft.com/office/drawing/2014/main" id="{C03A21D8-275C-B0EB-5EA8-E4EBD7EF1F2E}"/>
+              </a:ext>
+            </a:extLst>
+          </p:cNvPr>
+          <p:cNvSpPr>
+            <a:spLocks noGrp="1"/>
+          </p:cNvSpPr>
+          <p:nvPr>
+            <p:ph type="sldNum" sz="quarter" idx="10"/>
+          </p:nvPr>
+        </p:nvSpPr>
+        <p:spPr/>
+        <p:txBody>
+          <a:bodyPr/>
+          <a:lstStyle/>
+          <a:p>
+            <a:fld id="{FFD1EE05-59BE-439B-B8B7-F61DC751609B}" type="slidenum">
+              <a:rPr lang="en-US" smtClean="0"/>
+              <a:pPr/>
+              <a:t>81</a:t>
+            </a:fld>
+            <a:endParaRPr lang="en-US"/>
+          </a:p>
+        </p:txBody>
+      </p:sp>
+    </p:spTree>
+    <p:extLst>
+      <p:ext uri="{BB962C8B-B14F-4D97-AF65-F5344CB8AC3E}">
+        <p14:creationId xmlns:p14="http://schemas.microsoft.com/office/powerpoint/2010/main" val="3421783909"/>
+      </p:ext>
+    </p:extLst>
+  </p:cSld>
+  <p:clrMapOvr>
+    <a:masterClrMapping/>
+  </p:clrMapOvr>
+  <p:transition spd="med">
+    <p:cover/>
+  </p:transition>
+</p:sld>
+</file>
+
+<file path=ppt/slides/slide82.xml><?xml version="1.0" encoding="utf-8"?>
+<p:sld xmlns:a="http://schemas.openxmlformats.org/drawingml/2006/main" xmlns:r="http://schemas.openxmlformats.org/officeDocument/2006/relationships" xmlns:p="http://schemas.openxmlformats.org/presentationml/2006/main">
+  <p:cSld>
+    <p:spTree>
+      <p:nvGrpSpPr>
+        <p:cNvPr id="1" name="">
+          <a:extLst>
+            <a:ext uri="{FF2B5EF4-FFF2-40B4-BE49-F238E27FC236}">
+              <a16:creationId xmlns:a16="http://schemas.microsoft.com/office/drawing/2014/main" id="{7CE254B3-D40F-7088-E7E9-6EADC2AB76DA}"/>
+            </a:ext>
+          </a:extLst>
+        </p:cNvPr>
+        <p:cNvGrpSpPr/>
+        <p:nvPr/>
+      </p:nvGrpSpPr>
+      <p:grpSpPr>
+        <a:xfrm>
+          <a:off x="0" y="0"/>
+          <a:ext cx="0" cy="0"/>
+          <a:chOff x="0" y="0"/>
+          <a:chExt cx="0" cy="0"/>
+        </a:xfrm>
+      </p:grpSpPr>
+      <p:sp>
+        <p:nvSpPr>
+          <p:cNvPr id="3" name="Content Placeholder 2">
+            <a:extLst>
+              <a:ext uri="{FF2B5EF4-FFF2-40B4-BE49-F238E27FC236}">
+                <a16:creationId xmlns:a16="http://schemas.microsoft.com/office/drawing/2014/main" id="{9F0ABF63-2D1F-5284-8176-37477C6CAAAA}"/>
+              </a:ext>
+            </a:extLst>
+          </p:cNvPr>
+          <p:cNvSpPr>
+            <a:spLocks noGrp="1"/>
+          </p:cNvSpPr>
+          <p:nvPr>
+            <p:ph idx="1"/>
+          </p:nvPr>
+        </p:nvSpPr>
+        <p:spPr>
+          <a:xfrm>
+            <a:off x="468313" y="260648"/>
+            <a:ext cx="8136135" cy="6228692"/>
+          </a:xfrm>
+        </p:spPr>
+        <p:txBody>
+          <a:bodyPr/>
+          <a:lstStyle/>
+          <a:p>
+            <a:pPr marL="800100" lvl="2" indent="0">
+              <a:buNone/>
+            </a:pPr>
+            <a:r>
+              <a:rPr lang="en-US" sz="2300"/>
+              <a:t>“We may observe, that, in these phænomena, the belief of the correlative object is always presupposed; without which the relation could have no effect. The influence of the picture supposes, that we believe our friend to have once existed. Contiguity to home can never excite our ideas of home, unless we believe that it really exists. Now I assert, that this belief, where it reaches beyond the memory or senses, is of a similar nature, and arises from similar causes, with the transition of thought and vivacity of conception here explained.  …  it is a satisfaction to find some analogies, by which it may be explained.”  (</a:t>
+            </a:r>
+            <a:r>
+              <a:rPr lang="en-US" sz="2300" i="1"/>
+              <a:t>E</a:t>
+            </a:r>
+            <a:r>
+              <a:rPr lang="en-US" sz="2300"/>
+              <a:t> 5.20)</a:t>
+            </a:r>
+          </a:p>
+          <a:p>
+            <a:pPr>
+              <a:spcBef>
+                <a:spcPts val="2400"/>
+              </a:spcBef>
+            </a:pPr>
+            <a:r>
+              <a:rPr lang="en-GB" sz="2500"/>
+              <a:t>Thus he argues that </a:t>
+            </a:r>
+            <a:r>
+              <a:rPr lang="en-GB" sz="2500" i="1"/>
+              <a:t>custom</a:t>
+            </a:r>
+            <a:r>
+              <a:rPr lang="en-GB" sz="2500"/>
+              <a:t> is an associational principle, “analogous” to </a:t>
+            </a:r>
+            <a:r>
+              <a:rPr lang="en-GB" sz="2500" i="1"/>
+              <a:t>association of ideas </a:t>
+            </a:r>
+            <a:r>
+              <a:rPr lang="en-GB" sz="2500"/>
+              <a:t>(</a:t>
+            </a:r>
+            <a:r>
+              <a:rPr lang="en-GB" sz="2500" i="1"/>
+              <a:t>E</a:t>
+            </a:r>
+            <a:r>
+              <a:rPr lang="en-GB" sz="2500"/>
+              <a:t> 5.13), but his carefully chosen examples make clear that he is distinguishing, rather than conflating them.</a:t>
+            </a:r>
+          </a:p>
+        </p:txBody>
+      </p:sp>
+      <p:sp>
+        <p:nvSpPr>
+          <p:cNvPr id="4" name="Slide Number Placeholder 3">
+            <a:extLst>
+              <a:ext uri="{FF2B5EF4-FFF2-40B4-BE49-F238E27FC236}">
+                <a16:creationId xmlns:a16="http://schemas.microsoft.com/office/drawing/2014/main" id="{3504D6E4-7706-2EA8-6DC8-09F878BC0D89}"/>
+              </a:ext>
+            </a:extLst>
+          </p:cNvPr>
+          <p:cNvSpPr>
+            <a:spLocks noGrp="1"/>
+          </p:cNvSpPr>
+          <p:nvPr>
+            <p:ph type="sldNum" sz="quarter" idx="10"/>
+          </p:nvPr>
+        </p:nvSpPr>
+        <p:spPr/>
+        <p:txBody>
+          <a:bodyPr/>
+          <a:lstStyle/>
+          <a:p>
+            <a:fld id="{A10A50DE-8775-498A-B5F5-974B635EB245}" type="slidenum">
+              <a:rPr lang="en-US" smtClean="0"/>
+              <a:pPr/>
+              <a:t>82</a:t>
+            </a:fld>
+            <a:endParaRPr lang="en-US"/>
+          </a:p>
+        </p:txBody>
+      </p:sp>
+    </p:spTree>
+    <p:extLst>
+      <p:ext uri="{BB962C8B-B14F-4D97-AF65-F5344CB8AC3E}">
+        <p14:creationId xmlns:p14="http://schemas.microsoft.com/office/powerpoint/2010/main" val="4245039268"/>
+      </p:ext>
+    </p:extLst>
+  </p:cSld>
+  <p:clrMapOvr>
+    <a:masterClrMapping/>
+  </p:clrMapOvr>
+  <p:transition spd="med">
+    <p:cover/>
+  </p:transition>
+</p:sld>
+</file>
+
+<file path=ppt/slides/slide83.xml><?xml version="1.0" encoding="utf-8"?>
+<p:sld xmlns:a="http://schemas.openxmlformats.org/drawingml/2006/main" xmlns:r="http://schemas.openxmlformats.org/officeDocument/2006/relationships" xmlns:p="http://schemas.openxmlformats.org/presentationml/2006/main">
+  <p:cSld>
+    <p:spTree>
+      <p:nvGrpSpPr>
+        <p:cNvPr id="1" name="">
+          <a:extLst>
+            <a:ext uri="{FF2B5EF4-FFF2-40B4-BE49-F238E27FC236}">
+              <a16:creationId xmlns:a16="http://schemas.microsoft.com/office/drawing/2014/main" id="{9B8D04CD-0A55-33A9-948C-9BCDDD1D9479}"/>
+            </a:ext>
+          </a:extLst>
+        </p:cNvPr>
+        <p:cNvGrpSpPr/>
+        <p:nvPr/>
+      </p:nvGrpSpPr>
+      <p:grpSpPr>
+        <a:xfrm>
+          <a:off x="0" y="0"/>
+          <a:ext cx="0" cy="0"/>
+          <a:chOff x="0" y="0"/>
+          <a:chExt cx="0" cy="0"/>
+        </a:xfrm>
+      </p:grpSpPr>
+      <p:sp>
+        <p:nvSpPr>
+          <p:cNvPr id="2" name="Title 1">
+            <a:extLst>
+              <a:ext uri="{FF2B5EF4-FFF2-40B4-BE49-F238E27FC236}">
+                <a16:creationId xmlns:a16="http://schemas.microsoft.com/office/drawing/2014/main" id="{C0BEECCF-BB0A-CA22-4B27-B048C246D3CC}"/>
+              </a:ext>
+            </a:extLst>
+          </p:cNvPr>
+          <p:cNvSpPr>
+            <a:spLocks noGrp="1"/>
+          </p:cNvSpPr>
+          <p:nvPr>
+            <p:ph type="title"/>
+          </p:nvPr>
+        </p:nvSpPr>
+        <p:spPr>
+          <a:xfrm>
+            <a:off x="457200" y="224644"/>
+            <a:ext cx="8229600" cy="810927"/>
+          </a:xfrm>
+        </p:spPr>
+        <p:txBody>
+          <a:bodyPr/>
+          <a:lstStyle/>
+          <a:p>
+            <a:r>
+              <a:rPr lang="en-GB" dirty="0"/>
+              <a:t>Religion </a:t>
+            </a:r>
+            <a:r>
+              <a:rPr lang="en-GB"/>
+              <a:t>and Association</a:t>
+            </a:r>
+            <a:endParaRPr lang="en-GB" dirty="0"/>
+          </a:p>
+        </p:txBody>
+      </p:sp>
+      <p:sp>
+        <p:nvSpPr>
+          <p:cNvPr id="3" name="Content Placeholder 2">
+            <a:extLst>
+              <a:ext uri="{FF2B5EF4-FFF2-40B4-BE49-F238E27FC236}">
+                <a16:creationId xmlns:a16="http://schemas.microsoft.com/office/drawing/2014/main" id="{5ECD7365-0E3C-A3FA-A19A-77FEB00A1A91}"/>
+              </a:ext>
+            </a:extLst>
+          </p:cNvPr>
+          <p:cNvSpPr>
+            <a:spLocks noGrp="1"/>
+          </p:cNvSpPr>
+          <p:nvPr>
+            <p:ph idx="1"/>
+          </p:nvPr>
+        </p:nvSpPr>
+        <p:spPr>
+          <a:xfrm>
+            <a:off x="287524" y="1232756"/>
+            <a:ext cx="8532948" cy="5436604"/>
+          </a:xfrm>
+        </p:spPr>
+        <p:txBody>
+          <a:bodyPr/>
+          <a:lstStyle/>
+          <a:p>
+            <a:r>
+              <a:rPr lang="en-GB" sz="2800"/>
+              <a:t>Although in the </a:t>
+            </a:r>
+            <a:r>
+              <a:rPr lang="en-GB" sz="2800" i="1"/>
+              <a:t>Treatise</a:t>
+            </a:r>
+            <a:r>
+              <a:rPr lang="en-GB" sz="2800"/>
+              <a:t> Hume conflates </a:t>
+            </a:r>
+            <a:r>
+              <a:rPr lang="en-GB" sz="2800" i="1"/>
+              <a:t>custom</a:t>
+            </a:r>
+            <a:r>
+              <a:rPr lang="en-GB" sz="2800"/>
+              <a:t> and </a:t>
+            </a:r>
+            <a:r>
+              <a:rPr lang="en-GB" sz="2800" i="1"/>
+              <a:t>association</a:t>
+            </a:r>
+            <a:r>
+              <a:rPr lang="en-GB" sz="2800"/>
+              <a:t>, he generally sees the former as epistemologically essential, and the latter as often leading to confusion and fallacy.  He particularly highlights examples occurring in religion:</a:t>
+            </a:r>
+          </a:p>
+          <a:p>
+            <a:pPr lvl="1">
+              <a:spcBef>
+                <a:spcPts val="1200"/>
+              </a:spcBef>
+            </a:pPr>
+            <a:r>
+              <a:rPr lang="en-GB" sz="2400" i="1"/>
+              <a:t>T</a:t>
+            </a:r>
+            <a:r>
+              <a:rPr lang="en-GB" sz="2400"/>
+              <a:t> </a:t>
+            </a:r>
+            <a:r>
+              <a:rPr lang="en-GB" sz="2400" dirty="0"/>
+              <a:t>1.3.8.4  The “mummeries” of Roman Catholicism enhance belief in saints (etc.) by perception of statues and associational </a:t>
+            </a:r>
+            <a:r>
+              <a:rPr lang="en-GB" sz="2400" i="1" dirty="0"/>
+              <a:t>resemblance</a:t>
+            </a:r>
+            <a:r>
+              <a:rPr lang="en-GB" sz="2400" dirty="0"/>
+              <a:t>.</a:t>
+            </a:r>
+          </a:p>
+          <a:p>
+            <a:pPr lvl="1">
+              <a:spcBef>
+                <a:spcPts val="1200"/>
+              </a:spcBef>
+            </a:pPr>
+            <a:r>
+              <a:rPr lang="en-GB" sz="2400" i="1" dirty="0"/>
+              <a:t>T</a:t>
+            </a:r>
+            <a:r>
+              <a:rPr lang="en-GB" sz="2400" dirty="0"/>
+              <a:t> 1.3.8.6  Relics have a similar effect, associated to saints through </a:t>
+            </a:r>
+            <a:r>
+              <a:rPr lang="en-GB" sz="2400" i="1" dirty="0"/>
+              <a:t>causation</a:t>
+            </a:r>
+            <a:r>
+              <a:rPr lang="en-GB" sz="2400" dirty="0"/>
+              <a:t>.</a:t>
+            </a:r>
+          </a:p>
+          <a:p>
+            <a:pPr lvl="1">
+              <a:spcBef>
+                <a:spcPts val="1200"/>
+              </a:spcBef>
+            </a:pPr>
+            <a:r>
+              <a:rPr lang="en-GB" sz="2400" i="1" dirty="0"/>
+              <a:t>T</a:t>
+            </a:r>
+            <a:r>
+              <a:rPr lang="en-GB" sz="2400" dirty="0"/>
+              <a:t> 1.3.9.9  </a:t>
+            </a:r>
+            <a:r>
+              <a:rPr lang="en-GB" sz="2400" i="1" dirty="0"/>
+              <a:t>Contiguity</a:t>
+            </a:r>
+            <a:r>
+              <a:rPr lang="en-GB" sz="2400" dirty="0"/>
+              <a:t> enhances the belief of pilgrims to Mecca or the Holy </a:t>
+            </a:r>
+            <a:r>
+              <a:rPr lang="en-GB" sz="2400"/>
+              <a:t>Land.</a:t>
+            </a:r>
+            <a:endParaRPr lang="en-GB" sz="2400" i="1" dirty="0"/>
+          </a:p>
+        </p:txBody>
+      </p:sp>
+      <p:sp>
+        <p:nvSpPr>
+          <p:cNvPr id="4" name="Slide Number Placeholder 3">
+            <a:extLst>
+              <a:ext uri="{FF2B5EF4-FFF2-40B4-BE49-F238E27FC236}">
+                <a16:creationId xmlns:a16="http://schemas.microsoft.com/office/drawing/2014/main" id="{0AC90043-DC88-A901-6019-D4CA3376A011}"/>
+              </a:ext>
+            </a:extLst>
+          </p:cNvPr>
+          <p:cNvSpPr>
+            <a:spLocks noGrp="1"/>
+          </p:cNvSpPr>
+          <p:nvPr>
+            <p:ph type="sldNum" sz="quarter" idx="10"/>
+          </p:nvPr>
+        </p:nvSpPr>
+        <p:spPr/>
+        <p:txBody>
+          <a:bodyPr/>
+          <a:lstStyle/>
+          <a:p>
+            <a:fld id="{A10A50DE-8775-498A-B5F5-974B635EB245}" type="slidenum">
+              <a:rPr lang="en-US" smtClean="0"/>
+              <a:pPr/>
+              <a:t>83</a:t>
+            </a:fld>
+            <a:endParaRPr lang="en-US"/>
+          </a:p>
+        </p:txBody>
+      </p:sp>
+    </p:spTree>
+    <p:extLst>
+      <p:ext uri="{BB962C8B-B14F-4D97-AF65-F5344CB8AC3E}">
+        <p14:creationId xmlns:p14="http://schemas.microsoft.com/office/powerpoint/2010/main" val="40843204"/>
+      </p:ext>
+    </p:extLst>
+  </p:cSld>
+  <p:clrMapOvr>
+    <a:masterClrMapping/>
+  </p:clrMapOvr>
+  <p:transition spd="med">
+    <p:cover/>
+  </p:transition>
+</p:sld>
+</file>
+
+<file path=ppt/slides/slide84.xml><?xml version="1.0" encoding="utf-8"?>
+<p:sld xmlns:a="http://schemas.openxmlformats.org/drawingml/2006/main" xmlns:r="http://schemas.openxmlformats.org/officeDocument/2006/relationships" xmlns:p="http://schemas.openxmlformats.org/presentationml/2006/main">
+  <p:cSld>
+    <p:spTree>
+      <p:nvGrpSpPr>
+        <p:cNvPr id="1" name=""/>
+        <p:cNvGrpSpPr/>
+        <p:nvPr/>
+      </p:nvGrpSpPr>
+      <p:grpSpPr>
+        <a:xfrm>
+          <a:off x="0" y="0"/>
+          <a:ext cx="0" cy="0"/>
+          <a:chOff x="0" y="0"/>
+          <a:chExt cx="0" cy="0"/>
+        </a:xfrm>
+      </p:grpSpPr>
+      <p:sp>
+        <p:nvSpPr>
+          <p:cNvPr id="2" name="Title 1">
+            <a:extLst>
+              <a:ext uri="{FF2B5EF4-FFF2-40B4-BE49-F238E27FC236}">
+                <a16:creationId xmlns:a16="http://schemas.microsoft.com/office/drawing/2014/main" id="{45B08AAB-124E-6EA5-2924-8AF170916812}"/>
+              </a:ext>
+            </a:extLst>
+          </p:cNvPr>
+          <p:cNvSpPr>
+            <a:spLocks noGrp="1"/>
+          </p:cNvSpPr>
+          <p:nvPr>
+            <p:ph type="title"/>
+          </p:nvPr>
+        </p:nvSpPr>
+        <p:spPr>
+          <a:xfrm>
+            <a:off x="457200" y="152636"/>
+            <a:ext cx="8229600" cy="702915"/>
+          </a:xfrm>
+        </p:spPr>
+        <p:txBody>
+          <a:bodyPr/>
+          <a:lstStyle/>
+          <a:p>
+            <a:r>
+              <a:rPr lang="en-GB"/>
+              <a:t>Hume’s Attitude to Association</a:t>
+            </a:r>
+          </a:p>
+        </p:txBody>
+      </p:sp>
+      <p:sp>
+        <p:nvSpPr>
+          <p:cNvPr id="3" name="Content Placeholder 2">
+            <a:extLst>
+              <a:ext uri="{FF2B5EF4-FFF2-40B4-BE49-F238E27FC236}">
+                <a16:creationId xmlns:a16="http://schemas.microsoft.com/office/drawing/2014/main" id="{46E87AD1-E370-012B-AB17-93054417ECD9}"/>
+              </a:ext>
+            </a:extLst>
+          </p:cNvPr>
+          <p:cNvSpPr>
+            <a:spLocks noGrp="1"/>
+          </p:cNvSpPr>
+          <p:nvPr>
+            <p:ph idx="1"/>
+          </p:nvPr>
+        </p:nvSpPr>
+        <p:spPr>
+          <a:xfrm>
+            <a:off x="575556" y="1160748"/>
+            <a:ext cx="8136904" cy="5364596"/>
+          </a:xfrm>
+        </p:spPr>
+        <p:txBody>
+          <a:bodyPr/>
+          <a:lstStyle/>
+          <a:p>
+            <a:pPr>
+              <a:spcBef>
+                <a:spcPts val="1800"/>
+              </a:spcBef>
+            </a:pPr>
+            <a:r>
+              <a:rPr lang="en-GB" sz="2700"/>
+              <a:t>Sometimes, Hume seems extremely positive:</a:t>
+            </a:r>
+          </a:p>
+          <a:p>
+            <a:pPr lvl="1">
+              <a:spcBef>
+                <a:spcPts val="1800"/>
+              </a:spcBef>
+            </a:pPr>
+            <a:r>
+              <a:rPr lang="en-GB" sz="2300"/>
+              <a:t>Association is “a kind of </a:t>
+            </a:r>
+            <a:r>
+              <a:rPr lang="en-GB" sz="2300" cap="small"/>
+              <a:t>Attraction</a:t>
+            </a:r>
+            <a:r>
+              <a:rPr lang="en-GB" sz="2300"/>
+              <a:t>, which in the mental world” has remarkable effects like gravity in the physical world (T 1.1.4.6).</a:t>
+            </a:r>
+          </a:p>
+          <a:p>
+            <a:pPr lvl="1">
+              <a:spcBef>
+                <a:spcPts val="1800"/>
+              </a:spcBef>
+            </a:pPr>
+            <a:r>
+              <a:rPr lang="en-GB" sz="2300"/>
+              <a:t>“if any thing can intitle the author to so glorious a name as that of an </a:t>
+            </a:r>
+            <a:r>
+              <a:rPr lang="en-GB" sz="2300" i="1"/>
+              <a:t>inventor</a:t>
+            </a:r>
+            <a:r>
+              <a:rPr lang="en-GB" sz="2300"/>
+              <a:t>, ’tis the use he makes of the principle of the association of ideas, which enters into most of his philosophy”  (</a:t>
+            </a:r>
+            <a:r>
+              <a:rPr lang="en-GB" sz="2300" i="1"/>
+              <a:t>A</a:t>
+            </a:r>
+            <a:r>
+              <a:rPr lang="en-GB" sz="2300"/>
+              <a:t> 35)</a:t>
+            </a:r>
+          </a:p>
+          <a:p>
+            <a:pPr>
+              <a:spcBef>
+                <a:spcPts val="1800"/>
+              </a:spcBef>
+            </a:pPr>
+            <a:r>
+              <a:rPr lang="en-GB" sz="2700"/>
+              <a:t>Hume indeed entirely approves of </a:t>
+            </a:r>
+            <a:r>
+              <a:rPr lang="en-GB" sz="2700" i="1"/>
+              <a:t>custom</a:t>
+            </a:r>
+            <a:r>
+              <a:rPr lang="en-GB" sz="2700"/>
+              <a:t>, as “the great guide of human life”.  But nevertheless, he retains much of the general suspicion of </a:t>
+            </a:r>
+            <a:r>
+              <a:rPr lang="en-GB" sz="2700" i="1"/>
+              <a:t>mere</a:t>
+            </a:r>
+            <a:r>
+              <a:rPr lang="en-GB" sz="2700"/>
+              <a:t> association that we saw in Locke and Chambers.   </a:t>
+            </a:r>
+          </a:p>
+          <a:p>
+            <a:pPr>
+              <a:spcBef>
+                <a:spcPts val="1800"/>
+              </a:spcBef>
+            </a:pPr>
+            <a:endParaRPr lang="en-GB" sz="2800"/>
+          </a:p>
+        </p:txBody>
+      </p:sp>
+      <p:sp>
+        <p:nvSpPr>
+          <p:cNvPr id="4" name="Slide Number Placeholder 3">
+            <a:extLst>
+              <a:ext uri="{FF2B5EF4-FFF2-40B4-BE49-F238E27FC236}">
+                <a16:creationId xmlns:a16="http://schemas.microsoft.com/office/drawing/2014/main" id="{0F0549EC-A55D-4DC3-1D42-BB9B4F90C5EE}"/>
+              </a:ext>
+            </a:extLst>
+          </p:cNvPr>
+          <p:cNvSpPr>
+            <a:spLocks noGrp="1"/>
+          </p:cNvSpPr>
+          <p:nvPr>
+            <p:ph type="sldNum" sz="quarter" idx="10"/>
+          </p:nvPr>
+        </p:nvSpPr>
+        <p:spPr/>
+        <p:txBody>
+          <a:bodyPr/>
+          <a:lstStyle/>
+          <a:p>
+            <a:fld id="{FFD1EE05-59BE-439B-B8B7-F61DC751609B}" type="slidenum">
+              <a:rPr lang="en-US" smtClean="0"/>
+              <a:pPr/>
+              <a:t>84</a:t>
+            </a:fld>
+            <a:endParaRPr lang="en-US"/>
+          </a:p>
+        </p:txBody>
+      </p:sp>
+    </p:spTree>
+    <p:extLst>
+      <p:ext uri="{BB962C8B-B14F-4D97-AF65-F5344CB8AC3E}">
+        <p14:creationId xmlns:p14="http://schemas.microsoft.com/office/powerpoint/2010/main" val="1886255509"/>
+      </p:ext>
+    </p:extLst>
+  </p:cSld>
+  <p:clrMapOvr>
+    <a:masterClrMapping/>
+  </p:clrMapOvr>
+  <p:transition spd="med">
+    <p:cover/>
+  </p:transition>
+</p:sld>
+</file>
+
 <file path=ppt/slides/slide9.xml><?xml version="1.0" encoding="utf-8"?>
 <p:sld xmlns:a="http://schemas.openxmlformats.org/drawingml/2006/main" xmlns:r="http://schemas.openxmlformats.org/officeDocument/2006/relationships" xmlns:p="http://schemas.openxmlformats.org/presentationml/2006/main">
   <p:cSld>
@@ -22231,7 +31034,7 @@
             </a:r>
             <a:r>
               <a:rPr lang="en-GB" sz="2300"/>
-              <a:t> (e.g. 2018 lectures 1 and 2, and lecture 3 as far as slide 26).</a:t>
+              <a:t> (e.g. 2018 lectures 1 and 2, and lecture 3 as far as  26).</a:t>
             </a:r>
           </a:p>
           <a:p>

--- a/teaching/lectures/2025_Hume_MT_current.pptx
+++ b/teaching/lectures/2025_Hume_MT_current.pptx
@@ -15020,7 +15020,7 @@
               <a:t>Propositions that are themselves conceivable, but </a:t>
             </a:r>
             <a:r>
-              <a:rPr lang="en-GB" sz="3000">
+              <a:rPr lang="en-GB" sz="3000" i="1" u="sng">
                 <a:solidFill>
                   <a:srgbClr val="FF7C80"/>
                 </a:solidFill>
@@ -16141,32 +16141,37 @@
               <a:rPr lang="en-US" sz="2400" dirty="0">
                 <a:cs typeface="Arial" charset="0"/>
               </a:rPr>
-              <a:t>Millican (2017) argues that Hume’s Fork stands up surprisingly well to these and other </a:t>
+              <a:t>Millican </a:t>
             </a:r>
             <a:r>
               <a:rPr lang="en-US" sz="2400">
                 <a:cs typeface="Arial" charset="0"/>
               </a:rPr>
-              <a:t>challenges.  </a:t>
-            </a:r>
-            <a:r>
-              <a:rPr lang="en-US" sz="1800">
+              <a:t>(2017 – through the “Scholarship” link at </a:t>
+            </a:r>
+            <a:r>
+              <a:rPr lang="en-US" sz="2400" u="sng">
                 <a:cs typeface="Arial" charset="0"/>
               </a:rPr>
-              <a:t>(From </a:t>
-            </a:r>
-            <a:r>
-              <a:rPr lang="en-US" sz="1800">
-                <a:cs typeface="Arial" charset="0"/>
-                <a:hlinkClick r:id="rId2"/>
-              </a:rPr>
-              <a:t>https://davidhume.org/scholarship/papers/millican/2017_Hume's_Fork.pdf</a:t>
-            </a:r>
-            <a:r>
-              <a:rPr lang="en-US" sz="1800">
+              <a:t>www.davidhume.org</a:t>
+            </a:r>
+            <a:r>
+              <a:rPr lang="en-US" sz="2400">
                 <a:cs typeface="Arial" charset="0"/>
               </a:rPr>
-              <a:t>)</a:t>
+              <a:t>) </a:t>
+            </a:r>
+            <a:r>
+              <a:rPr lang="en-US" sz="2400" dirty="0">
+                <a:cs typeface="Arial" charset="0"/>
+              </a:rPr>
+              <a:t>argues that Hume’s Fork stands up surprisingly well to these and other </a:t>
+            </a:r>
+            <a:r>
+              <a:rPr lang="en-US" sz="2400">
+                <a:cs typeface="Arial" charset="0"/>
+              </a:rPr>
+              <a:t>challenges.</a:t>
             </a:r>
             <a:endParaRPr lang="en-US" sz="1800" dirty="0">
               <a:cs typeface="Arial" charset="0"/>
@@ -22748,7 +22753,7 @@
             </a:br>
             <a:r>
               <a:rPr lang="en-GB"/>
-              <a:t>Kinds of Reasoning (and Evidence)</a:t>
+              <a:t>Two Lockean Kinds of Reasoning</a:t>
             </a:r>
             <a:endParaRPr lang="en-US" dirty="0"/>
           </a:p>
@@ -22873,7 +22878,7 @@
             </a:pPr>
             <a:r>
               <a:rPr lang="en-GB" altLang="en-US" sz="4000"/>
-              <a:t>Two Lockean Kinds of Reasoning</a:t>
+              <a:t>Kinds of Reasoning and Evidence</a:t>
             </a:r>
             <a:endParaRPr lang="en-GB" altLang="en-US" sz="4000" dirty="0"/>
           </a:p>
@@ -23058,7 +23063,15 @@
             </a:r>
             <a:r>
               <a:rPr lang="en-GB" altLang="en-US" dirty="0"/>
-              <a:t>It is common for Philosophers to distinguish the Kinds of Evidence into </a:t>
+              <a:t>It is common for Philosophers to distinguish the </a:t>
+            </a:r>
+            <a:r>
+              <a:rPr lang="en-GB" altLang="en-US" u="sng" dirty="0"/>
+              <a:t>Kinds of Evidence</a:t>
+            </a:r>
+            <a:r>
+              <a:rPr lang="en-GB" altLang="en-US" dirty="0"/>
+              <a:t> into </a:t>
             </a:r>
             <a:r>
               <a:rPr lang="en-GB" altLang="en-US" i="1" dirty="0">
@@ -25327,7 +25340,7 @@
             </a:r>
             <a:r>
               <a:rPr lang="en-GB" altLang="en-US" sz="2400"/>
-              <a:t> experience, yielding inductive certainty.  (For example, I have previously seen a million </a:t>
+              <a:t> experience, yielding inductive certainty.  (For example, I have previously seen thousands of </a:t>
             </a:r>
             <a:r>
               <a:rPr lang="en-GB" altLang="en-US" sz="2400" i="1"/>
@@ -26744,7 +26757,7 @@
             </a:r>
             <a:r>
               <a:rPr lang="en-GB" altLang="en-US" sz="2400"/>
-              <a:t>	All crows are birds.</a:t>
+              <a:t>	All birds are crows.</a:t>
             </a:r>
             <a:br>
               <a:rPr lang="en-GB" altLang="en-US" sz="2400"/>
@@ -26763,7 +26776,7 @@
             </a:r>
             <a:r>
               <a:rPr lang="en-GB" altLang="en-US" sz="2400" u="sng"/>
-              <a:t>All birds are black.</a:t>
+              <a:t>All crows are black.</a:t>
             </a:r>
             <a:br>
               <a:rPr lang="en-GB" altLang="en-US" sz="2400"/>
@@ -26794,7 +26807,7 @@
               <a:rPr lang="en-GB" altLang="en-US" sz="2400">
                 <a:sym typeface="Symbol" panose="05050102010706020507" pitchFamily="18" charset="2"/>
               </a:rPr>
-              <a:t>	All crows are black.</a:t>
+              <a:t>	All birds are black.</a:t>
             </a:r>
           </a:p>
           <a:p>
@@ -26950,11 +26963,11 @@
             </a:r>
             <a:r>
               <a:rPr lang="en-GB" altLang="en-US" sz="2600"/>
-              <a:t> that all crows are black, because it has a premise </a:t>
+              <a:t> that all birds are black, because it has a premise </a:t>
             </a:r>
             <a:r>
               <a:rPr lang="en-GB" altLang="en-US" sz="2600" i="1"/>
-              <a:t>P2</a:t>
+              <a:t>P1</a:t>
             </a:r>
             <a:r>
               <a:rPr lang="en-GB" altLang="en-US" sz="2600"/>
@@ -27236,7 +27249,7 @@
             </a:pPr>
             <a:r>
               <a:rPr lang="en-GB" sz="2300"/>
-              <a:t>These quotations may appear to support the claim that demonstrative arguments are possible only in mathematics (and hence must be </a:t>
+              <a:t>These passages may appear to imply that demonstrative arguments are possible only in mathematics, and hence must be </a:t>
             </a:r>
             <a:r>
               <a:rPr lang="en-GB" sz="2300" i="1"/>
@@ -27244,11 +27257,19 @@
             </a:r>
             <a:r>
               <a:rPr lang="en-GB" sz="2300"/>
-              <a:t>).  But note that Hume’s </a:t>
+              <a:t>.  But Hume’s </a:t>
             </a:r>
             <a:r>
               <a:rPr lang="en-GB" sz="2300" dirty="0"/>
-              <a:t>account of this limit is in terms of the </a:t>
+              <a:t>account of </a:t>
+            </a:r>
+            <a:r>
+              <a:rPr lang="en-GB" sz="2300"/>
+              <a:t>this limit (in both places) </a:t>
+            </a:r>
+            <a:r>
+              <a:rPr lang="en-GB" sz="2300" dirty="0"/>
+              <a:t>is in terms of the </a:t>
             </a:r>
             <a:r>
               <a:rPr lang="en-GB" sz="2300" i="1" dirty="0">
@@ -28810,7 +28831,7 @@
         </p:nvSpPr>
         <p:spPr>
           <a:xfrm>
-            <a:off x="179512" y="277813"/>
+            <a:off x="179512" y="188640"/>
             <a:ext cx="8856984" cy="846931"/>
           </a:xfrm>
         </p:spPr>
@@ -28885,7 +28906,7 @@
             </a:r>
             <a:r>
               <a:rPr lang="en-GB" altLang="en-US" sz="2500"/>
-              <a:t>absolute certainty).  Here he presents the dubious Dichotomy criticised in s 92-102 above.</a:t>
+              <a:t>absolute certainty).  Here he presents the dubious Dichotomy criticised in §3(c) above.</a:t>
             </a:r>
             <a:endParaRPr lang="en-GB" altLang="en-US" sz="2500" dirty="0"/>
           </a:p>
@@ -29214,8 +29235,8 @@
         </p:nvSpPr>
         <p:spPr>
           <a:xfrm>
-            <a:off x="457200" y="476672"/>
-            <a:ext cx="8399276" cy="6048672"/>
+            <a:off x="457200" y="224644"/>
+            <a:ext cx="8399276" cy="6444716"/>
           </a:xfrm>
         </p:spPr>
         <p:txBody>
@@ -29286,90 +29307,114 @@
           <a:p>
             <a:pPr>
               <a:spcBef>
+                <a:spcPts val="1500"/>
+              </a:spcBef>
+            </a:pPr>
+            <a:r>
+              <a:rPr lang="en-GB" sz="2800" dirty="0"/>
+              <a:t>But a key element – identified at </a:t>
+            </a:r>
+            <a:r>
+              <a:rPr lang="en-GB" sz="2800" i="1" dirty="0"/>
+              <a:t>T</a:t>
+            </a:r>
+            <a:r>
+              <a:rPr lang="en-GB" sz="2800" dirty="0"/>
+              <a:t> 1.3.2.11 as “</a:t>
+            </a:r>
+            <a:r>
+              <a:rPr lang="en-GB" sz="2800" cap="small" dirty="0">
+                <a:solidFill>
+                  <a:srgbClr val="FF9999"/>
+                </a:solidFill>
+              </a:rPr>
+              <a:t>necessary connexion</a:t>
+            </a:r>
+            <a:r>
+              <a:rPr lang="en-GB" sz="2800" dirty="0"/>
+              <a:t>” – is more elusive.</a:t>
+            </a:r>
+          </a:p>
+          <a:p>
+            <a:pPr lvl="1">
+              <a:spcBef>
                 <a:spcPts val="1200"/>
               </a:spcBef>
             </a:pPr>
             <a:r>
-              <a:rPr lang="en-GB" sz="2800" dirty="0"/>
-              <a:t>But a key element – identified at </a:t>
-            </a:r>
-            <a:r>
-              <a:rPr lang="en-GB" sz="2800" i="1" dirty="0"/>
+              <a:rPr lang="en-GB" sz="2500" dirty="0"/>
+              <a:t>At </a:t>
+            </a:r>
+            <a:r>
+              <a:rPr lang="en-GB" sz="2500" i="1" dirty="0"/>
               <a:t>T</a:t>
             </a:r>
             <a:r>
-              <a:rPr lang="en-GB" sz="2800" dirty="0"/>
-              <a:t> 1.3.2.11 as “</a:t>
-            </a:r>
-            <a:r>
-              <a:rPr lang="en-GB" sz="2800" cap="small" dirty="0">
-                <a:solidFill>
-                  <a:srgbClr val="FF9999"/>
-                </a:solidFill>
-              </a:rPr>
-              <a:t>necessary connexion</a:t>
-            </a:r>
-            <a:r>
-              <a:rPr lang="en-GB" sz="2800" dirty="0"/>
-              <a:t>” – is more elusive.</a:t>
+              <a:rPr lang="en-GB" sz="2500" dirty="0"/>
+              <a:t> 1.3.2.13, Hume decides to search two “neighbouring fields” to find this element’s source:</a:t>
             </a:r>
           </a:p>
           <a:p>
             <a:pPr lvl="1">
               <a:spcBef>
-                <a:spcPts val="900"/>
+                <a:spcPts val="1200"/>
               </a:spcBef>
             </a:pPr>
             <a:r>
               <a:rPr lang="en-GB" sz="2500" dirty="0"/>
-              <a:t>At </a:t>
-            </a:r>
-            <a:r>
-              <a:rPr lang="en-GB" sz="2500" i="1" dirty="0"/>
+              <a:t>First, </a:t>
+            </a:r>
+            <a:r>
+              <a:rPr lang="en-GB" sz="2500"/>
+              <a:t>he argues </a:t>
+            </a:r>
+            <a:r>
+              <a:rPr lang="en-GB" sz="2500" dirty="0"/>
+              <a:t>that </a:t>
+            </a:r>
+            <a:r>
+              <a:rPr lang="en-GB" sz="2500"/>
+              <a:t>the (almost universally accepted) Causal Maxim – </a:t>
+            </a:r>
+            <a:r>
+              <a:rPr lang="en-GB" sz="2500" i="1">
+                <a:solidFill>
+                  <a:srgbClr val="FF7C80"/>
+                </a:solidFill>
+              </a:rPr>
+              <a:t>whatever begins to exist must have a cause of existence</a:t>
+            </a:r>
+            <a:r>
+              <a:rPr lang="en-GB" sz="2500"/>
+              <a:t> – is </a:t>
+            </a:r>
+            <a:r>
+              <a:rPr lang="en-GB" sz="2500" dirty="0"/>
+              <a:t>neither intuitively nor demonstratively certain (</a:t>
+            </a:r>
+            <a:r>
+              <a:rPr lang="en-GB" sz="2500" i="1"/>
               <a:t>T</a:t>
             </a:r>
             <a:r>
-              <a:rPr lang="en-GB" sz="2500" dirty="0"/>
-              <a:t> 1.3.2.13, Hume decides to search two “neighbouring fields” to find this element’s source:</a:t>
-            </a:r>
+              <a:rPr lang="en-GB" sz="2500"/>
+              <a:t> 1.3.3.1-8).</a:t>
+            </a:r>
+            <a:endParaRPr lang="en-GB" sz="2500" dirty="0"/>
           </a:p>
           <a:p>
             <a:pPr lvl="1">
               <a:spcBef>
-                <a:spcPts val="900"/>
+                <a:spcPts val="1200"/>
               </a:spcBef>
             </a:pPr>
             <a:r>
+              <a:rPr lang="en-GB" sz="2500"/>
+              <a:t>Then he turns to consider why we ascribe necessity between particular causes and supposed effects, and why we make causal inferences </a:t>
+            </a:r>
+            <a:r>
               <a:rPr lang="en-GB" sz="2500" dirty="0"/>
-              <a:t>First, </a:t>
-            </a:r>
-            <a:r>
-              <a:rPr lang="en-GB" sz="2500"/>
-              <a:t>he argues </a:t>
-            </a:r>
-            <a:r>
-              <a:rPr lang="en-GB" sz="2500" dirty="0"/>
-              <a:t>that the Causal Maxim is neither intuitively nor demonstratively certain (</a:t>
-            </a:r>
-            <a:r>
-              <a:rPr lang="en-GB" sz="2500" i="1"/>
-              <a:t>T</a:t>
-            </a:r>
-            <a:r>
-              <a:rPr lang="en-GB" sz="2500"/>
-              <a:t> 1.3.3.1-8).</a:t>
-            </a:r>
-            <a:endParaRPr lang="en-GB" sz="2500" dirty="0"/>
-          </a:p>
-          <a:p>
-            <a:pPr lvl="1">
-              <a:spcBef>
-                <a:spcPts val="900"/>
-              </a:spcBef>
-            </a:pPr>
-            <a:r>
-              <a:rPr lang="en-GB" sz="2500" dirty="0"/>
-              <a:t>Secondly, he turns to consider “why we conclude, that such particular causes must necessarily have such particular effects, and why we form an inference from one to another?” (</a:t>
+              <a:t>(</a:t>
             </a:r>
             <a:r>
               <a:rPr lang="en-GB" sz="2500" i="1" dirty="0"/>
@@ -29653,8 +29698,8 @@
         </p:nvSpPr>
         <p:spPr>
           <a:xfrm>
-            <a:off x="215516" y="277813"/>
-            <a:ext cx="8720522" cy="1026951"/>
+            <a:off x="215516" y="188640"/>
+            <a:ext cx="8720522" cy="1278979"/>
           </a:xfrm>
         </p:spPr>
         <p:txBody>
@@ -29662,8 +29707,8 @@
           <a:lstStyle/>
           <a:p>
             <a:r>
-              <a:rPr lang="en-GB" altLang="en-US" dirty="0"/>
-              <a:t>Second “Field”: Causal Inference</a:t>
+              <a:rPr lang="en-GB" altLang="en-US"/>
+              <a:t>Setting Out to Investigate Causal Inference and Belief</a:t>
             </a:r>
             <a:endParaRPr lang="en-US" altLang="en-US" dirty="0"/>
           </a:p>
@@ -29687,8 +29732,8 @@
         </p:nvSpPr>
         <p:spPr>
           <a:xfrm>
-            <a:off x="457200" y="1484784"/>
-            <a:ext cx="8478838" cy="5096991"/>
+            <a:off x="539552" y="1808820"/>
+            <a:ext cx="8244916" cy="4772955"/>
           </a:xfrm>
         </p:spPr>
         <p:txBody>
@@ -29696,12 +29741,27 @@
           <a:lstStyle/>
           <a:p>
             <a:r>
-              <a:rPr lang="en-GB" altLang="en-US" i="1" dirty="0"/>
+              <a:rPr lang="en-GB" altLang="en-US" sz="2800" i="1" dirty="0"/>
               <a:t>Treatise</a:t>
             </a:r>
             <a:r>
-              <a:rPr lang="en-GB" altLang="en-US" dirty="0"/>
-              <a:t> 1.3.4 argues that causal reasoning, if it is to result in real belief, must start from something perceived or remembered.</a:t>
+              <a:rPr lang="en-GB" altLang="en-US" sz="2800" dirty="0"/>
+              <a:t> 1.3.4 argues that causal </a:t>
+            </a:r>
+            <a:r>
+              <a:rPr lang="en-GB" altLang="en-US" sz="2800"/>
+              <a:t>reasoning,</a:t>
+            </a:r>
+            <a:br>
+              <a:rPr lang="en-GB" altLang="en-US" sz="2800"/>
+            </a:br>
+            <a:r>
+              <a:rPr lang="en-GB" altLang="en-US" sz="2800"/>
+              <a:t>if </a:t>
+            </a:r>
+            <a:r>
+              <a:rPr lang="en-GB" altLang="en-US" sz="2800" dirty="0"/>
+              <a:t>it is to result in real belief, must start from something perceived or remembered.</a:t>
             </a:r>
           </a:p>
           <a:p>
@@ -29711,12 +29771,20 @@
               </a:spcBef>
             </a:pPr>
             <a:r>
-              <a:rPr lang="en-GB" altLang="en-US" i="1" dirty="0"/>
+              <a:rPr lang="en-GB" altLang="en-US" sz="2800" i="1" dirty="0"/>
               <a:t>T</a:t>
             </a:r>
             <a:r>
-              <a:rPr lang="en-GB" altLang="en-US" dirty="0"/>
-              <a:t> 1.3.5.1 sets out a corresponding agenda:</a:t>
+              <a:rPr lang="en-GB" altLang="en-US" sz="2800" dirty="0"/>
+              <a:t> </a:t>
+            </a:r>
+            <a:r>
+              <a:rPr lang="en-GB" altLang="en-US" sz="2800"/>
+              <a:t>1.3.5.1 then sets </a:t>
+            </a:r>
+            <a:r>
+              <a:rPr lang="en-GB" altLang="en-US" sz="2800" dirty="0"/>
+              <a:t>out a corresponding agenda:</a:t>
             </a:r>
           </a:p>
           <a:p>
@@ -29732,27 +29800,46 @@
               <a:t>	</a:t>
             </a:r>
             <a:r>
-              <a:rPr lang="en-GB" altLang="en-US" dirty="0"/>
-              <a:t>“Here therefore we have three things to explain, viz. </a:t>
-            </a:r>
-            <a:r>
-              <a:rPr lang="en-GB" altLang="en-US" i="1" dirty="0"/>
+              <a:rPr lang="en-GB" altLang="en-US" sz="2500" dirty="0"/>
+              <a:t>“Here therefore we have three things to </a:t>
+            </a:r>
+            <a:r>
+              <a:rPr lang="en-GB" altLang="en-US" sz="2500"/>
+              <a:t>explain, viz</a:t>
+            </a:r>
+            <a:r>
+              <a:rPr lang="en-GB" altLang="en-US" sz="2500" dirty="0"/>
+              <a:t>. </a:t>
+            </a:r>
+            <a:r>
+              <a:rPr lang="en-GB" altLang="en-US" sz="2500" i="1" dirty="0"/>
               <a:t>First</a:t>
             </a:r>
             <a:r>
-              <a:rPr lang="en-GB" altLang="en-US" dirty="0"/>
-              <a:t>, The original impression.  </a:t>
-            </a:r>
-            <a:r>
-              <a:rPr lang="en-GB" altLang="en-US" i="1" dirty="0"/>
+              <a:rPr lang="en-GB" altLang="en-US" sz="2500" dirty="0"/>
+              <a:t>, The original </a:t>
+            </a:r>
+            <a:r>
+              <a:rPr lang="en-GB" altLang="en-US" sz="2500"/>
+              <a:t>impression.</a:t>
+            </a:r>
+            <a:br>
+              <a:rPr lang="en-GB" altLang="en-US" sz="2500"/>
+            </a:br>
+            <a:r>
+              <a:rPr lang="en-GB" altLang="en-US" sz="2500" i="1"/>
               <a:t>Secondly</a:t>
             </a:r>
             <a:r>
-              <a:rPr lang="en-GB" altLang="en-US" dirty="0"/>
-              <a:t>, The transition to the idea of the connected cause or effect </a:t>
-            </a:r>
-            <a:r>
-              <a:rPr lang="en-GB" altLang="en-US" i="1" dirty="0">
+              <a:rPr lang="en-GB" altLang="en-US" sz="2500"/>
+              <a:t>, The </a:t>
+            </a:r>
+            <a:r>
+              <a:rPr lang="en-GB" altLang="en-US" sz="2500" dirty="0"/>
+              <a:t>transition to the idea of the connected cause or effect </a:t>
+            </a:r>
+            <a:r>
+              <a:rPr lang="en-GB" altLang="en-US" sz="2500" i="1" dirty="0">
                 <a:solidFill>
                   <a:srgbClr val="FF9999"/>
                 </a:solidFill>
@@ -29760,30 +29847,45 @@
               <a:t>[i.e. causal inference ]</a:t>
             </a:r>
             <a:r>
-              <a:rPr lang="en-GB" altLang="en-US" dirty="0"/>
+              <a:rPr lang="en-GB" altLang="en-US" sz="2500" dirty="0"/>
               <a:t>.</a:t>
             </a:r>
             <a:br>
-              <a:rPr lang="en-GB" altLang="en-US" dirty="0"/>
+              <a:rPr lang="en-GB" altLang="en-US" sz="2500" dirty="0"/>
             </a:br>
             <a:r>
-              <a:rPr lang="en-GB" altLang="en-US" i="1" dirty="0"/>
+              <a:rPr lang="en-GB" altLang="en-US" sz="2500" i="1" dirty="0"/>
               <a:t>Thirdly</a:t>
             </a:r>
             <a:r>
-              <a:rPr lang="en-GB" altLang="en-US" dirty="0"/>
-              <a:t>, The nature and qualities of that idea </a:t>
-            </a:r>
-            <a:r>
-              <a:rPr lang="en-GB" altLang="en-US" i="1" dirty="0">
+              <a:rPr lang="en-GB" altLang="en-US" sz="2500" dirty="0"/>
+              <a:t>, The nature and qualities of </a:t>
+            </a:r>
+            <a:r>
+              <a:rPr lang="en-GB" altLang="en-US" sz="2500"/>
+              <a:t>that idea</a:t>
+            </a:r>
+            <a:br>
+              <a:rPr lang="en-GB" altLang="en-US" sz="2500"/>
+            </a:br>
+            <a:r>
+              <a:rPr lang="en-GB" altLang="en-US" sz="2500" i="1">
                 <a:solidFill>
                   <a:srgbClr val="FF9999"/>
                 </a:solidFill>
               </a:rPr>
-              <a:t>[i.e. Hume’s theory of belief]</a:t>
-            </a:r>
-            <a:r>
-              <a:rPr lang="en-GB" altLang="en-US" dirty="0"/>
+              <a:t>[</a:t>
+            </a:r>
+            <a:r>
+              <a:rPr lang="en-GB" altLang="en-US" sz="2500" i="1" dirty="0">
+                <a:solidFill>
+                  <a:srgbClr val="FF9999"/>
+                </a:solidFill>
+              </a:rPr>
+              <a:t>i.e. Hume’s theory of belief]</a:t>
+            </a:r>
+            <a:r>
+              <a:rPr lang="en-GB" altLang="en-US" sz="2500" dirty="0"/>
               <a:t>.”</a:t>
             </a:r>
           </a:p>
@@ -30030,7 +30132,7 @@
         </p:nvSpPr>
         <p:spPr>
           <a:xfrm>
-            <a:off x="457200" y="188640"/>
+            <a:off x="457200" y="152636"/>
             <a:ext cx="8229600" cy="1403324"/>
           </a:xfrm>
         </p:spPr>
@@ -30129,7 +30231,7 @@
             </a:r>
             <a:r>
               <a:rPr lang="en-GB" altLang="en-US" sz="2600"/>
-              <a:t> 1.3.5.7 ( 44), Hume uses this to argue that force and vivacity constitutes assent.</a:t>
+              <a:t> 1.3.5.7 (slide 50), Hume uses this to argue that force and vivacity constitutes assent.</a:t>
             </a:r>
             <a:endParaRPr lang="en-GB" altLang="en-US" sz="2600" dirty="0"/>
           </a:p>
@@ -47593,10 +47695,18 @@
                   <a:srgbClr val="FF9999"/>
                 </a:solidFill>
               </a:rPr>
-              <a:t>impressions of reflection</a:t>
-            </a:r>
-            <a:r>
-              <a:rPr lang="en-GB" sz="2700" dirty="0">
+              <a:t>impressions of </a:t>
+            </a:r>
+            <a:r>
+              <a:rPr lang="en-GB" sz="2700" i="1">
+                <a:solidFill>
+                  <a:srgbClr val="FF9999"/>
+                </a:solidFill>
+              </a:rPr>
+              <a:t>reflection</a:t>
+            </a:r>
+            <a:r>
+              <a:rPr lang="en-GB" sz="2700">
                 <a:solidFill>
                   <a:srgbClr val="FF9999"/>
                 </a:solidFill>
@@ -47604,8 +47714,12 @@
               <a:t> </a:t>
             </a:r>
             <a:r>
+              <a:rPr lang="en-GB" sz="2700"/>
+              <a:t>such as passions and emotions (“</a:t>
+            </a:r>
+            <a:r>
               <a:rPr lang="en-GB" sz="2700" dirty="0"/>
-              <a:t>(“secondary” impressions – see </a:t>
+              <a:t>secondary” impressions – see </a:t>
             </a:r>
             <a:r>
               <a:rPr lang="en-GB" sz="2700" i="1" dirty="0"/>
@@ -47613,7 +47727,23 @@
             </a:r>
             <a:r>
               <a:rPr lang="en-GB" sz="2700" dirty="0"/>
-              <a:t> 2.1.1.1 – that arise from the interplay of ideas in our mind, such as passions and emotions), thus again creating </a:t>
+              <a:t> 2.1.1.1 – that arise from the interplay </a:t>
+            </a:r>
+            <a:r>
+              <a:rPr lang="en-GB" sz="2700"/>
+              <a:t>of prior perceptions </a:t>
+            </a:r>
+            <a:r>
+              <a:rPr lang="en-GB" sz="2700" dirty="0"/>
+              <a:t>in </a:t>
+            </a:r>
+            <a:r>
+              <a:rPr lang="en-GB" sz="2700"/>
+              <a:t>our mind), </a:t>
+            </a:r>
+            <a:r>
+              <a:rPr lang="en-GB" sz="2700" dirty="0"/>
+              <a:t>thus again creating </a:t>
             </a:r>
             <a:r>
               <a:rPr lang="en-GB" sz="2700" i="1" dirty="0">
@@ -48258,7 +48388,7 @@
         <p:spPr>
           <a:xfrm>
             <a:off x="482860" y="1520788"/>
-            <a:ext cx="8229600" cy="4968912"/>
+            <a:ext cx="8203940" cy="4968912"/>
           </a:xfrm>
         </p:spPr>
         <p:txBody>
@@ -48270,12 +48400,16 @@
               <a:t>imagination/reason (</a:t>
             </a:r>
             <a:r>
-              <a:rPr lang="en-GB" sz="2800" i="1" dirty="0"/>
+              <a:rPr lang="en-GB" sz="2800" i="1"/>
               <a:t>T</a:t>
             </a:r>
             <a:r>
+              <a:rPr lang="en-GB" sz="2800"/>
+              <a:t> 1.3.6.4, 1.4.2.2); imagin-ation/memory </a:t>
+            </a:r>
+            <a:r>
               <a:rPr lang="en-GB" sz="2800" dirty="0"/>
-              <a:t> 1.4.2.2); imagination/ memory (</a:t>
+              <a:t>(</a:t>
             </a:r>
             <a:r>
               <a:rPr lang="en-GB" sz="2800" i="1" dirty="0"/>
@@ -49386,7 +49520,7 @@
           <a:p>
             <a:r>
               <a:rPr lang="en-GB" sz="2600"/>
-              <a:t>Hume is sometimes thought to accept the so-called the </a:t>
+              <a:t>Hume is sometimes thought to accept the so-called </a:t>
             </a:r>
             <a:r>
               <a:rPr lang="en-GB" sz="2600" i="1"/>
@@ -49461,7 +49595,7 @@
             </a:pPr>
             <a:r>
               <a:rPr lang="en-GB" sz="2200"/>
-              <a:t>Hume also accepts that animals may have senses that yield ideas inconceivable to us, that there may be a vacuum or objects “specifically different” from our perceptions.  For detailed discussion, see Millican (“Hume’s Fork”, 2017, §5).</a:t>
+              <a:t>Also animals may have different senses, and other things may exist that are inconceivable to us, such as a vacuum or objects “specifically different” from our perceptions.  For detailed discussion, see Millican (“Hume’s Fork”, 2017, §5).</a:t>
             </a:r>
             <a:endParaRPr lang="en-GB" sz="2200" dirty="0"/>
           </a:p>
